--- a/Transfer/JIRA.pptx
+++ b/Transfer/JIRA.pptx
@@ -15,15 +15,15 @@
     <p:sldId id="416" r:id="rId9"/>
     <p:sldId id="384" r:id="rId10"/>
     <p:sldId id="401" r:id="rId11"/>
-    <p:sldId id="392" r:id="rId12"/>
-    <p:sldId id="391" r:id="rId13"/>
-    <p:sldId id="387" r:id="rId14"/>
-    <p:sldId id="394" r:id="rId15"/>
-    <p:sldId id="390" r:id="rId16"/>
-    <p:sldId id="398" r:id="rId17"/>
-    <p:sldId id="396" r:id="rId18"/>
-    <p:sldId id="399" r:id="rId19"/>
-    <p:sldId id="400" r:id="rId20"/>
+    <p:sldId id="391" r:id="rId12"/>
+    <p:sldId id="387" r:id="rId13"/>
+    <p:sldId id="394" r:id="rId14"/>
+    <p:sldId id="398" r:id="rId15"/>
+    <p:sldId id="396" r:id="rId16"/>
+    <p:sldId id="399" r:id="rId17"/>
+    <p:sldId id="390" r:id="rId18"/>
+    <p:sldId id="400" r:id="rId19"/>
+    <p:sldId id="392" r:id="rId20"/>
     <p:sldId id="402" r:id="rId21"/>
     <p:sldId id="405" r:id="rId22"/>
     <p:sldId id="406" r:id="rId23"/>
@@ -230,7 +230,7 @@
           <a:p>
             <a:fld id="{7403554B-2A20-494B-BE9C-AD74DE843402}" type="datetimeFigureOut">
               <a:rPr lang="ko-KR" altLang="en-US" smtClean="0"/>
-              <a:t>2025-01-16</a:t>
+              <a:t>2025-01-17</a:t>
             </a:fld>
             <a:endParaRPr lang="ko-KR" altLang="en-US"/>
           </a:p>
@@ -1519,7 +1519,7 @@
           </a:ln>
           <a:extLst>
             <a:ext uri="{C572A759-6A51-4108-AA02-DFA0A04FC94B}">
-              <ma14:wrappingTextBoxFlag xmlns="" xmlns:m="http://schemas.openxmlformats.org/officeDocument/2006/math" xmlns:a14="http://schemas.microsoft.com/office/drawing/2010/main" xmlns:ma14="http://schemas.microsoft.com/office/mac/drawingml/2011/main" val="1"/>
+              <ma14:wrappingTextBoxFlag xmlns:ma14="http://schemas.microsoft.com/office/mac/drawingml/2011/main" xmlns:a14="http://schemas.microsoft.com/office/drawing/2010/main" xmlns:m="http://schemas.openxmlformats.org/officeDocument/2006/math" xmlns="" val="1"/>
             </a:ext>
           </a:extLst>
         </p:spPr>
@@ -4443,7 +4443,7 @@
           </a:ln>
           <a:extLst>
             <a:ext uri="{C572A759-6A51-4108-AA02-DFA0A04FC94B}">
-              <ma14:wrappingTextBoxFlag xmlns="" xmlns:m="http://schemas.openxmlformats.org/officeDocument/2006/math" xmlns:a14="http://schemas.microsoft.com/office/drawing/2010/main" xmlns:ma14="http://schemas.microsoft.com/office/mac/drawingml/2011/main" val="1"/>
+              <ma14:wrappingTextBoxFlag xmlns:ma14="http://schemas.microsoft.com/office/mac/drawingml/2011/main" xmlns:a14="http://schemas.microsoft.com/office/drawing/2010/main" xmlns:m="http://schemas.openxmlformats.org/officeDocument/2006/math" xmlns="" val="1"/>
             </a:ext>
           </a:extLst>
         </p:spPr>
@@ -8971,125 +8971,6 @@
       </p:grpSpPr>
       <p:sp>
         <p:nvSpPr>
-          <p:cNvPr id="30" name="제목 1">
-            <a:extLst>
-              <a:ext uri="{FF2B5EF4-FFF2-40B4-BE49-F238E27FC236}">
-                <a16:creationId xmlns:a16="http://schemas.microsoft.com/office/drawing/2014/main" id="{E07677D8-5FB3-3385-9BD9-C02A67E5B6DD}"/>
-              </a:ext>
-            </a:extLst>
-          </p:cNvPr>
-          <p:cNvSpPr>
-            <a:spLocks noGrp="1"/>
-          </p:cNvSpPr>
-          <p:nvPr>
-            <p:ph type="title"/>
-          </p:nvPr>
-        </p:nvSpPr>
-        <p:spPr>
-          <a:xfrm>
-            <a:off x="550526" y="215756"/>
-            <a:ext cx="11088845" cy="523982"/>
-          </a:xfrm>
-        </p:spPr>
-        <p:txBody>
-          <a:bodyPr/>
-          <a:lstStyle/>
-          <a:p>
-            <a:r>
-              <a:rPr lang="en-US" altLang="ko-KR" dirty="0"/>
-              <a:t>3. System Design &amp; Interface</a:t>
-            </a:r>
-            <a:endParaRPr lang="ko-KR" altLang="en-US" dirty="0"/>
-          </a:p>
-        </p:txBody>
-      </p:sp>
-      <p:sp>
-        <p:nvSpPr>
-          <p:cNvPr id="32" name="AutoShape 7">
-            <a:extLst>
-              <a:ext uri="{FF2B5EF4-FFF2-40B4-BE49-F238E27FC236}">
-                <a16:creationId xmlns:a16="http://schemas.microsoft.com/office/drawing/2014/main" id="{170E9D07-8CC3-83F6-3C2A-0701DCEB6076}"/>
-              </a:ext>
-            </a:extLst>
-          </p:cNvPr>
-          <p:cNvSpPr>
-            <a:spLocks noChangeArrowheads="1"/>
-          </p:cNvSpPr>
-          <p:nvPr/>
-        </p:nvSpPr>
-        <p:spPr bwMode="auto">
-          <a:xfrm>
-            <a:off x="139699" y="971365"/>
-            <a:ext cx="11767672" cy="5481971"/>
-          </a:xfrm>
-          <a:prstGeom prst="roundRect">
-            <a:avLst>
-              <a:gd name="adj" fmla="val 1278"/>
-            </a:avLst>
-          </a:prstGeom>
-          <a:noFill/>
-          <a:ln w="12700" cap="flat" cmpd="sng" algn="ctr">
-            <a:solidFill>
-              <a:srgbClr val="A0A0A0"/>
-            </a:solidFill>
-            <a:prstDash val="solid"/>
-            <a:headEnd/>
-            <a:tailEnd/>
-          </a:ln>
-          <a:effectLst/>
-        </p:spPr>
-        <p:txBody>
-          <a:bodyPr wrap="none" tIns="0" bIns="0"/>
-          <a:lstStyle/>
-          <a:p>
-            <a:pPr eaLnBrk="0" fontAlgn="auto" latinLnBrk="0" hangingPunct="0">
-              <a:spcBef>
-                <a:spcPts val="0"/>
-              </a:spcBef>
-              <a:spcAft>
-                <a:spcPts val="0"/>
-              </a:spcAft>
-              <a:defRPr/>
-            </a:pPr>
-            <a:endParaRPr kumimoji="0" lang="ko-KR" altLang="en-US" kern="0" dirty="0">
-              <a:latin typeface="HY견고딕" pitchFamily="18" charset="-127"/>
-              <a:ea typeface="HY견고딕" pitchFamily="18" charset="-127"/>
-            </a:endParaRPr>
-          </a:p>
-        </p:txBody>
-      </p:sp>
-    </p:spTree>
-    <p:extLst>
-      <p:ext uri="{BB962C8B-B14F-4D97-AF65-F5344CB8AC3E}">
-        <p14:creationId xmlns:p14="http://schemas.microsoft.com/office/powerpoint/2010/main" val="2903534060"/>
-      </p:ext>
-    </p:extLst>
-  </p:cSld>
-  <p:clrMapOvr>
-    <a:masterClrMapping/>
-  </p:clrMapOvr>
-</p:sld>
-</file>
-
-<file path=ppt/slides/slide11.xml><?xml version="1.0" encoding="utf-8"?>
-<p:sld xmlns:a="http://schemas.openxmlformats.org/drawingml/2006/main" xmlns:r="http://schemas.openxmlformats.org/officeDocument/2006/relationships" xmlns:p="http://schemas.openxmlformats.org/presentationml/2006/main">
-  <p:cSld>
-    <p:spTree>
-      <p:nvGrpSpPr>
-        <p:cNvPr id="1" name=""/>
-        <p:cNvGrpSpPr/>
-        <p:nvPr/>
-      </p:nvGrpSpPr>
-      <p:grpSpPr>
-        <a:xfrm>
-          <a:off x="0" y="0"/>
-          <a:ext cx="0" cy="0"/>
-          <a:chOff x="0" y="0"/>
-          <a:chExt cx="0" cy="0"/>
-        </a:xfrm>
-      </p:grpSpPr>
-      <p:sp>
-        <p:nvSpPr>
           <p:cNvPr id="2" name="제목 1"/>
           <p:cNvSpPr>
             <a:spLocks noGrp="1"/>
@@ -9168,113 +9049,6 @@
     </p:spTree>
     <p:extLst>
       <p:ext uri="{BB962C8B-B14F-4D97-AF65-F5344CB8AC3E}">
-        <p14:creationId xmlns:p14="http://schemas.microsoft.com/office/powerpoint/2010/main" val="3192905211"/>
-      </p:ext>
-    </p:extLst>
-  </p:cSld>
-  <p:clrMapOvr>
-    <a:masterClrMapping/>
-  </p:clrMapOvr>
-</p:sld>
-</file>
-
-<file path=ppt/slides/slide12.xml><?xml version="1.0" encoding="utf-8"?>
-<p:sld xmlns:a="http://schemas.openxmlformats.org/drawingml/2006/main" xmlns:r="http://schemas.openxmlformats.org/officeDocument/2006/relationships" xmlns:p="http://schemas.openxmlformats.org/presentationml/2006/main">
-  <p:cSld>
-    <p:spTree>
-      <p:nvGrpSpPr>
-        <p:cNvPr id="1" name=""/>
-        <p:cNvGrpSpPr/>
-        <p:nvPr/>
-      </p:nvGrpSpPr>
-      <p:grpSpPr>
-        <a:xfrm>
-          <a:off x="0" y="0"/>
-          <a:ext cx="0" cy="0"/>
-          <a:chOff x="0" y="0"/>
-          <a:chExt cx="0" cy="0"/>
-        </a:xfrm>
-      </p:grpSpPr>
-      <p:sp>
-        <p:nvSpPr>
-          <p:cNvPr id="2" name="제목 1"/>
-          <p:cNvSpPr>
-            <a:spLocks noGrp="1"/>
-          </p:cNvSpPr>
-          <p:nvPr>
-            <p:ph type="title"/>
-          </p:nvPr>
-        </p:nvSpPr>
-        <p:spPr/>
-        <p:txBody>
-          <a:bodyPr/>
-          <a:lstStyle/>
-          <a:p>
-            <a:r>
-              <a:rPr lang="en-US" altLang="ko-KR" dirty="0"/>
-              <a:t>3. System Design &amp; Interface</a:t>
-            </a:r>
-          </a:p>
-        </p:txBody>
-      </p:sp>
-      <p:sp>
-        <p:nvSpPr>
-          <p:cNvPr id="35" name="AutoShape 7">
-            <a:extLst>
-              <a:ext uri="{FF2B5EF4-FFF2-40B4-BE49-F238E27FC236}">
-                <a16:creationId xmlns:a16="http://schemas.microsoft.com/office/drawing/2014/main" id="{170E9D07-8CC3-83F6-3C2A-0701DCEB6076}"/>
-              </a:ext>
-            </a:extLst>
-          </p:cNvPr>
-          <p:cNvSpPr>
-            <a:spLocks noChangeArrowheads="1"/>
-          </p:cNvSpPr>
-          <p:nvPr/>
-        </p:nvSpPr>
-        <p:spPr bwMode="auto">
-          <a:xfrm>
-            <a:off x="139699" y="971365"/>
-            <a:ext cx="11767672" cy="5481971"/>
-          </a:xfrm>
-          <a:prstGeom prst="roundRect">
-            <a:avLst>
-              <a:gd name="adj" fmla="val 1278"/>
-            </a:avLst>
-          </a:prstGeom>
-          <a:noFill/>
-          <a:ln w="12700" cap="flat" cmpd="sng" algn="ctr">
-            <a:solidFill>
-              <a:srgbClr val="A0A0A0"/>
-            </a:solidFill>
-            <a:prstDash val="solid"/>
-            <a:headEnd/>
-            <a:tailEnd/>
-          </a:ln>
-          <a:effectLst/>
-        </p:spPr>
-        <p:txBody>
-          <a:bodyPr wrap="none" tIns="0" bIns="0"/>
-          <a:lstStyle/>
-          <a:p>
-            <a:pPr eaLnBrk="0" fontAlgn="auto" latinLnBrk="0" hangingPunct="0">
-              <a:spcBef>
-                <a:spcPts val="0"/>
-              </a:spcBef>
-              <a:spcAft>
-                <a:spcPts val="0"/>
-              </a:spcAft>
-              <a:defRPr/>
-            </a:pPr>
-            <a:endParaRPr kumimoji="0" lang="ko-KR" altLang="en-US" kern="0" dirty="0">
-              <a:latin typeface="HY견고딕" pitchFamily="18" charset="-127"/>
-              <a:ea typeface="HY견고딕" pitchFamily="18" charset="-127"/>
-            </a:endParaRPr>
-          </a:p>
-        </p:txBody>
-      </p:sp>
-    </p:spTree>
-    <p:extLst>
-      <p:ext uri="{BB962C8B-B14F-4D97-AF65-F5344CB8AC3E}">
         <p14:creationId xmlns:p14="http://schemas.microsoft.com/office/powerpoint/2010/main" val="2473263838"/>
       </p:ext>
     </p:extLst>
@@ -9285,7 +9059,7 @@
 </p:sld>
 </file>
 
-<file path=ppt/slides/slide13.xml><?xml version="1.0" encoding="utf-8"?>
+<file path=ppt/slides/slide11.xml><?xml version="1.0" encoding="utf-8"?>
 <p:sld xmlns:a="http://schemas.openxmlformats.org/drawingml/2006/main" xmlns:r="http://schemas.openxmlformats.org/officeDocument/2006/relationships" xmlns:p="http://schemas.openxmlformats.org/presentationml/2006/main">
   <p:cSld>
     <p:spTree>
@@ -9395,6 +9169,505 @@
     <p:extLst>
       <p:ext uri="{BB962C8B-B14F-4D97-AF65-F5344CB8AC3E}">
         <p14:creationId xmlns:p14="http://schemas.microsoft.com/office/powerpoint/2010/main" val="840617206"/>
+      </p:ext>
+    </p:extLst>
+  </p:cSld>
+  <p:clrMapOvr>
+    <a:masterClrMapping/>
+  </p:clrMapOvr>
+</p:sld>
+</file>
+
+<file path=ppt/slides/slide12.xml><?xml version="1.0" encoding="utf-8"?>
+<p:sld xmlns:a="http://schemas.openxmlformats.org/drawingml/2006/main" xmlns:r="http://schemas.openxmlformats.org/officeDocument/2006/relationships" xmlns:p="http://schemas.openxmlformats.org/presentationml/2006/main">
+  <p:cSld>
+    <p:spTree>
+      <p:nvGrpSpPr>
+        <p:cNvPr id="1" name=""/>
+        <p:cNvGrpSpPr/>
+        <p:nvPr/>
+      </p:nvGrpSpPr>
+      <p:grpSpPr>
+        <a:xfrm>
+          <a:off x="0" y="0"/>
+          <a:ext cx="0" cy="0"/>
+          <a:chOff x="0" y="0"/>
+          <a:chExt cx="0" cy="0"/>
+        </a:xfrm>
+      </p:grpSpPr>
+      <p:sp>
+        <p:nvSpPr>
+          <p:cNvPr id="30" name="제목 1">
+            <a:extLst>
+              <a:ext uri="{FF2B5EF4-FFF2-40B4-BE49-F238E27FC236}">
+                <a16:creationId xmlns:a16="http://schemas.microsoft.com/office/drawing/2014/main" id="{E07677D8-5FB3-3385-9BD9-C02A67E5B6DD}"/>
+              </a:ext>
+            </a:extLst>
+          </p:cNvPr>
+          <p:cNvSpPr>
+            <a:spLocks noGrp="1"/>
+          </p:cNvSpPr>
+          <p:nvPr>
+            <p:ph type="title"/>
+          </p:nvPr>
+        </p:nvSpPr>
+        <p:spPr>
+          <a:xfrm>
+            <a:off x="550526" y="215756"/>
+            <a:ext cx="11088845" cy="523982"/>
+          </a:xfrm>
+        </p:spPr>
+        <p:txBody>
+          <a:bodyPr/>
+          <a:lstStyle/>
+          <a:p>
+            <a:r>
+              <a:rPr lang="en-US" altLang="ko-KR" dirty="0"/>
+              <a:t>3. System Design &amp; Interface</a:t>
+            </a:r>
+            <a:endParaRPr lang="ko-KR" altLang="en-US" dirty="0"/>
+          </a:p>
+        </p:txBody>
+      </p:sp>
+      <p:sp>
+        <p:nvSpPr>
+          <p:cNvPr id="32" name="AutoShape 7">
+            <a:extLst>
+              <a:ext uri="{FF2B5EF4-FFF2-40B4-BE49-F238E27FC236}">
+                <a16:creationId xmlns:a16="http://schemas.microsoft.com/office/drawing/2014/main" id="{170E9D07-8CC3-83F6-3C2A-0701DCEB6076}"/>
+              </a:ext>
+            </a:extLst>
+          </p:cNvPr>
+          <p:cNvSpPr>
+            <a:spLocks noChangeArrowheads="1"/>
+          </p:cNvSpPr>
+          <p:nvPr/>
+        </p:nvSpPr>
+        <p:spPr bwMode="auto">
+          <a:xfrm>
+            <a:off x="139699" y="971365"/>
+            <a:ext cx="11767672" cy="5481971"/>
+          </a:xfrm>
+          <a:prstGeom prst="roundRect">
+            <a:avLst>
+              <a:gd name="adj" fmla="val 1278"/>
+            </a:avLst>
+          </a:prstGeom>
+          <a:noFill/>
+          <a:ln w="12700" cap="flat" cmpd="sng" algn="ctr">
+            <a:solidFill>
+              <a:srgbClr val="A0A0A0"/>
+            </a:solidFill>
+            <a:prstDash val="solid"/>
+            <a:headEnd/>
+            <a:tailEnd/>
+          </a:ln>
+          <a:effectLst/>
+        </p:spPr>
+        <p:txBody>
+          <a:bodyPr wrap="none" tIns="0" bIns="0"/>
+          <a:lstStyle/>
+          <a:p>
+            <a:pPr eaLnBrk="0" fontAlgn="auto" latinLnBrk="0" hangingPunct="0">
+              <a:spcBef>
+                <a:spcPts val="0"/>
+              </a:spcBef>
+              <a:spcAft>
+                <a:spcPts val="0"/>
+              </a:spcAft>
+              <a:defRPr/>
+            </a:pPr>
+            <a:endParaRPr kumimoji="0" lang="ko-KR" altLang="en-US" kern="0" dirty="0">
+              <a:latin typeface="HY견고딕" pitchFamily="18" charset="-127"/>
+              <a:ea typeface="HY견고딕" pitchFamily="18" charset="-127"/>
+            </a:endParaRPr>
+          </a:p>
+        </p:txBody>
+      </p:sp>
+    </p:spTree>
+    <p:extLst>
+      <p:ext uri="{BB962C8B-B14F-4D97-AF65-F5344CB8AC3E}">
+        <p14:creationId xmlns:p14="http://schemas.microsoft.com/office/powerpoint/2010/main" val="4165373894"/>
+      </p:ext>
+    </p:extLst>
+  </p:cSld>
+  <p:clrMapOvr>
+    <a:masterClrMapping/>
+  </p:clrMapOvr>
+</p:sld>
+</file>
+
+<file path=ppt/slides/slide13.xml><?xml version="1.0" encoding="utf-8"?>
+<p:sld xmlns:a="http://schemas.openxmlformats.org/drawingml/2006/main" xmlns:r="http://schemas.openxmlformats.org/officeDocument/2006/relationships" xmlns:p="http://schemas.openxmlformats.org/presentationml/2006/main">
+  <p:cSld>
+    <p:spTree>
+      <p:nvGrpSpPr>
+        <p:cNvPr id="1" name=""/>
+        <p:cNvGrpSpPr/>
+        <p:nvPr/>
+      </p:nvGrpSpPr>
+      <p:grpSpPr>
+        <a:xfrm>
+          <a:off x="0" y="0"/>
+          <a:ext cx="0" cy="0"/>
+          <a:chOff x="0" y="0"/>
+          <a:chExt cx="0" cy="0"/>
+        </a:xfrm>
+      </p:grpSpPr>
+      <p:sp>
+        <p:nvSpPr>
+          <p:cNvPr id="2" name="제목 1"/>
+          <p:cNvSpPr>
+            <a:spLocks noGrp="1"/>
+          </p:cNvSpPr>
+          <p:nvPr>
+            <p:ph type="title"/>
+          </p:nvPr>
+        </p:nvSpPr>
+        <p:spPr/>
+        <p:txBody>
+          <a:bodyPr/>
+          <a:lstStyle/>
+          <a:p>
+            <a:r>
+              <a:rPr lang="en-US" altLang="ko-KR" dirty="0"/>
+              <a:t>3. </a:t>
+            </a:r>
+            <a:r>
+              <a:rPr lang="ko-KR" altLang="en-US" dirty="0"/>
+              <a:t>비용</a:t>
+            </a:r>
+            <a:endParaRPr lang="en-US" altLang="ko-KR" dirty="0"/>
+          </a:p>
+        </p:txBody>
+      </p:sp>
+      <p:sp>
+        <p:nvSpPr>
+          <p:cNvPr id="35" name="AutoShape 7">
+            <a:extLst>
+              <a:ext uri="{FF2B5EF4-FFF2-40B4-BE49-F238E27FC236}">
+                <a16:creationId xmlns:a16="http://schemas.microsoft.com/office/drawing/2014/main" id="{170E9D07-8CC3-83F6-3C2A-0701DCEB6076}"/>
+              </a:ext>
+            </a:extLst>
+          </p:cNvPr>
+          <p:cNvSpPr>
+            <a:spLocks noChangeArrowheads="1"/>
+          </p:cNvSpPr>
+          <p:nvPr/>
+        </p:nvSpPr>
+        <p:spPr bwMode="auto">
+          <a:xfrm>
+            <a:off x="139699" y="971365"/>
+            <a:ext cx="11767672" cy="5481971"/>
+          </a:xfrm>
+          <a:prstGeom prst="roundRect">
+            <a:avLst>
+              <a:gd name="adj" fmla="val 1278"/>
+            </a:avLst>
+          </a:prstGeom>
+          <a:noFill/>
+          <a:ln w="12700" cap="flat" cmpd="sng" algn="ctr">
+            <a:solidFill>
+              <a:srgbClr val="A0A0A0"/>
+            </a:solidFill>
+            <a:prstDash val="solid"/>
+            <a:headEnd/>
+            <a:tailEnd/>
+          </a:ln>
+          <a:effectLst/>
+        </p:spPr>
+        <p:txBody>
+          <a:bodyPr wrap="none" tIns="0" bIns="0"/>
+          <a:lstStyle/>
+          <a:p>
+            <a:pPr eaLnBrk="0" fontAlgn="auto" latinLnBrk="0" hangingPunct="0">
+              <a:spcBef>
+                <a:spcPts val="0"/>
+              </a:spcBef>
+              <a:spcAft>
+                <a:spcPts val="0"/>
+              </a:spcAft>
+              <a:defRPr/>
+            </a:pPr>
+            <a:endParaRPr kumimoji="0" lang="ko-KR" altLang="en-US" kern="0" dirty="0">
+              <a:latin typeface="HY견고딕" pitchFamily="18" charset="-127"/>
+              <a:ea typeface="HY견고딕" pitchFamily="18" charset="-127"/>
+            </a:endParaRPr>
+          </a:p>
+        </p:txBody>
+      </p:sp>
+      <p:pic>
+        <p:nvPicPr>
+          <p:cNvPr id="10" name="그림 9">
+            <a:extLst>
+              <a:ext uri="{FF2B5EF4-FFF2-40B4-BE49-F238E27FC236}">
+                <a16:creationId xmlns:a16="http://schemas.microsoft.com/office/drawing/2014/main" id="{5187F87A-B960-1C2C-9BBC-2C63D06159DB}"/>
+              </a:ext>
+            </a:extLst>
+          </p:cNvPr>
+          <p:cNvPicPr>
+            <a:picLocks noChangeAspect="1"/>
+          </p:cNvPicPr>
+          <p:nvPr/>
+        </p:nvPicPr>
+        <p:blipFill>
+          <a:blip r:embed="rId2"/>
+          <a:stretch>
+            <a:fillRect/>
+          </a:stretch>
+        </p:blipFill>
+        <p:spPr>
+          <a:xfrm>
+            <a:off x="349398" y="1429041"/>
+            <a:ext cx="5585653" cy="1618954"/>
+          </a:xfrm>
+          <a:prstGeom prst="rect">
+            <a:avLst/>
+          </a:prstGeom>
+        </p:spPr>
+      </p:pic>
+      <p:sp>
+        <p:nvSpPr>
+          <p:cNvPr id="11" name="TextBox 10">
+            <a:extLst>
+              <a:ext uri="{FF2B5EF4-FFF2-40B4-BE49-F238E27FC236}">
+                <a16:creationId xmlns:a16="http://schemas.microsoft.com/office/drawing/2014/main" id="{F815095A-E193-2624-9210-03DA34BE0033}"/>
+              </a:ext>
+            </a:extLst>
+          </p:cNvPr>
+          <p:cNvSpPr txBox="1"/>
+          <p:nvPr/>
+        </p:nvSpPr>
+        <p:spPr>
+          <a:xfrm>
+            <a:off x="349398" y="1146024"/>
+            <a:ext cx="5585652" cy="246221"/>
+          </a:xfrm>
+          <a:prstGeom prst="rect">
+            <a:avLst/>
+          </a:prstGeom>
+          <a:noFill/>
+        </p:spPr>
+        <p:txBody>
+          <a:bodyPr wrap="square" rtlCol="0">
+            <a:spAutoFit/>
+          </a:bodyPr>
+          <a:lstStyle/>
+          <a:p>
+            <a:r>
+              <a:rPr lang="en-US" altLang="ko-KR" sz="1000" b="1" dirty="0">
+                <a:solidFill>
+                  <a:srgbClr val="170BB5"/>
+                </a:solidFill>
+              </a:rPr>
+              <a:t>R&amp;D: 37</a:t>
+            </a:r>
+            <a:r>
+              <a:rPr lang="ko-KR" altLang="en-US" sz="1000" b="1" dirty="0">
+                <a:solidFill>
+                  <a:srgbClr val="170BB5"/>
+                </a:solidFill>
+              </a:rPr>
+              <a:t>명</a:t>
+            </a:r>
+          </a:p>
+        </p:txBody>
+      </p:sp>
+      <p:pic>
+        <p:nvPicPr>
+          <p:cNvPr id="13" name="그림 12">
+            <a:extLst>
+              <a:ext uri="{FF2B5EF4-FFF2-40B4-BE49-F238E27FC236}">
+                <a16:creationId xmlns:a16="http://schemas.microsoft.com/office/drawing/2014/main" id="{A1F80E44-0E6B-6A87-6C57-62997686BC1F}"/>
+              </a:ext>
+            </a:extLst>
+          </p:cNvPr>
+          <p:cNvPicPr>
+            <a:picLocks noChangeAspect="1"/>
+          </p:cNvPicPr>
+          <p:nvPr/>
+        </p:nvPicPr>
+        <p:blipFill>
+          <a:blip r:embed="rId3"/>
+          <a:stretch>
+            <a:fillRect/>
+          </a:stretch>
+        </p:blipFill>
+        <p:spPr>
+          <a:xfrm>
+            <a:off x="349398" y="4210940"/>
+            <a:ext cx="5585652" cy="1675695"/>
+          </a:xfrm>
+          <a:prstGeom prst="rect">
+            <a:avLst/>
+          </a:prstGeom>
+        </p:spPr>
+      </p:pic>
+      <p:sp>
+        <p:nvSpPr>
+          <p:cNvPr id="14" name="TextBox 13">
+            <a:extLst>
+              <a:ext uri="{FF2B5EF4-FFF2-40B4-BE49-F238E27FC236}">
+                <a16:creationId xmlns:a16="http://schemas.microsoft.com/office/drawing/2014/main" id="{319C8969-0B13-79BB-4845-A7447941B6E6}"/>
+              </a:ext>
+            </a:extLst>
+          </p:cNvPr>
+          <p:cNvSpPr txBox="1"/>
+          <p:nvPr/>
+        </p:nvSpPr>
+        <p:spPr>
+          <a:xfrm>
+            <a:off x="349398" y="3964719"/>
+            <a:ext cx="5585652" cy="246221"/>
+          </a:xfrm>
+          <a:prstGeom prst="rect">
+            <a:avLst/>
+          </a:prstGeom>
+          <a:noFill/>
+        </p:spPr>
+        <p:txBody>
+          <a:bodyPr wrap="square" rtlCol="0">
+            <a:spAutoFit/>
+          </a:bodyPr>
+          <a:lstStyle/>
+          <a:p>
+            <a:r>
+              <a:rPr lang="en-US" altLang="ko-KR" sz="1000" b="1" dirty="0">
+                <a:solidFill>
+                  <a:srgbClr val="170BB5"/>
+                </a:solidFill>
+              </a:rPr>
+              <a:t>R&amp;D: 37</a:t>
+            </a:r>
+            <a:r>
+              <a:rPr lang="ko-KR" altLang="en-US" sz="1000" b="1" dirty="0">
+                <a:solidFill>
+                  <a:srgbClr val="170BB5"/>
+                </a:solidFill>
+              </a:rPr>
+              <a:t>명 </a:t>
+            </a:r>
+            <a:r>
+              <a:rPr lang="en-US" altLang="ko-KR" sz="1000" b="1" dirty="0">
+                <a:solidFill>
+                  <a:srgbClr val="170BB5"/>
+                </a:solidFill>
+              </a:rPr>
+              <a:t>+ </a:t>
+            </a:r>
+            <a:r>
+              <a:rPr lang="ko-KR" altLang="en-US" sz="1000" b="1" dirty="0">
+                <a:solidFill>
+                  <a:srgbClr val="170BB5"/>
+                </a:solidFill>
+              </a:rPr>
+              <a:t>품질</a:t>
+            </a:r>
+            <a:r>
+              <a:rPr lang="en-US" altLang="ko-KR" sz="1000" b="1" dirty="0">
+                <a:solidFill>
+                  <a:srgbClr val="170BB5"/>
+                </a:solidFill>
+              </a:rPr>
+              <a:t>: 14</a:t>
+            </a:r>
+            <a:endParaRPr lang="ko-KR" altLang="en-US" sz="1000" b="1" dirty="0">
+              <a:solidFill>
+                <a:srgbClr val="170BB5"/>
+              </a:solidFill>
+            </a:endParaRPr>
+          </a:p>
+        </p:txBody>
+      </p:sp>
+      <p:pic>
+        <p:nvPicPr>
+          <p:cNvPr id="16" name="그림 15">
+            <a:extLst>
+              <a:ext uri="{FF2B5EF4-FFF2-40B4-BE49-F238E27FC236}">
+                <a16:creationId xmlns:a16="http://schemas.microsoft.com/office/drawing/2014/main" id="{E72FC3B3-3C30-44BD-CD23-D371575C25ED}"/>
+              </a:ext>
+            </a:extLst>
+          </p:cNvPr>
+          <p:cNvPicPr>
+            <a:picLocks noChangeAspect="1"/>
+          </p:cNvPicPr>
+          <p:nvPr/>
+        </p:nvPicPr>
+        <p:blipFill>
+          <a:blip r:embed="rId4"/>
+          <a:stretch>
+            <a:fillRect/>
+          </a:stretch>
+        </p:blipFill>
+        <p:spPr>
+          <a:xfrm>
+            <a:off x="6094948" y="1392245"/>
+            <a:ext cx="5585652" cy="1591413"/>
+          </a:xfrm>
+          <a:prstGeom prst="rect">
+            <a:avLst/>
+          </a:prstGeom>
+        </p:spPr>
+      </p:pic>
+      <p:sp>
+        <p:nvSpPr>
+          <p:cNvPr id="17" name="TextBox 16">
+            <a:extLst>
+              <a:ext uri="{FF2B5EF4-FFF2-40B4-BE49-F238E27FC236}">
+                <a16:creationId xmlns:a16="http://schemas.microsoft.com/office/drawing/2014/main" id="{502CF2AD-304A-028F-CF22-802D1EE2DEA5}"/>
+              </a:ext>
+            </a:extLst>
+          </p:cNvPr>
+          <p:cNvSpPr txBox="1"/>
+          <p:nvPr/>
+        </p:nvSpPr>
+        <p:spPr>
+          <a:xfrm>
+            <a:off x="6185386" y="1146023"/>
+            <a:ext cx="5585652" cy="246221"/>
+          </a:xfrm>
+          <a:prstGeom prst="rect">
+            <a:avLst/>
+          </a:prstGeom>
+          <a:noFill/>
+        </p:spPr>
+        <p:txBody>
+          <a:bodyPr wrap="square" rtlCol="0">
+            <a:spAutoFit/>
+          </a:bodyPr>
+          <a:lstStyle/>
+          <a:p>
+            <a:r>
+              <a:rPr lang="ko-KR" altLang="en-US" sz="1000" b="1" dirty="0">
+                <a:solidFill>
+                  <a:srgbClr val="170BB5"/>
+                </a:solidFill>
+              </a:rPr>
+              <a:t>전사</a:t>
+            </a:r>
+            <a:r>
+              <a:rPr lang="en-US" altLang="ko-KR" sz="1000" b="1" dirty="0">
+                <a:solidFill>
+                  <a:srgbClr val="170BB5"/>
+                </a:solidFill>
+              </a:rPr>
+              <a:t>: 117</a:t>
+            </a:r>
+            <a:r>
+              <a:rPr lang="ko-KR" altLang="en-US" sz="1000" b="1" dirty="0">
+                <a:solidFill>
+                  <a:srgbClr val="170BB5"/>
+                </a:solidFill>
+              </a:rPr>
+              <a:t>명</a:t>
+            </a:r>
+          </a:p>
+        </p:txBody>
+      </p:sp>
+    </p:spTree>
+    <p:extLst>
+      <p:ext uri="{BB962C8B-B14F-4D97-AF65-F5344CB8AC3E}">
+        <p14:creationId xmlns:p14="http://schemas.microsoft.com/office/powerpoint/2010/main" val="3192905211"/>
       </p:ext>
     </p:extLst>
   </p:cSld>
@@ -9513,7 +9786,7 @@
     </p:spTree>
     <p:extLst>
       <p:ext uri="{BB962C8B-B14F-4D97-AF65-F5344CB8AC3E}">
-        <p14:creationId xmlns:p14="http://schemas.microsoft.com/office/powerpoint/2010/main" val="4165373894"/>
+        <p14:creationId xmlns:p14="http://schemas.microsoft.com/office/powerpoint/2010/main" val="3432107569"/>
       </p:ext>
     </p:extLst>
   </p:cSld>
@@ -9542,13 +9815,7 @@
       </p:grpSpPr>
       <p:sp>
         <p:nvSpPr>
-          <p:cNvPr id="30" name="제목 1">
-            <a:extLst>
-              <a:ext uri="{FF2B5EF4-FFF2-40B4-BE49-F238E27FC236}">
-                <a16:creationId xmlns:a16="http://schemas.microsoft.com/office/drawing/2014/main" id="{E07677D8-5FB3-3385-9BD9-C02A67E5B6DD}"/>
-              </a:ext>
-            </a:extLst>
-          </p:cNvPr>
+          <p:cNvPr id="2" name="제목 1"/>
           <p:cNvSpPr>
             <a:spLocks noGrp="1"/>
           </p:cNvSpPr>
@@ -9556,19 +9823,22 @@
             <p:ph type="title"/>
           </p:nvPr>
         </p:nvSpPr>
-        <p:spPr>
-          <a:xfrm>
-            <a:off x="550526" y="215756"/>
-            <a:ext cx="11088845" cy="523982"/>
-          </a:xfrm>
-        </p:spPr>
+        <p:spPr/>
         <p:txBody>
           <a:bodyPr/>
           <a:lstStyle/>
           <a:p>
             <a:r>
               <a:rPr lang="en-US" altLang="ko-KR" dirty="0"/>
-              <a:t>3. System Design &amp; Interface</a:t>
+              <a:t>4. JIRA </a:t>
+            </a:r>
+            <a:r>
+              <a:rPr lang="ko-KR" altLang="en-US" dirty="0"/>
+              <a:t>요구사항 및 설치</a:t>
+            </a:r>
+            <a:r>
+              <a:rPr lang="en-US" altLang="ko-KR" dirty="0"/>
+              <a:t>(Optional?)</a:t>
             </a:r>
             <a:endParaRPr lang="ko-KR" altLang="en-US" dirty="0"/>
           </a:p>
@@ -9576,7 +9846,7 @@
       </p:sp>
       <p:sp>
         <p:nvSpPr>
-          <p:cNvPr id="32" name="AutoShape 7">
+          <p:cNvPr id="7" name="AutoShape 7">
             <a:extLst>
               <a:ext uri="{FF2B5EF4-FFF2-40B4-BE49-F238E27FC236}">
                 <a16:creationId xmlns:a16="http://schemas.microsoft.com/office/drawing/2014/main" id="{170E9D07-8CC3-83F6-3C2A-0701DCEB6076}"/>
@@ -9629,10 +9899,569 @@
           </a:p>
         </p:txBody>
       </p:sp>
+      <p:sp>
+        <p:nvSpPr>
+          <p:cNvPr id="3" name="TextBox 2">
+            <a:extLst>
+              <a:ext uri="{FF2B5EF4-FFF2-40B4-BE49-F238E27FC236}">
+                <a16:creationId xmlns:a16="http://schemas.microsoft.com/office/drawing/2014/main" id="{51EE02CD-5B1B-CEC9-0266-2D581E8908BB}"/>
+              </a:ext>
+            </a:extLst>
+          </p:cNvPr>
+          <p:cNvSpPr txBox="1"/>
+          <p:nvPr/>
+        </p:nvSpPr>
+        <p:spPr>
+          <a:xfrm>
+            <a:off x="627017" y="1419497"/>
+            <a:ext cx="10110652" cy="4401205"/>
+          </a:xfrm>
+          <a:prstGeom prst="rect">
+            <a:avLst/>
+          </a:prstGeom>
+          <a:noFill/>
+        </p:spPr>
+        <p:txBody>
+          <a:bodyPr wrap="square" rtlCol="0">
+            <a:spAutoFit/>
+          </a:bodyPr>
+          <a:lstStyle/>
+          <a:p>
+            <a:r>
+              <a:rPr lang="ko-KR" altLang="en-US" sz="1000" dirty="0"/>
+              <a:t>세미나 대 주제</a:t>
+            </a:r>
+            <a:r>
+              <a:rPr lang="en-US" altLang="ko-KR" sz="1000" dirty="0"/>
+              <a:t>(</a:t>
+            </a:r>
+            <a:r>
+              <a:rPr lang="ko-KR" altLang="en-US" sz="1000" dirty="0"/>
+              <a:t>안</a:t>
+            </a:r>
+            <a:r>
+              <a:rPr lang="en-US" altLang="ko-KR" sz="1000" dirty="0"/>
+              <a:t>)</a:t>
+            </a:r>
+          </a:p>
+          <a:p>
+            <a:endParaRPr lang="en-US" altLang="ko-KR" sz="1000" dirty="0"/>
+          </a:p>
+          <a:p>
+            <a:pPr marL="171450" indent="-171450">
+              <a:buFont typeface="Arial" panose="020B0604020202020204" pitchFamily="34" charset="0"/>
+              <a:buChar char="•"/>
+            </a:pPr>
+            <a:r>
+              <a:rPr lang="en-US" altLang="ko-KR" sz="1000" dirty="0"/>
+              <a:t>JIRA</a:t>
+            </a:r>
+            <a:r>
+              <a:rPr lang="ko-KR" altLang="en-US" sz="1000" dirty="0"/>
+              <a:t>란 무엇인가</a:t>
+            </a:r>
+            <a:r>
+              <a:rPr lang="en-US" altLang="ko-KR" sz="1000" dirty="0"/>
+              <a:t>?</a:t>
+            </a:r>
+          </a:p>
+          <a:p>
+            <a:pPr marL="628650" lvl="1" indent="-171450">
+              <a:buFont typeface="Arial" panose="020B0604020202020204" pitchFamily="34" charset="0"/>
+              <a:buChar char="•"/>
+            </a:pPr>
+            <a:r>
+              <a:rPr lang="ko-KR" altLang="en-US" sz="1000" dirty="0"/>
+              <a:t>누가 사용</a:t>
+            </a:r>
+            <a:endParaRPr lang="en-US" altLang="ko-KR" sz="1000" dirty="0"/>
+          </a:p>
+          <a:p>
+            <a:pPr marL="628650" lvl="1" indent="-171450">
+              <a:buFont typeface="Arial" panose="020B0604020202020204" pitchFamily="34" charset="0"/>
+              <a:buChar char="•"/>
+            </a:pPr>
+            <a:r>
+              <a:rPr lang="ko-KR" altLang="en-US" sz="1000" dirty="0"/>
+              <a:t>얼마나 많이 사용</a:t>
+            </a:r>
+            <a:endParaRPr lang="en-US" altLang="ko-KR" sz="1000" dirty="0"/>
+          </a:p>
+          <a:p>
+            <a:pPr marL="171450" indent="-171450">
+              <a:buFont typeface="Arial" panose="020B0604020202020204" pitchFamily="34" charset="0"/>
+              <a:buChar char="•"/>
+            </a:pPr>
+            <a:r>
+              <a:rPr lang="ko-KR" altLang="en-US" sz="1000" dirty="0"/>
+              <a:t>그럼 어디에 어떻게 사용할 것인가</a:t>
+            </a:r>
+            <a:r>
+              <a:rPr lang="en-US" altLang="ko-KR" sz="1000" dirty="0"/>
+              <a:t>?</a:t>
+            </a:r>
+          </a:p>
+          <a:p>
+            <a:pPr marL="628650" lvl="1" indent="-171450">
+              <a:buFont typeface="Arial" panose="020B0604020202020204" pitchFamily="34" charset="0"/>
+              <a:buChar char="•"/>
+            </a:pPr>
+            <a:r>
+              <a:rPr lang="ko-KR" altLang="en-US" sz="1000" dirty="0"/>
+              <a:t>실제로 사용하는 모습을 직접 보여줘</a:t>
+            </a:r>
+            <a:endParaRPr lang="en-US" altLang="ko-KR" sz="1000" dirty="0"/>
+          </a:p>
+          <a:p>
+            <a:pPr marL="171450" indent="-171450">
+              <a:buFont typeface="Arial" panose="020B0604020202020204" pitchFamily="34" charset="0"/>
+              <a:buChar char="•"/>
+            </a:pPr>
+            <a:r>
+              <a:rPr lang="ko-KR" altLang="en-US" sz="1000" dirty="0"/>
+              <a:t>업무 로드가 늘어날까</a:t>
+            </a:r>
+            <a:r>
+              <a:rPr lang="en-US" altLang="ko-KR" sz="1000" dirty="0"/>
+              <a:t>?</a:t>
+            </a:r>
+          </a:p>
+          <a:p>
+            <a:pPr marL="171450" indent="-171450">
+              <a:buFont typeface="Arial" panose="020B0604020202020204" pitchFamily="34" charset="0"/>
+              <a:buChar char="•"/>
+            </a:pPr>
+            <a:r>
+              <a:rPr lang="ko-KR" altLang="en-US" sz="1000" dirty="0"/>
+              <a:t>장점은 </a:t>
+            </a:r>
+            <a:r>
+              <a:rPr lang="ko-KR" altLang="en-US" sz="1000" dirty="0" err="1"/>
+              <a:t>뭐고</a:t>
+            </a:r>
+            <a:r>
+              <a:rPr lang="ko-KR" altLang="en-US" sz="1000" dirty="0"/>
+              <a:t> 단점은 뭐지</a:t>
+            </a:r>
+            <a:r>
+              <a:rPr lang="en-US" altLang="ko-KR" sz="1000" dirty="0"/>
+              <a:t>? </a:t>
+            </a:r>
+            <a:r>
+              <a:rPr lang="ko-KR" altLang="en-US" sz="1000" dirty="0"/>
+              <a:t>유사한 툴에는 어떤 것이 있나</a:t>
+            </a:r>
+            <a:r>
+              <a:rPr lang="en-US" altLang="ko-KR" sz="1000" dirty="0"/>
+              <a:t>?</a:t>
+            </a:r>
+          </a:p>
+          <a:p>
+            <a:pPr marL="628650" lvl="1" indent="-171450">
+              <a:buFont typeface="Arial" panose="020B0604020202020204" pitchFamily="34" charset="0"/>
+              <a:buChar char="•"/>
+            </a:pPr>
+            <a:r>
+              <a:rPr lang="ko-KR" altLang="en-US" sz="1000" dirty="0"/>
+              <a:t>문서 관리의 편리</a:t>
+            </a:r>
+            <a:r>
+              <a:rPr lang="en-US" altLang="ko-KR" sz="1000" dirty="0"/>
+              <a:t>(</a:t>
+            </a:r>
+            <a:r>
+              <a:rPr lang="ko-KR" altLang="en-US" sz="1000" dirty="0"/>
+              <a:t>검색</a:t>
+            </a:r>
+            <a:r>
+              <a:rPr lang="en-US" altLang="ko-KR" sz="1000" dirty="0"/>
+              <a:t>-</a:t>
+            </a:r>
+            <a:r>
+              <a:rPr lang="ko-KR" altLang="en-US" sz="1000" dirty="0"/>
+              <a:t>문서의 검색어로 파일 검색 가능</a:t>
+            </a:r>
+            <a:r>
+              <a:rPr lang="en-US" altLang="ko-KR" sz="1000" dirty="0"/>
+              <a:t>)</a:t>
+            </a:r>
+          </a:p>
+          <a:p>
+            <a:pPr marL="628650" lvl="1" indent="-171450">
+              <a:buFont typeface="Arial" panose="020B0604020202020204" pitchFamily="34" charset="0"/>
+              <a:buChar char="•"/>
+            </a:pPr>
+            <a:r>
+              <a:rPr lang="ko-KR" altLang="en-US" sz="1000" dirty="0"/>
+              <a:t>통계</a:t>
+            </a:r>
+            <a:r>
+              <a:rPr lang="en-US" altLang="ko-KR" sz="1000" dirty="0"/>
+              <a:t>/</a:t>
+            </a:r>
+            <a:r>
+              <a:rPr lang="ko-KR" altLang="en-US" sz="1000" dirty="0"/>
+              <a:t>현황 파악</a:t>
+            </a:r>
+            <a:endParaRPr lang="en-US" altLang="ko-KR" sz="1000" dirty="0"/>
+          </a:p>
+          <a:p>
+            <a:pPr marL="628650" lvl="1" indent="-171450">
+              <a:buFont typeface="Arial" panose="020B0604020202020204" pitchFamily="34" charset="0"/>
+              <a:buChar char="•"/>
+            </a:pPr>
+            <a:r>
+              <a:rPr lang="ko-KR" altLang="en-US" sz="1000" dirty="0"/>
+              <a:t>이슈 추적</a:t>
+            </a:r>
+            <a:endParaRPr lang="en-US" altLang="ko-KR" sz="1000" dirty="0"/>
+          </a:p>
+          <a:p>
+            <a:pPr marL="171450" indent="-171450">
+              <a:buFont typeface="Arial" panose="020B0604020202020204" pitchFamily="34" charset="0"/>
+              <a:buChar char="•"/>
+            </a:pPr>
+            <a:r>
+              <a:rPr lang="ko-KR" altLang="en-US" sz="1000" dirty="0"/>
+              <a:t>얼마야</a:t>
+            </a:r>
+            <a:r>
+              <a:rPr lang="en-US" altLang="ko-KR" sz="1000" dirty="0"/>
+              <a:t>?</a:t>
+            </a:r>
+          </a:p>
+          <a:p>
+            <a:pPr marL="171450" indent="-171450">
+              <a:buFont typeface="Arial" panose="020B0604020202020204" pitchFamily="34" charset="0"/>
+              <a:buChar char="•"/>
+            </a:pPr>
+            <a:r>
+              <a:rPr lang="ko-KR" altLang="en-US" sz="1000" dirty="0"/>
+              <a:t>바로 사용하려면</a:t>
+            </a:r>
+            <a:r>
+              <a:rPr lang="en-US" altLang="ko-KR" sz="1000" dirty="0"/>
+              <a:t>?(</a:t>
+            </a:r>
+            <a:r>
+              <a:rPr lang="ko-KR" altLang="en-US" sz="1000" dirty="0" err="1"/>
+              <a:t>컨설트</a:t>
+            </a:r>
+            <a:r>
+              <a:rPr lang="en-US" altLang="ko-KR" sz="1000" dirty="0"/>
+              <a:t>, </a:t>
+            </a:r>
+            <a:r>
+              <a:rPr lang="ko-KR" altLang="en-US" sz="1000" dirty="0"/>
+              <a:t>교육</a:t>
+            </a:r>
+            <a:r>
+              <a:rPr lang="en-US" altLang="ko-KR" sz="1000" dirty="0"/>
+              <a:t>, </a:t>
+            </a:r>
+            <a:r>
+              <a:rPr lang="ko-KR" altLang="en-US" sz="1000" dirty="0"/>
+              <a:t>관리자</a:t>
+            </a:r>
+            <a:r>
+              <a:rPr lang="en-US" altLang="ko-KR" sz="1000" dirty="0"/>
+              <a:t>)</a:t>
+            </a:r>
+          </a:p>
+          <a:p>
+            <a:pPr marL="171450" indent="-171450">
+              <a:buFont typeface="Arial" panose="020B0604020202020204" pitchFamily="34" charset="0"/>
+              <a:buChar char="•"/>
+            </a:pPr>
+            <a:r>
+              <a:rPr lang="ko-KR" altLang="en-US" sz="1000" dirty="0"/>
+              <a:t>확장 </a:t>
+            </a:r>
+            <a:r>
+              <a:rPr lang="en-US" altLang="ko-KR" sz="1000" dirty="0"/>
+              <a:t>– confluence, bitbucket, </a:t>
+            </a:r>
+          </a:p>
+          <a:p>
+            <a:pPr marL="171450" indent="-171450">
+              <a:buFont typeface="Arial" panose="020B0604020202020204" pitchFamily="34" charset="0"/>
+              <a:buChar char="•"/>
+            </a:pPr>
+            <a:r>
+              <a:rPr lang="ko-KR" altLang="en-US" sz="1000" dirty="0"/>
+              <a:t>유사한 </a:t>
+            </a:r>
+            <a:r>
+              <a:rPr lang="en-US" altLang="ko-KR" sz="1000" dirty="0"/>
+              <a:t>tool</a:t>
+            </a:r>
+          </a:p>
+          <a:p>
+            <a:pPr marL="171450" indent="-171450">
+              <a:buFont typeface="Arial" panose="020B0604020202020204" pitchFamily="34" charset="0"/>
+              <a:buChar char="•"/>
+            </a:pPr>
+            <a:r>
+              <a:rPr lang="en-US" altLang="ko-KR" sz="1000" dirty="0"/>
+              <a:t>CI/CD </a:t>
+            </a:r>
+            <a:r>
+              <a:rPr lang="ko-KR" altLang="en-US" sz="1000" dirty="0"/>
+              <a:t>연결</a:t>
+            </a:r>
+            <a:r>
+              <a:rPr lang="en-US" altLang="ko-KR" sz="1000" dirty="0"/>
+              <a:t>(</a:t>
+            </a:r>
+            <a:r>
+              <a:rPr lang="en-US" altLang="ko-KR" sz="1000" dirty="0" err="1"/>
+              <a:t>flug</a:t>
+            </a:r>
+            <a:r>
+              <a:rPr lang="en-US" altLang="ko-KR" sz="1000" dirty="0"/>
+              <a:t> in </a:t>
+            </a:r>
+            <a:r>
+              <a:rPr lang="ko-KR" altLang="en-US" sz="1000" dirty="0"/>
+              <a:t>연결</a:t>
+            </a:r>
+            <a:r>
+              <a:rPr lang="en-US" altLang="ko-KR" sz="1000" dirty="0"/>
+              <a:t>)</a:t>
+            </a:r>
+          </a:p>
+          <a:p>
+            <a:pPr marL="171450" indent="-171450">
+              <a:buFont typeface="Arial" panose="020B0604020202020204" pitchFamily="34" charset="0"/>
+              <a:buChar char="•"/>
+            </a:pPr>
+            <a:r>
+              <a:rPr lang="ko-KR" altLang="en-US" sz="1000" dirty="0"/>
+              <a:t>현재 회사의 효율성을 높일 예</a:t>
+            </a:r>
+            <a:endParaRPr lang="en-US" altLang="ko-KR" sz="1000" dirty="0"/>
+          </a:p>
+          <a:p>
+            <a:pPr marL="628650" lvl="1" indent="-171450">
+              <a:buFont typeface="Arial" panose="020B0604020202020204" pitchFamily="34" charset="0"/>
+              <a:buChar char="•"/>
+            </a:pPr>
+            <a:r>
+              <a:rPr lang="ko-KR" altLang="en-US" sz="1000" dirty="0"/>
+              <a:t>간단한 예 </a:t>
+            </a:r>
+            <a:r>
+              <a:rPr lang="en-US" altLang="ko-KR" sz="1000" dirty="0"/>
+              <a:t>– </a:t>
+            </a:r>
+            <a:r>
+              <a:rPr lang="ko-KR" altLang="en-US" sz="1000" dirty="0"/>
+              <a:t>여기저기 흩어져 있는 문서</a:t>
+            </a:r>
+            <a:r>
+              <a:rPr lang="en-US" altLang="ko-KR" sz="1000" dirty="0"/>
+              <a:t>. </a:t>
+            </a:r>
+            <a:r>
+              <a:rPr lang="ko-KR" altLang="en-US" sz="1000" dirty="0"/>
+              <a:t>검색의 어려움</a:t>
+            </a:r>
+            <a:r>
+              <a:rPr lang="en-US" altLang="ko-KR" sz="1000" dirty="0"/>
+              <a:t>. </a:t>
+            </a:r>
+            <a:r>
+              <a:rPr lang="ko-KR" altLang="en-US" sz="1000" dirty="0"/>
+              <a:t>프로젝트 진행 현황</a:t>
+            </a:r>
+            <a:r>
+              <a:rPr lang="en-US" altLang="ko-KR" sz="1000" dirty="0"/>
+              <a:t>(</a:t>
+            </a:r>
+            <a:r>
+              <a:rPr lang="ko-KR" altLang="en-US" sz="1000" dirty="0"/>
+              <a:t>내 업무의 위치</a:t>
+            </a:r>
+            <a:r>
+              <a:rPr lang="en-US" altLang="ko-KR" sz="1000" dirty="0"/>
+              <a:t>). </a:t>
+            </a:r>
+            <a:r>
+              <a:rPr lang="ko-KR" altLang="en-US" sz="1000" dirty="0"/>
+              <a:t>병목현상 파악</a:t>
+            </a:r>
+            <a:r>
+              <a:rPr lang="en-US" altLang="ko-KR" sz="1000" dirty="0"/>
+              <a:t>(</a:t>
+            </a:r>
+            <a:r>
+              <a:rPr lang="ko-KR" altLang="en-US" sz="1000" dirty="0"/>
+              <a:t>그래프</a:t>
+            </a:r>
+            <a:r>
+              <a:rPr lang="en-US" altLang="ko-KR" sz="1000" dirty="0"/>
+              <a:t>). </a:t>
+            </a:r>
+            <a:r>
+              <a:rPr lang="ko-KR" altLang="en-US" sz="1000" dirty="0"/>
+              <a:t>이슈의 지속적 </a:t>
+            </a:r>
+            <a:r>
+              <a:rPr lang="ko-KR" altLang="en-US" sz="1000" dirty="0" err="1"/>
+              <a:t>트래킹</a:t>
+            </a:r>
+            <a:r>
+              <a:rPr lang="ko-KR" altLang="en-US" sz="1000" dirty="0"/>
+              <a:t> 및 해결을 위한 협업</a:t>
+            </a:r>
+            <a:r>
+              <a:rPr lang="en-US" altLang="ko-KR" sz="1000" dirty="0"/>
+              <a:t>.</a:t>
+            </a:r>
+          </a:p>
+          <a:p>
+            <a:pPr marL="628650" lvl="1" indent="-171450">
+              <a:buFont typeface="Arial" panose="020B0604020202020204" pitchFamily="34" charset="0"/>
+              <a:buChar char="•"/>
+            </a:pPr>
+            <a:r>
+              <a:rPr lang="ko-KR" altLang="en-US" sz="1000" dirty="0"/>
+              <a:t>간단한 예 </a:t>
+            </a:r>
+            <a:r>
+              <a:rPr lang="en-US" altLang="ko-KR" sz="1000" dirty="0"/>
+              <a:t>– </a:t>
+            </a:r>
+            <a:r>
+              <a:rPr lang="ko-KR" altLang="en-US" sz="1000" dirty="0"/>
+              <a:t>공통으로 알고 있어야 하는 지속적인 업데이트가 필요한 사항</a:t>
+            </a:r>
+            <a:r>
+              <a:rPr lang="en-US" altLang="ko-KR" sz="1000" dirty="0"/>
+              <a:t>(</a:t>
+            </a:r>
+            <a:r>
+              <a:rPr lang="ko-KR" altLang="en-US" sz="1000" dirty="0"/>
+              <a:t>프로젝트별 </a:t>
+            </a:r>
+            <a:r>
+              <a:rPr lang="en-US" altLang="ko-KR" sz="1000" dirty="0"/>
+              <a:t>SDK.</a:t>
+            </a:r>
+            <a:r>
+              <a:rPr lang="ko-KR" altLang="en-US" sz="1000" dirty="0"/>
+              <a:t> 릴리즈 상황</a:t>
+            </a:r>
+            <a:r>
+              <a:rPr lang="en-US" altLang="ko-KR" sz="1000" dirty="0"/>
+              <a:t>/</a:t>
+            </a:r>
+            <a:r>
+              <a:rPr lang="ko-KR" altLang="en-US" sz="1000" dirty="0"/>
+              <a:t>파일</a:t>
+            </a:r>
+            <a:r>
+              <a:rPr lang="en-US" altLang="ko-KR" sz="1000"/>
+              <a:t>. </a:t>
+            </a:r>
+            <a:r>
+              <a:rPr lang="en-US" altLang="ko-KR" sz="1000" dirty="0"/>
+              <a:t>).</a:t>
+            </a:r>
+          </a:p>
+          <a:p>
+            <a:pPr marL="171450" indent="-171450">
+              <a:buFont typeface="Arial" panose="020B0604020202020204" pitchFamily="34" charset="0"/>
+              <a:buChar char="•"/>
+            </a:pPr>
+            <a:endParaRPr lang="en-US" altLang="ko-KR" sz="1000" dirty="0"/>
+          </a:p>
+          <a:p>
+            <a:pPr marL="171450" indent="-171450">
+              <a:buFont typeface="Arial" panose="020B0604020202020204" pitchFamily="34" charset="0"/>
+              <a:buChar char="•"/>
+            </a:pPr>
+            <a:r>
+              <a:rPr lang="en-US" altLang="ko-KR" sz="1000" dirty="0"/>
+              <a:t>Chat GPT – </a:t>
+            </a:r>
+            <a:r>
+              <a:rPr lang="ko-KR" altLang="en-US" sz="1000" dirty="0" err="1"/>
+              <a:t>프리젠테이션</a:t>
+            </a:r>
+            <a:endParaRPr lang="en-US" altLang="ko-KR" sz="1000" dirty="0"/>
+          </a:p>
+          <a:p>
+            <a:pPr marL="171450" indent="-171450">
+              <a:buFont typeface="Arial" panose="020B0604020202020204" pitchFamily="34" charset="0"/>
+              <a:buChar char="•"/>
+            </a:pPr>
+            <a:endParaRPr lang="en-US" altLang="ko-KR" sz="1000" dirty="0"/>
+          </a:p>
+          <a:p>
+            <a:pPr marL="171450" indent="-171450">
+              <a:buFont typeface="Arial" panose="020B0604020202020204" pitchFamily="34" charset="0"/>
+              <a:buChar char="•"/>
+            </a:pPr>
+            <a:endParaRPr lang="en-US" altLang="ko-KR" sz="1000" dirty="0"/>
+          </a:p>
+          <a:p>
+            <a:pPr marL="171450" indent="-171450">
+              <a:buFont typeface="Arial" panose="020B0604020202020204" pitchFamily="34" charset="0"/>
+              <a:buChar char="•"/>
+            </a:pPr>
+            <a:r>
+              <a:rPr lang="ko-KR" altLang="en-US" sz="1000" dirty="0"/>
+              <a:t>선행조건</a:t>
+            </a:r>
+            <a:endParaRPr lang="en-US" altLang="ko-KR" sz="1000" dirty="0"/>
+          </a:p>
+          <a:p>
+            <a:pPr marL="628650" lvl="1" indent="-171450">
+              <a:buFont typeface="Arial" panose="020B0604020202020204" pitchFamily="34" charset="0"/>
+              <a:buChar char="•"/>
+            </a:pPr>
+            <a:r>
+              <a:rPr lang="ko-KR" altLang="en-US" sz="1000" dirty="0"/>
+              <a:t>패러다임의 변화</a:t>
+            </a:r>
+            <a:r>
+              <a:rPr lang="en-US" altLang="ko-KR" sz="1000" dirty="0"/>
+              <a:t>. </a:t>
+            </a:r>
+            <a:r>
+              <a:rPr lang="ko-KR" altLang="en-US" sz="1000" dirty="0"/>
+              <a:t>인식의 변화</a:t>
+            </a:r>
+            <a:endParaRPr lang="en-US" altLang="ko-KR" sz="1000" dirty="0"/>
+          </a:p>
+          <a:p>
+            <a:pPr marL="628650" lvl="1" indent="-171450">
+              <a:buFont typeface="Arial" panose="020B0604020202020204" pitchFamily="34" charset="0"/>
+              <a:buChar char="•"/>
+            </a:pPr>
+            <a:r>
+              <a:rPr lang="ko-KR" altLang="en-US" sz="1000" dirty="0"/>
+              <a:t>애자일 개발에 대한 인식</a:t>
+            </a:r>
+            <a:endParaRPr lang="en-US" altLang="ko-KR" sz="1000" dirty="0"/>
+          </a:p>
+          <a:p>
+            <a:pPr marL="628650" lvl="1" indent="-171450">
+              <a:buFont typeface="Arial" panose="020B0604020202020204" pitchFamily="34" charset="0"/>
+              <a:buChar char="•"/>
+            </a:pPr>
+            <a:r>
+              <a:rPr lang="en-US" altLang="ko-KR" sz="1000" dirty="0"/>
+              <a:t>Atlassian </a:t>
+            </a:r>
+          </a:p>
+        </p:txBody>
+      </p:sp>
     </p:spTree>
     <p:extLst>
       <p:ext uri="{BB962C8B-B14F-4D97-AF65-F5344CB8AC3E}">
-        <p14:creationId xmlns:p14="http://schemas.microsoft.com/office/powerpoint/2010/main" val="3432107569"/>
+        <p14:creationId xmlns:p14="http://schemas.microsoft.com/office/powerpoint/2010/main" val="241969784"/>
       </p:ext>
     </p:extLst>
   </p:cSld>
@@ -10215,7 +11044,7 @@
           </a:ln>
           <a:extLst>
             <a:ext uri="{C572A759-6A51-4108-AA02-DFA0A04FC94B}">
-              <ma14:wrappingTextBoxFlag xmlns:ma14="http://schemas.microsoft.com/office/mac/drawingml/2011/main" xmlns:a14="http://schemas.microsoft.com/office/drawing/2010/main" xmlns:m="http://schemas.openxmlformats.org/officeDocument/2006/math" xmlns="" val="1"/>
+              <ma14:wrappingTextBoxFlag xmlns="" xmlns:m="http://schemas.openxmlformats.org/officeDocument/2006/math" xmlns:a14="http://schemas.microsoft.com/office/drawing/2010/main" xmlns:ma14="http://schemas.microsoft.com/office/mac/drawingml/2011/main" val="1"/>
             </a:ext>
           </a:extLst>
         </p:spPr>
@@ -10282,7 +11111,7 @@
           </a:ln>
           <a:extLst>
             <a:ext uri="{C572A759-6A51-4108-AA02-DFA0A04FC94B}">
-              <ma14:wrappingTextBoxFlag xmlns="" xmlns:m="http://schemas.openxmlformats.org/officeDocument/2006/math" xmlns:a14="http://schemas.microsoft.com/office/drawing/2010/main" xmlns:ma14="http://schemas.microsoft.com/office/mac/drawingml/2011/main" val="1"/>
+              <ma14:wrappingTextBoxFlag xmlns:ma14="http://schemas.microsoft.com/office/mac/drawingml/2011/main" xmlns:a14="http://schemas.microsoft.com/office/drawing/2010/main" xmlns:m="http://schemas.openxmlformats.org/officeDocument/2006/math" xmlns="" val="1"/>
             </a:ext>
           </a:extLst>
         </p:spPr>
@@ -16287,443 +17116,6 @@
             </a:r>
             <a:r>
               <a:rPr lang="ko-KR" altLang="en-US" dirty="0"/>
-              <a:t>요구사항 및 설치</a:t>
-            </a:r>
-            <a:r>
-              <a:rPr lang="en-US" altLang="ko-KR" dirty="0"/>
-              <a:t>(Optional?)</a:t>
-            </a:r>
-            <a:endParaRPr lang="ko-KR" altLang="en-US" dirty="0"/>
-          </a:p>
-        </p:txBody>
-      </p:sp>
-      <p:sp>
-        <p:nvSpPr>
-          <p:cNvPr id="7" name="AutoShape 7">
-            <a:extLst>
-              <a:ext uri="{FF2B5EF4-FFF2-40B4-BE49-F238E27FC236}">
-                <a16:creationId xmlns:a16="http://schemas.microsoft.com/office/drawing/2014/main" id="{170E9D07-8CC3-83F6-3C2A-0701DCEB6076}"/>
-              </a:ext>
-            </a:extLst>
-          </p:cNvPr>
-          <p:cNvSpPr>
-            <a:spLocks noChangeArrowheads="1"/>
-          </p:cNvSpPr>
-          <p:nvPr/>
-        </p:nvSpPr>
-        <p:spPr bwMode="auto">
-          <a:xfrm>
-            <a:off x="139699" y="971365"/>
-            <a:ext cx="11767672" cy="5481971"/>
-          </a:xfrm>
-          <a:prstGeom prst="roundRect">
-            <a:avLst>
-              <a:gd name="adj" fmla="val 1278"/>
-            </a:avLst>
-          </a:prstGeom>
-          <a:noFill/>
-          <a:ln w="12700" cap="flat" cmpd="sng" algn="ctr">
-            <a:solidFill>
-              <a:srgbClr val="A0A0A0"/>
-            </a:solidFill>
-            <a:prstDash val="solid"/>
-            <a:headEnd/>
-            <a:tailEnd/>
-          </a:ln>
-          <a:effectLst/>
-        </p:spPr>
-        <p:txBody>
-          <a:bodyPr wrap="none" tIns="0" bIns="0"/>
-          <a:lstStyle/>
-          <a:p>
-            <a:pPr eaLnBrk="0" fontAlgn="auto" latinLnBrk="0" hangingPunct="0">
-              <a:spcBef>
-                <a:spcPts val="0"/>
-              </a:spcBef>
-              <a:spcAft>
-                <a:spcPts val="0"/>
-              </a:spcAft>
-              <a:defRPr/>
-            </a:pPr>
-            <a:endParaRPr kumimoji="0" lang="ko-KR" altLang="en-US" kern="0" dirty="0">
-              <a:latin typeface="HY견고딕" pitchFamily="18" charset="-127"/>
-              <a:ea typeface="HY견고딕" pitchFamily="18" charset="-127"/>
-            </a:endParaRPr>
-          </a:p>
-        </p:txBody>
-      </p:sp>
-      <p:sp>
-        <p:nvSpPr>
-          <p:cNvPr id="3" name="TextBox 2">
-            <a:extLst>
-              <a:ext uri="{FF2B5EF4-FFF2-40B4-BE49-F238E27FC236}">
-                <a16:creationId xmlns:a16="http://schemas.microsoft.com/office/drawing/2014/main" id="{51EE02CD-5B1B-CEC9-0266-2D581E8908BB}"/>
-              </a:ext>
-            </a:extLst>
-          </p:cNvPr>
-          <p:cNvSpPr txBox="1"/>
-          <p:nvPr/>
-        </p:nvSpPr>
-        <p:spPr>
-          <a:xfrm>
-            <a:off x="627017" y="1419497"/>
-            <a:ext cx="10110652" cy="2862322"/>
-          </a:xfrm>
-          <a:prstGeom prst="rect">
-            <a:avLst/>
-          </a:prstGeom>
-          <a:noFill/>
-        </p:spPr>
-        <p:txBody>
-          <a:bodyPr wrap="square" rtlCol="0">
-            <a:spAutoFit/>
-          </a:bodyPr>
-          <a:lstStyle/>
-          <a:p>
-            <a:r>
-              <a:rPr lang="ko-KR" altLang="en-US" sz="1000" dirty="0"/>
-              <a:t>세미나 대 주제</a:t>
-            </a:r>
-            <a:r>
-              <a:rPr lang="en-US" altLang="ko-KR" sz="1000" dirty="0"/>
-              <a:t>(</a:t>
-            </a:r>
-            <a:r>
-              <a:rPr lang="ko-KR" altLang="en-US" sz="1000" dirty="0"/>
-              <a:t>안</a:t>
-            </a:r>
-            <a:r>
-              <a:rPr lang="en-US" altLang="ko-KR" sz="1000" dirty="0"/>
-              <a:t>)</a:t>
-            </a:r>
-          </a:p>
-          <a:p>
-            <a:endParaRPr lang="en-US" altLang="ko-KR" sz="1000" dirty="0"/>
-          </a:p>
-          <a:p>
-            <a:pPr marL="171450" indent="-171450">
-              <a:buFont typeface="Arial" panose="020B0604020202020204" pitchFamily="34" charset="0"/>
-              <a:buChar char="•"/>
-            </a:pPr>
-            <a:r>
-              <a:rPr lang="en-US" altLang="ko-KR" sz="1000" dirty="0"/>
-              <a:t>JIRA</a:t>
-            </a:r>
-            <a:r>
-              <a:rPr lang="ko-KR" altLang="en-US" sz="1000" dirty="0"/>
-              <a:t>란 무엇인가</a:t>
-            </a:r>
-            <a:r>
-              <a:rPr lang="en-US" altLang="ko-KR" sz="1000" dirty="0"/>
-              <a:t>?</a:t>
-            </a:r>
-          </a:p>
-          <a:p>
-            <a:pPr marL="628650" lvl="1" indent="-171450">
-              <a:buFont typeface="Arial" panose="020B0604020202020204" pitchFamily="34" charset="0"/>
-              <a:buChar char="•"/>
-            </a:pPr>
-            <a:r>
-              <a:rPr lang="ko-KR" altLang="en-US" sz="1000" dirty="0"/>
-              <a:t>누가 사용</a:t>
-            </a:r>
-            <a:endParaRPr lang="en-US" altLang="ko-KR" sz="1000" dirty="0"/>
-          </a:p>
-          <a:p>
-            <a:pPr marL="628650" lvl="1" indent="-171450">
-              <a:buFont typeface="Arial" panose="020B0604020202020204" pitchFamily="34" charset="0"/>
-              <a:buChar char="•"/>
-            </a:pPr>
-            <a:r>
-              <a:rPr lang="ko-KR" altLang="en-US" sz="1000" dirty="0"/>
-              <a:t>얼마나 많이 사용</a:t>
-            </a:r>
-            <a:endParaRPr lang="en-US" altLang="ko-KR" sz="1000" dirty="0"/>
-          </a:p>
-          <a:p>
-            <a:pPr marL="171450" indent="-171450">
-              <a:buFont typeface="Arial" panose="020B0604020202020204" pitchFamily="34" charset="0"/>
-              <a:buChar char="•"/>
-            </a:pPr>
-            <a:r>
-              <a:rPr lang="ko-KR" altLang="en-US" sz="1000" dirty="0"/>
-              <a:t>그럼 어디에 어떻게 사용할 것인가</a:t>
-            </a:r>
-            <a:r>
-              <a:rPr lang="en-US" altLang="ko-KR" sz="1000" dirty="0"/>
-              <a:t>?</a:t>
-            </a:r>
-          </a:p>
-          <a:p>
-            <a:pPr marL="628650" lvl="1" indent="-171450">
-              <a:buFont typeface="Arial" panose="020B0604020202020204" pitchFamily="34" charset="0"/>
-              <a:buChar char="•"/>
-            </a:pPr>
-            <a:r>
-              <a:rPr lang="ko-KR" altLang="en-US" sz="1000" dirty="0"/>
-              <a:t>실제로 사용하는 모습을 직접 보여줘</a:t>
-            </a:r>
-            <a:endParaRPr lang="en-US" altLang="ko-KR" sz="1000" dirty="0"/>
-          </a:p>
-          <a:p>
-            <a:pPr marL="171450" indent="-171450">
-              <a:buFont typeface="Arial" panose="020B0604020202020204" pitchFamily="34" charset="0"/>
-              <a:buChar char="•"/>
-            </a:pPr>
-            <a:r>
-              <a:rPr lang="ko-KR" altLang="en-US" sz="1000" dirty="0"/>
-              <a:t>업무 로드가 늘어날까</a:t>
-            </a:r>
-            <a:r>
-              <a:rPr lang="en-US" altLang="ko-KR" sz="1000" dirty="0"/>
-              <a:t>?</a:t>
-            </a:r>
-          </a:p>
-          <a:p>
-            <a:pPr marL="171450" indent="-171450">
-              <a:buFont typeface="Arial" panose="020B0604020202020204" pitchFamily="34" charset="0"/>
-              <a:buChar char="•"/>
-            </a:pPr>
-            <a:r>
-              <a:rPr lang="ko-KR" altLang="en-US" sz="1000" dirty="0"/>
-              <a:t>장점은 </a:t>
-            </a:r>
-            <a:r>
-              <a:rPr lang="ko-KR" altLang="en-US" sz="1000" dirty="0" err="1"/>
-              <a:t>뭐고</a:t>
-            </a:r>
-            <a:r>
-              <a:rPr lang="ko-KR" altLang="en-US" sz="1000" dirty="0"/>
-              <a:t> 단점은 뭐지</a:t>
-            </a:r>
-            <a:r>
-              <a:rPr lang="en-US" altLang="ko-KR" sz="1000" dirty="0"/>
-              <a:t>? </a:t>
-            </a:r>
-            <a:r>
-              <a:rPr lang="ko-KR" altLang="en-US" sz="1000" dirty="0"/>
-              <a:t>유사한 툴에는 어떤 것이 있나</a:t>
-            </a:r>
-            <a:r>
-              <a:rPr lang="en-US" altLang="ko-KR" sz="1000" dirty="0"/>
-              <a:t>?</a:t>
-            </a:r>
-          </a:p>
-          <a:p>
-            <a:pPr marL="628650" lvl="1" indent="-171450">
-              <a:buFont typeface="Arial" panose="020B0604020202020204" pitchFamily="34" charset="0"/>
-              <a:buChar char="•"/>
-            </a:pPr>
-            <a:r>
-              <a:rPr lang="ko-KR" altLang="en-US" sz="1000" dirty="0"/>
-              <a:t>문서 관리의 편리</a:t>
-            </a:r>
-            <a:r>
-              <a:rPr lang="en-US" altLang="ko-KR" sz="1000" dirty="0"/>
-              <a:t>(</a:t>
-            </a:r>
-            <a:r>
-              <a:rPr lang="ko-KR" altLang="en-US" sz="1000" dirty="0"/>
-              <a:t>검색</a:t>
-            </a:r>
-            <a:r>
-              <a:rPr lang="en-US" altLang="ko-KR" sz="1000" dirty="0"/>
-              <a:t>-</a:t>
-            </a:r>
-            <a:r>
-              <a:rPr lang="ko-KR" altLang="en-US" sz="1000" dirty="0"/>
-              <a:t>문서의 검색어로 파일 검색 가능</a:t>
-            </a:r>
-            <a:r>
-              <a:rPr lang="en-US" altLang="ko-KR" sz="1000" dirty="0"/>
-              <a:t>)</a:t>
-            </a:r>
-          </a:p>
-          <a:p>
-            <a:pPr marL="628650" lvl="1" indent="-171450">
-              <a:buFont typeface="Arial" panose="020B0604020202020204" pitchFamily="34" charset="0"/>
-              <a:buChar char="•"/>
-            </a:pPr>
-            <a:r>
-              <a:rPr lang="ko-KR" altLang="en-US" sz="1000" dirty="0"/>
-              <a:t>통계</a:t>
-            </a:r>
-            <a:r>
-              <a:rPr lang="en-US" altLang="ko-KR" sz="1000" dirty="0"/>
-              <a:t>/</a:t>
-            </a:r>
-            <a:r>
-              <a:rPr lang="ko-KR" altLang="en-US" sz="1000" dirty="0"/>
-              <a:t>현황 파악</a:t>
-            </a:r>
-            <a:endParaRPr lang="en-US" altLang="ko-KR" sz="1000" dirty="0"/>
-          </a:p>
-          <a:p>
-            <a:pPr marL="628650" lvl="1" indent="-171450">
-              <a:buFont typeface="Arial" panose="020B0604020202020204" pitchFamily="34" charset="0"/>
-              <a:buChar char="•"/>
-            </a:pPr>
-            <a:r>
-              <a:rPr lang="ko-KR" altLang="en-US" sz="1000" dirty="0"/>
-              <a:t>이슈 추적</a:t>
-            </a:r>
-            <a:endParaRPr lang="en-US" altLang="ko-KR" sz="1000" dirty="0"/>
-          </a:p>
-          <a:p>
-            <a:pPr marL="171450" indent="-171450">
-              <a:buFont typeface="Arial" panose="020B0604020202020204" pitchFamily="34" charset="0"/>
-              <a:buChar char="•"/>
-            </a:pPr>
-            <a:r>
-              <a:rPr lang="ko-KR" altLang="en-US" sz="1000" dirty="0"/>
-              <a:t>얼마야</a:t>
-            </a:r>
-            <a:r>
-              <a:rPr lang="en-US" altLang="ko-KR" sz="1000" dirty="0"/>
-              <a:t>?</a:t>
-            </a:r>
-          </a:p>
-          <a:p>
-            <a:pPr marL="171450" indent="-171450">
-              <a:buFont typeface="Arial" panose="020B0604020202020204" pitchFamily="34" charset="0"/>
-              <a:buChar char="•"/>
-            </a:pPr>
-            <a:r>
-              <a:rPr lang="ko-KR" altLang="en-US" sz="1000" dirty="0"/>
-              <a:t>바로 사용하려면</a:t>
-            </a:r>
-            <a:r>
-              <a:rPr lang="en-US" altLang="ko-KR" sz="1000" dirty="0"/>
-              <a:t>?(</a:t>
-            </a:r>
-            <a:r>
-              <a:rPr lang="ko-KR" altLang="en-US" sz="1000" dirty="0" err="1"/>
-              <a:t>컨설트</a:t>
-            </a:r>
-            <a:r>
-              <a:rPr lang="en-US" altLang="ko-KR" sz="1000" dirty="0"/>
-              <a:t>, </a:t>
-            </a:r>
-            <a:r>
-              <a:rPr lang="ko-KR" altLang="en-US" sz="1000" dirty="0"/>
-              <a:t>교육</a:t>
-            </a:r>
-            <a:r>
-              <a:rPr lang="en-US" altLang="ko-KR" sz="1000" dirty="0"/>
-              <a:t>, </a:t>
-            </a:r>
-            <a:r>
-              <a:rPr lang="ko-KR" altLang="en-US" sz="1000" dirty="0"/>
-              <a:t>관리자</a:t>
-            </a:r>
-            <a:r>
-              <a:rPr lang="en-US" altLang="ko-KR" sz="1000" dirty="0"/>
-              <a:t>)</a:t>
-            </a:r>
-          </a:p>
-          <a:p>
-            <a:pPr marL="171450" indent="-171450">
-              <a:buFont typeface="Arial" panose="020B0604020202020204" pitchFamily="34" charset="0"/>
-              <a:buChar char="•"/>
-            </a:pPr>
-            <a:r>
-              <a:rPr lang="ko-KR" altLang="en-US" sz="1000" dirty="0"/>
-              <a:t>확장 </a:t>
-            </a:r>
-            <a:r>
-              <a:rPr lang="en-US" altLang="ko-KR" sz="1000" dirty="0"/>
-              <a:t>– confluence, bitbucket, </a:t>
-            </a:r>
-          </a:p>
-          <a:p>
-            <a:pPr marL="171450" indent="-171450">
-              <a:buFont typeface="Arial" panose="020B0604020202020204" pitchFamily="34" charset="0"/>
-              <a:buChar char="•"/>
-            </a:pPr>
-            <a:r>
-              <a:rPr lang="ko-KR" altLang="en-US" sz="1000" dirty="0"/>
-              <a:t>유사한 </a:t>
-            </a:r>
-            <a:r>
-              <a:rPr lang="en-US" altLang="ko-KR" sz="1000" dirty="0"/>
-              <a:t>tool</a:t>
-            </a:r>
-          </a:p>
-          <a:p>
-            <a:pPr marL="171450" indent="-171450">
-              <a:buFont typeface="Arial" panose="020B0604020202020204" pitchFamily="34" charset="0"/>
-              <a:buChar char="•"/>
-            </a:pPr>
-            <a:endParaRPr lang="en-US" altLang="ko-KR" sz="1000" dirty="0"/>
-          </a:p>
-          <a:p>
-            <a:pPr marL="171450" indent="-171450">
-              <a:buFont typeface="Arial" panose="020B0604020202020204" pitchFamily="34" charset="0"/>
-              <a:buChar char="•"/>
-            </a:pPr>
-            <a:r>
-              <a:rPr lang="en-US" altLang="ko-KR" sz="1000" dirty="0"/>
-              <a:t>Chat GPT - </a:t>
-            </a:r>
-            <a:r>
-              <a:rPr lang="ko-KR" altLang="en-US" sz="1000" dirty="0" err="1"/>
-              <a:t>프리젠테이션</a:t>
-            </a:r>
-            <a:endParaRPr lang="ko-KR" altLang="en-US" sz="1000" dirty="0"/>
-          </a:p>
-        </p:txBody>
-      </p:sp>
-    </p:spTree>
-    <p:extLst>
-      <p:ext uri="{BB962C8B-B14F-4D97-AF65-F5344CB8AC3E}">
-        <p14:creationId xmlns:p14="http://schemas.microsoft.com/office/powerpoint/2010/main" val="241969784"/>
-      </p:ext>
-    </p:extLst>
-  </p:cSld>
-  <p:clrMapOvr>
-    <a:masterClrMapping/>
-  </p:clrMapOvr>
-</p:sld>
-</file>
-
-<file path=ppt/slides/slide8.xml><?xml version="1.0" encoding="utf-8"?>
-<p:sld xmlns:a="http://schemas.openxmlformats.org/drawingml/2006/main" xmlns:r="http://schemas.openxmlformats.org/officeDocument/2006/relationships" xmlns:p="http://schemas.openxmlformats.org/presentationml/2006/main">
-  <p:cSld>
-    <p:spTree>
-      <p:nvGrpSpPr>
-        <p:cNvPr id="1" name=""/>
-        <p:cNvGrpSpPr/>
-        <p:nvPr/>
-      </p:nvGrpSpPr>
-      <p:grpSpPr>
-        <a:xfrm>
-          <a:off x="0" y="0"/>
-          <a:ext cx="0" cy="0"/>
-          <a:chOff x="0" y="0"/>
-          <a:chExt cx="0" cy="0"/>
-        </a:xfrm>
-      </p:grpSpPr>
-      <p:sp>
-        <p:nvSpPr>
-          <p:cNvPr id="2" name="제목 1"/>
-          <p:cNvSpPr>
-            <a:spLocks noGrp="1"/>
-          </p:cNvSpPr>
-          <p:nvPr>
-            <p:ph type="title"/>
-          </p:nvPr>
-        </p:nvSpPr>
-        <p:spPr/>
-        <p:txBody>
-          <a:bodyPr/>
-          <a:lstStyle/>
-          <a:p>
-            <a:r>
-              <a:rPr lang="en-US" altLang="ko-KR" dirty="0"/>
-              <a:t>4. JIRA </a:t>
-            </a:r>
-            <a:r>
-              <a:rPr lang="ko-KR" altLang="en-US" dirty="0"/>
               <a:t>프로젝트</a:t>
             </a:r>
           </a:p>
@@ -17908,6 +18300,421 @@
 </p:sld>
 </file>
 
+<file path=ppt/slides/slide8.xml><?xml version="1.0" encoding="utf-8"?>
+<p:sld xmlns:a="http://schemas.openxmlformats.org/drawingml/2006/main" xmlns:r="http://schemas.openxmlformats.org/officeDocument/2006/relationships" xmlns:p="http://schemas.openxmlformats.org/presentationml/2006/main">
+  <p:cSld>
+    <p:spTree>
+      <p:nvGrpSpPr>
+        <p:cNvPr id="1" name=""/>
+        <p:cNvGrpSpPr/>
+        <p:nvPr/>
+      </p:nvGrpSpPr>
+      <p:grpSpPr>
+        <a:xfrm>
+          <a:off x="0" y="0"/>
+          <a:ext cx="0" cy="0"/>
+          <a:chOff x="0" y="0"/>
+          <a:chExt cx="0" cy="0"/>
+        </a:xfrm>
+      </p:grpSpPr>
+      <p:sp>
+        <p:nvSpPr>
+          <p:cNvPr id="30" name="제목 1">
+            <a:extLst>
+              <a:ext uri="{FF2B5EF4-FFF2-40B4-BE49-F238E27FC236}">
+                <a16:creationId xmlns:a16="http://schemas.microsoft.com/office/drawing/2014/main" id="{E07677D8-5FB3-3385-9BD9-C02A67E5B6DD}"/>
+              </a:ext>
+            </a:extLst>
+          </p:cNvPr>
+          <p:cNvSpPr>
+            <a:spLocks noGrp="1"/>
+          </p:cNvSpPr>
+          <p:nvPr>
+            <p:ph type="title"/>
+          </p:nvPr>
+        </p:nvSpPr>
+        <p:spPr>
+          <a:xfrm>
+            <a:off x="550526" y="215756"/>
+            <a:ext cx="11088845" cy="523982"/>
+          </a:xfrm>
+        </p:spPr>
+        <p:txBody>
+          <a:bodyPr/>
+          <a:lstStyle/>
+          <a:p>
+            <a:r>
+              <a:rPr lang="en-US" altLang="ko-KR" dirty="0"/>
+              <a:t>5. JIRA</a:t>
+            </a:r>
+            <a:r>
+              <a:rPr lang="ko-KR" altLang="en-US" dirty="0"/>
+              <a:t> 보드</a:t>
+            </a:r>
+          </a:p>
+        </p:txBody>
+      </p:sp>
+      <p:sp>
+        <p:nvSpPr>
+          <p:cNvPr id="8" name="AutoShape 7">
+            <a:extLst>
+              <a:ext uri="{FF2B5EF4-FFF2-40B4-BE49-F238E27FC236}">
+                <a16:creationId xmlns:a16="http://schemas.microsoft.com/office/drawing/2014/main" id="{170E9D07-8CC3-83F6-3C2A-0701DCEB6076}"/>
+              </a:ext>
+            </a:extLst>
+          </p:cNvPr>
+          <p:cNvSpPr>
+            <a:spLocks noChangeArrowheads="1"/>
+          </p:cNvSpPr>
+          <p:nvPr/>
+        </p:nvSpPr>
+        <p:spPr bwMode="auto">
+          <a:xfrm>
+            <a:off x="139699" y="971365"/>
+            <a:ext cx="11767672" cy="5481971"/>
+          </a:xfrm>
+          <a:prstGeom prst="roundRect">
+            <a:avLst>
+              <a:gd name="adj" fmla="val 1278"/>
+            </a:avLst>
+          </a:prstGeom>
+          <a:noFill/>
+          <a:ln w="12700" cap="flat" cmpd="sng" algn="ctr">
+            <a:solidFill>
+              <a:srgbClr val="A0A0A0"/>
+            </a:solidFill>
+            <a:prstDash val="solid"/>
+            <a:headEnd/>
+            <a:tailEnd/>
+          </a:ln>
+          <a:effectLst/>
+        </p:spPr>
+        <p:txBody>
+          <a:bodyPr wrap="none" tIns="0" bIns="0"/>
+          <a:lstStyle/>
+          <a:p>
+            <a:pPr eaLnBrk="0" fontAlgn="auto" latinLnBrk="0" hangingPunct="0">
+              <a:spcBef>
+                <a:spcPts val="0"/>
+              </a:spcBef>
+              <a:spcAft>
+                <a:spcPts val="0"/>
+              </a:spcAft>
+              <a:defRPr/>
+            </a:pPr>
+            <a:endParaRPr kumimoji="0" lang="ko-KR" altLang="en-US" kern="0" dirty="0">
+              <a:latin typeface="HY견고딕" pitchFamily="18" charset="-127"/>
+              <a:ea typeface="HY견고딕" pitchFamily="18" charset="-127"/>
+            </a:endParaRPr>
+          </a:p>
+        </p:txBody>
+      </p:sp>
+      <p:sp>
+        <p:nvSpPr>
+          <p:cNvPr id="2" name="TextBox 1">
+            <a:extLst>
+              <a:ext uri="{FF2B5EF4-FFF2-40B4-BE49-F238E27FC236}">
+                <a16:creationId xmlns:a16="http://schemas.microsoft.com/office/drawing/2014/main" id="{1CD3E74A-84DE-AD84-1FE1-3BA628398F61}"/>
+              </a:ext>
+            </a:extLst>
+          </p:cNvPr>
+          <p:cNvSpPr txBox="1"/>
+          <p:nvPr/>
+        </p:nvSpPr>
+        <p:spPr>
+          <a:xfrm>
+            <a:off x="139699" y="1114697"/>
+            <a:ext cx="11767672" cy="3323987"/>
+          </a:xfrm>
+          <a:prstGeom prst="rect">
+            <a:avLst/>
+          </a:prstGeom>
+          <a:noFill/>
+        </p:spPr>
+        <p:txBody>
+          <a:bodyPr wrap="square" rtlCol="0">
+            <a:spAutoFit/>
+          </a:bodyPr>
+          <a:lstStyle/>
+          <a:p>
+            <a:pPr marL="171450" indent="-171450" algn="l" fontAlgn="base">
+              <a:spcAft>
+                <a:spcPts val="1200"/>
+              </a:spcAft>
+              <a:buFont typeface="Wingdings" panose="05000000000000000000" pitchFamily="2" charset="2"/>
+              <a:buChar char="l"/>
+            </a:pPr>
+            <a:r>
+              <a:rPr lang="en-US" altLang="ko-KR" sz="1200" b="0" i="0" dirty="0">
+                <a:solidFill>
+                  <a:srgbClr val="253858"/>
+                </a:solidFill>
+                <a:effectLst/>
+                <a:latin typeface="Charlie Display"/>
+              </a:rPr>
+              <a:t>JIRA </a:t>
+            </a:r>
+            <a:r>
+              <a:rPr lang="ko-KR" altLang="en-US" sz="1200" b="0" i="0" dirty="0">
+                <a:solidFill>
+                  <a:srgbClr val="253858"/>
+                </a:solidFill>
+                <a:effectLst/>
+                <a:latin typeface="Charlie Display"/>
+              </a:rPr>
+              <a:t>보드란</a:t>
+            </a:r>
+            <a:r>
+              <a:rPr lang="en-US" altLang="ko-KR" sz="1200" b="0" i="0" dirty="0">
+                <a:solidFill>
+                  <a:srgbClr val="253858"/>
+                </a:solidFill>
+                <a:effectLst/>
+                <a:latin typeface="Charlie Display"/>
+              </a:rPr>
+              <a:t>?</a:t>
+            </a:r>
+          </a:p>
+          <a:p>
+            <a:pPr algn="l" fontAlgn="base">
+              <a:spcAft>
+                <a:spcPts val="1200"/>
+              </a:spcAft>
+            </a:pPr>
+            <a:r>
+              <a:rPr lang="ko-KR" altLang="en-US" sz="1200" b="0" i="0" dirty="0">
+                <a:solidFill>
+                  <a:srgbClr val="091E42"/>
+                </a:solidFill>
+                <a:effectLst/>
+                <a:latin typeface="Charlie Text"/>
+              </a:rPr>
+              <a:t>애자일 보드는 팀이 작업을 계획하고 시각화하고 관리하는 데 도움이 되는 도구</a:t>
+            </a:r>
+            <a:endParaRPr lang="en-US" altLang="ko-KR" sz="1200" b="0" i="0" dirty="0">
+              <a:solidFill>
+                <a:srgbClr val="091E42"/>
+              </a:solidFill>
+              <a:effectLst/>
+              <a:latin typeface="Charlie Text"/>
+            </a:endParaRPr>
+          </a:p>
+          <a:p>
+            <a:pPr algn="l" fontAlgn="base">
+              <a:spcAft>
+                <a:spcPts val="1200"/>
+              </a:spcAft>
+            </a:pPr>
+            <a:r>
+              <a:rPr lang="ko-KR" altLang="en-US" sz="1200" b="0" i="0" dirty="0">
+                <a:solidFill>
+                  <a:srgbClr val="091E42"/>
+                </a:solidFill>
+                <a:effectLst/>
+                <a:latin typeface="Charlie Text"/>
+              </a:rPr>
+              <a:t>각 </a:t>
+            </a:r>
+            <a:r>
+              <a:rPr lang="en-US" altLang="ko-KR" sz="1200" b="0" i="0" dirty="0">
+                <a:solidFill>
+                  <a:srgbClr val="091E42"/>
+                </a:solidFill>
+                <a:effectLst/>
+                <a:latin typeface="Charlie Text"/>
+              </a:rPr>
+              <a:t>Jira </a:t>
+            </a:r>
+            <a:r>
+              <a:rPr lang="ko-KR" altLang="en-US" sz="1200" b="0" i="0" dirty="0">
+                <a:solidFill>
+                  <a:srgbClr val="091E42"/>
+                </a:solidFill>
+                <a:effectLst/>
+                <a:latin typeface="Charlie Text"/>
+              </a:rPr>
+              <a:t>프로젝트에는 기본적으로 보드가 있으며 시작하지 않은 모든 작업</a:t>
+            </a:r>
+            <a:r>
+              <a:rPr lang="en-US" altLang="ko-KR" sz="1200" b="0" i="0" dirty="0">
+                <a:solidFill>
+                  <a:srgbClr val="091E42"/>
+                </a:solidFill>
+                <a:effectLst/>
+                <a:latin typeface="Charlie Text"/>
+              </a:rPr>
+              <a:t>, </a:t>
+            </a:r>
+            <a:r>
+              <a:rPr lang="ko-KR" altLang="en-US" sz="1200" b="0" i="0" dirty="0">
+                <a:solidFill>
+                  <a:srgbClr val="091E42"/>
+                </a:solidFill>
+                <a:effectLst/>
+                <a:latin typeface="Charlie Text"/>
+              </a:rPr>
+              <a:t>진행 중인 작업 및 완료한 작업에 대한 공유 보기를 팀에 제공</a:t>
+            </a:r>
+            <a:endParaRPr lang="en-US" altLang="ko-KR" sz="1200" b="0" i="0" dirty="0">
+              <a:solidFill>
+                <a:srgbClr val="091E42"/>
+              </a:solidFill>
+              <a:effectLst/>
+              <a:latin typeface="Charlie Text"/>
+            </a:endParaRPr>
+          </a:p>
+          <a:p>
+            <a:pPr algn="l" fontAlgn="base">
+              <a:spcAft>
+                <a:spcPts val="1200"/>
+              </a:spcAft>
+            </a:pPr>
+            <a:r>
+              <a:rPr lang="en-US" altLang="ko-KR" sz="1200" b="0" i="0" dirty="0">
+                <a:solidFill>
+                  <a:srgbClr val="091E42"/>
+                </a:solidFill>
+                <a:effectLst/>
+                <a:latin typeface="Charlie Text"/>
+                <a:hlinkClick r:id="rId2"/>
+              </a:rPr>
+              <a:t>https://kangsanggu74-1728864701657.atlassian.net/jira/software/projects/UDN/boards/2</a:t>
+            </a:r>
+            <a:endParaRPr lang="en-US" altLang="ko-KR" sz="1200" dirty="0">
+              <a:solidFill>
+                <a:srgbClr val="091E42"/>
+              </a:solidFill>
+              <a:latin typeface="Charlie Text"/>
+            </a:endParaRPr>
+          </a:p>
+          <a:p>
+            <a:pPr algn="l" fontAlgn="base">
+              <a:spcAft>
+                <a:spcPts val="1200"/>
+              </a:spcAft>
+            </a:pPr>
+            <a:endParaRPr lang="en-US" altLang="ko-KR" sz="1200" b="0" i="0" dirty="0">
+              <a:solidFill>
+                <a:srgbClr val="091E42"/>
+              </a:solidFill>
+              <a:effectLst/>
+              <a:latin typeface="Charlie Text"/>
+            </a:endParaRPr>
+          </a:p>
+          <a:p>
+            <a:pPr algn="l" fontAlgn="base">
+              <a:spcAft>
+                <a:spcPts val="1200"/>
+              </a:spcAft>
+            </a:pPr>
+            <a:endParaRPr lang="en-US" altLang="ko-KR" sz="1200" b="0" i="0" dirty="0">
+              <a:solidFill>
+                <a:srgbClr val="253858"/>
+              </a:solidFill>
+              <a:effectLst/>
+              <a:latin typeface="Charlie Display"/>
+            </a:endParaRPr>
+          </a:p>
+          <a:p>
+            <a:pPr algn="l" fontAlgn="base">
+              <a:spcAft>
+                <a:spcPts val="1200"/>
+              </a:spcAft>
+            </a:pPr>
+            <a:endParaRPr lang="en-US" altLang="ko-KR" sz="1200" dirty="0">
+              <a:solidFill>
+                <a:srgbClr val="253858"/>
+              </a:solidFill>
+              <a:latin typeface="Charlie Display"/>
+            </a:endParaRPr>
+          </a:p>
+          <a:p>
+            <a:pPr algn="l" fontAlgn="base">
+              <a:spcAft>
+                <a:spcPts val="1200"/>
+              </a:spcAft>
+            </a:pPr>
+            <a:endParaRPr lang="en-US" altLang="ko-KR" sz="1200" b="0" i="0" dirty="0">
+              <a:solidFill>
+                <a:srgbClr val="253858"/>
+              </a:solidFill>
+              <a:effectLst/>
+              <a:latin typeface="Charlie Display"/>
+            </a:endParaRPr>
+          </a:p>
+          <a:p>
+            <a:pPr algn="l" fontAlgn="base">
+              <a:spcAft>
+                <a:spcPts val="1200"/>
+              </a:spcAft>
+            </a:pPr>
+            <a:endParaRPr lang="en-US" altLang="ko-KR" sz="1200" b="0" i="0" dirty="0">
+              <a:solidFill>
+                <a:srgbClr val="253858"/>
+              </a:solidFill>
+              <a:effectLst/>
+              <a:latin typeface="Charlie Display"/>
+            </a:endParaRPr>
+          </a:p>
+          <a:p>
+            <a:pPr algn="l" fontAlgn="base">
+              <a:spcAft>
+                <a:spcPts val="1200"/>
+              </a:spcAft>
+            </a:pPr>
+            <a:endParaRPr lang="ko-KR" altLang="en-US" sz="1200" b="0" i="0" dirty="0">
+              <a:solidFill>
+                <a:srgbClr val="253858"/>
+              </a:solidFill>
+              <a:effectLst/>
+              <a:latin typeface="Charlie Display"/>
+            </a:endParaRPr>
+          </a:p>
+        </p:txBody>
+      </p:sp>
+      <p:pic>
+        <p:nvPicPr>
+          <p:cNvPr id="4" name="그림 3">
+            <a:extLst>
+              <a:ext uri="{FF2B5EF4-FFF2-40B4-BE49-F238E27FC236}">
+                <a16:creationId xmlns:a16="http://schemas.microsoft.com/office/drawing/2014/main" id="{5CD28B26-018C-177E-FE2B-4A8407C05918}"/>
+              </a:ext>
+            </a:extLst>
+          </p:cNvPr>
+          <p:cNvPicPr>
+            <a:picLocks noChangeAspect="1"/>
+          </p:cNvPicPr>
+          <p:nvPr/>
+        </p:nvPicPr>
+        <p:blipFill>
+          <a:blip r:embed="rId3"/>
+          <a:stretch>
+            <a:fillRect/>
+          </a:stretch>
+        </p:blipFill>
+        <p:spPr>
+          <a:xfrm>
+            <a:off x="550525" y="2477736"/>
+            <a:ext cx="7649327" cy="3844687"/>
+          </a:xfrm>
+          <a:prstGeom prst="rect">
+            <a:avLst/>
+          </a:prstGeom>
+        </p:spPr>
+      </p:pic>
+    </p:spTree>
+    <p:extLst>
+      <p:ext uri="{BB962C8B-B14F-4D97-AF65-F5344CB8AC3E}">
+        <p14:creationId xmlns:p14="http://schemas.microsoft.com/office/powerpoint/2010/main" val="405335530"/>
+      </p:ext>
+    </p:extLst>
+  </p:cSld>
+  <p:clrMapOvr>
+    <a:masterClrMapping/>
+  </p:clrMapOvr>
+</p:sld>
+</file>
+
 <file path=ppt/slides/slide9.xml><?xml version="1.0" encoding="utf-8"?>
 <p:sld xmlns:a="http://schemas.openxmlformats.org/drawingml/2006/main" xmlns:r="http://schemas.openxmlformats.org/officeDocument/2006/relationships" xmlns:p="http://schemas.openxmlformats.org/presentationml/2006/main">
   <p:cSld>
@@ -17964,7 +18771,7 @@
       </p:sp>
       <p:sp>
         <p:nvSpPr>
-          <p:cNvPr id="8" name="AutoShape 7">
+          <p:cNvPr id="32" name="AutoShape 7">
             <a:extLst>
               <a:ext uri="{FF2B5EF4-FFF2-40B4-BE49-F238E27FC236}">
                 <a16:creationId xmlns:a16="http://schemas.microsoft.com/office/drawing/2014/main" id="{170E9D07-8CC3-83F6-3C2A-0701DCEB6076}"/>
@@ -18022,7 +18829,7 @@
           <p:cNvPr id="2" name="TextBox 1">
             <a:extLst>
               <a:ext uri="{FF2B5EF4-FFF2-40B4-BE49-F238E27FC236}">
-                <a16:creationId xmlns:a16="http://schemas.microsoft.com/office/drawing/2014/main" id="{1CD3E74A-84DE-AD84-1FE1-3BA628398F61}"/>
+                <a16:creationId xmlns:a16="http://schemas.microsoft.com/office/drawing/2014/main" id="{9B473E62-C6C3-1207-38B2-C1D3466A2CE2}"/>
               </a:ext>
             </a:extLst>
           </p:cNvPr>
@@ -18032,7 +18839,7 @@
         <p:spPr>
           <a:xfrm>
             <a:off x="139699" y="1114697"/>
-            <a:ext cx="11767672" cy="3323987"/>
+            <a:ext cx="11767672" cy="3847207"/>
           </a:xfrm>
           <a:prstGeom prst="rect">
             <a:avLst/>
@@ -18070,7 +18877,7 @@
                 <a:effectLst/>
                 <a:latin typeface="Charlie Display"/>
               </a:rPr>
-              <a:t>보드란</a:t>
+              <a:t>보드와 프로젝트는 어떻게 다릅니까</a:t>
             </a:r>
             <a:r>
               <a:rPr lang="en-US" altLang="ko-KR" sz="1200" b="0" i="0" dirty="0">
@@ -18090,6 +18897,16 @@
               </a:spcAft>
             </a:pPr>
             <a:r>
+              <a:rPr lang="en-US" altLang="ko-KR" sz="1200" b="0" i="0" dirty="0">
+                <a:solidFill>
+                  <a:srgbClr val="091E42"/>
+                </a:solidFill>
+                <a:effectLst/>
+                <a:latin typeface="Charlie Text"/>
+              </a:rPr>
+              <a:t>Jira </a:t>
+            </a:r>
+            <a:r>
               <a:rPr lang="ko-KR" altLang="en-US" sz="1200" b="0" i="0" dirty="0">
                 <a:solidFill>
                   <a:srgbClr val="091E42"/>
@@ -18097,14 +18914,302 @@
                 <a:effectLst/>
                 <a:latin typeface="Charlie Text"/>
               </a:rPr>
-              <a:t>애자일 보드는 팀이 작업을 계획하고 시각화하고 관리하는 데 도움이 되는 도구</a:t>
+              <a:t>프로젝트에는 특정 목표를 달성하기 위해 완료해야 하는 모든 이슈의 모음</a:t>
+            </a:r>
+            <a:r>
+              <a:rPr lang="en-US" altLang="ko-KR" sz="1200" b="0" i="0" dirty="0">
+                <a:solidFill>
+                  <a:srgbClr val="091E42"/>
+                </a:solidFill>
+                <a:effectLst/>
+                <a:latin typeface="Charlie Text"/>
+              </a:rPr>
+              <a:t>. </a:t>
+            </a:r>
+            <a:r>
+              <a:rPr lang="ko-KR" altLang="en-US" sz="1200" b="0" i="0" dirty="0">
+                <a:solidFill>
+                  <a:srgbClr val="091E42"/>
+                </a:solidFill>
+                <a:effectLst/>
+                <a:latin typeface="Charlie Text"/>
+              </a:rPr>
+              <a:t>반면 </a:t>
+            </a:r>
+            <a:r>
+              <a:rPr lang="en-US" altLang="ko-KR" sz="1200" b="0" i="0" dirty="0">
+                <a:solidFill>
+                  <a:srgbClr val="091E42"/>
+                </a:solidFill>
+                <a:effectLst/>
+                <a:latin typeface="Charlie Text"/>
+              </a:rPr>
+              <a:t>Jira </a:t>
+            </a:r>
+            <a:r>
+              <a:rPr lang="ko-KR" altLang="en-US" sz="1200" b="0" i="0" dirty="0">
+                <a:solidFill>
+                  <a:srgbClr val="091E42"/>
+                </a:solidFill>
+                <a:effectLst/>
+                <a:latin typeface="Charlie Text"/>
+              </a:rPr>
+              <a:t>보드는 이슈가 만들어지고 완료될 때까지 이슈를 관리하는 데 사용되는 도구이다</a:t>
+            </a:r>
+            <a:r>
+              <a:rPr lang="en-US" altLang="ko-KR" sz="1200" b="0" i="0" dirty="0">
+                <a:solidFill>
+                  <a:srgbClr val="091E42"/>
+                </a:solidFill>
+                <a:effectLst/>
+                <a:latin typeface="Charlie Text"/>
+              </a:rPr>
+              <a:t>.</a:t>
+            </a:r>
+          </a:p>
+          <a:p>
+            <a:pPr marL="171450" indent="-171450" algn="l" fontAlgn="base">
+              <a:spcAft>
+                <a:spcPts val="1200"/>
+              </a:spcAft>
+              <a:buFont typeface="Wingdings" panose="05000000000000000000" pitchFamily="2" charset="2"/>
+              <a:buChar char="l"/>
+            </a:pPr>
+            <a:r>
+              <a:rPr lang="ko-KR" altLang="en-US" sz="1200" b="0" i="0" dirty="0">
+                <a:solidFill>
+                  <a:srgbClr val="091E42"/>
+                </a:solidFill>
+                <a:effectLst/>
+                <a:latin typeface="Charlie Text"/>
+              </a:rPr>
+              <a:t>보드는 팀의 고유한 작업 방식에 따라 다양하게 사용할 수 있는 유연한 도구</a:t>
             </a:r>
             <a:endParaRPr lang="en-US" altLang="ko-KR" sz="1200" b="0" i="0" dirty="0">
               <a:solidFill>
-                <a:srgbClr val="091E42"/>
+                <a:srgbClr val="253858"/>
               </a:solidFill>
               <a:effectLst/>
-              <a:latin typeface="Charlie Text"/>
+              <a:latin typeface="Charlie Display"/>
+            </a:endParaRPr>
+          </a:p>
+          <a:p>
+            <a:pPr marL="171450" indent="-171450" algn="l" fontAlgn="base">
+              <a:spcAft>
+                <a:spcPts val="1200"/>
+              </a:spcAft>
+              <a:buFont typeface="Wingdings" panose="05000000000000000000" pitchFamily="2" charset="2"/>
+              <a:buChar char="§"/>
+            </a:pPr>
+            <a:r>
+              <a:rPr lang="ko-KR" altLang="en-US" sz="1200" b="1" i="0" dirty="0">
+                <a:solidFill>
+                  <a:srgbClr val="091E42"/>
+                </a:solidFill>
+                <a:effectLst/>
+                <a:latin typeface="Charlie Text"/>
+              </a:rPr>
+              <a:t>스크럼을 적용하는 팀</a:t>
+            </a:r>
+            <a:r>
+              <a:rPr lang="en-US" altLang="ko-KR" sz="1200" b="0" i="0" dirty="0">
+                <a:solidFill>
+                  <a:srgbClr val="091E42"/>
+                </a:solidFill>
+                <a:effectLst/>
+                <a:latin typeface="Charlie Text"/>
+              </a:rPr>
+              <a:t>:</a:t>
+            </a:r>
+            <a:r>
+              <a:rPr lang="ko-KR" altLang="en-US" sz="1200" b="0" i="0" dirty="0">
+                <a:solidFill>
+                  <a:srgbClr val="091E42"/>
+                </a:solidFill>
+                <a:effectLst/>
+                <a:latin typeface="Charlie Text"/>
+              </a:rPr>
+              <a:t> 스프린트 또는 시간이 정해진 기간 내에 이행하기로 약속한 우선 순위가 지정된 이슈 선택 항목을 표시하기 위해 보드를 사용</a:t>
+            </a:r>
+            <a:r>
+              <a:rPr lang="en-US" altLang="ko-KR" sz="1200" b="0" i="0" dirty="0">
+                <a:solidFill>
+                  <a:srgbClr val="091E42"/>
+                </a:solidFill>
+                <a:effectLst/>
+                <a:latin typeface="Charlie Text"/>
+              </a:rPr>
+              <a:t>. </a:t>
+            </a:r>
+            <a:r>
+              <a:rPr lang="ko-KR" altLang="en-US" sz="1200" b="0" i="0" dirty="0">
+                <a:solidFill>
+                  <a:srgbClr val="091E42"/>
+                </a:solidFill>
+                <a:effectLst/>
+                <a:latin typeface="Charlie Text"/>
+              </a:rPr>
+              <a:t>선택 항목 외의 이슈는 백로그에서 찾을 수 있다</a:t>
+            </a:r>
+            <a:r>
+              <a:rPr lang="en-US" altLang="ko-KR" sz="1200" b="0" i="0" dirty="0">
+                <a:solidFill>
+                  <a:srgbClr val="091E42"/>
+                </a:solidFill>
+                <a:effectLst/>
+                <a:latin typeface="Charlie Text"/>
+              </a:rPr>
+              <a:t>.</a:t>
+            </a:r>
+          </a:p>
+          <a:p>
+            <a:pPr marL="171450" indent="-171450" algn="l" fontAlgn="base">
+              <a:spcAft>
+                <a:spcPts val="1200"/>
+              </a:spcAft>
+              <a:buFont typeface="Wingdings" panose="05000000000000000000" pitchFamily="2" charset="2"/>
+              <a:buChar char="§"/>
+            </a:pPr>
+            <a:r>
+              <a:rPr lang="ko-KR" altLang="en-US" sz="1200" b="1" i="0" dirty="0" err="1">
+                <a:solidFill>
+                  <a:srgbClr val="091E42"/>
+                </a:solidFill>
+                <a:effectLst/>
+                <a:latin typeface="Charlie Text"/>
+              </a:rPr>
+              <a:t>칸반을</a:t>
+            </a:r>
+            <a:r>
+              <a:rPr lang="ko-KR" altLang="en-US" sz="1200" b="1" i="0" dirty="0">
+                <a:solidFill>
+                  <a:srgbClr val="091E42"/>
+                </a:solidFill>
+                <a:effectLst/>
+                <a:latin typeface="Charlie Text"/>
+              </a:rPr>
+              <a:t> 적용하는 팀</a:t>
+            </a:r>
+            <a:r>
+              <a:rPr lang="en-US" altLang="ko-KR" sz="1200" b="0" i="0" dirty="0">
+                <a:solidFill>
+                  <a:srgbClr val="091E42"/>
+                </a:solidFill>
+                <a:effectLst/>
+                <a:latin typeface="Charlie Text"/>
+              </a:rPr>
+              <a:t>:</a:t>
+            </a:r>
+            <a:r>
+              <a:rPr lang="ko-KR" altLang="en-US" sz="1200" b="0" i="0" dirty="0">
+                <a:solidFill>
+                  <a:srgbClr val="091E42"/>
+                </a:solidFill>
+                <a:effectLst/>
+                <a:latin typeface="Charlie Text"/>
+              </a:rPr>
+              <a:t> 보드를 모든 이슈의 작업 관리 도구로 사용하고 이슈가 만들어지고 완료될 때까지 각 이슈가 해당 열을 거치도록 합니다</a:t>
+            </a:r>
+            <a:r>
+              <a:rPr lang="en-US" altLang="ko-KR" sz="1200" b="0" i="0" dirty="0">
+                <a:solidFill>
+                  <a:srgbClr val="091E42"/>
+                </a:solidFill>
+                <a:effectLst/>
+                <a:latin typeface="Charlie Text"/>
+              </a:rPr>
+              <a:t>.</a:t>
+            </a:r>
+          </a:p>
+          <a:p>
+            <a:pPr marL="171450" indent="-171450" algn="l" fontAlgn="base">
+              <a:spcAft>
+                <a:spcPts val="1200"/>
+              </a:spcAft>
+              <a:buFont typeface="Wingdings" panose="05000000000000000000" pitchFamily="2" charset="2"/>
+              <a:buChar char="§"/>
+            </a:pPr>
+            <a:r>
+              <a:rPr lang="ko-KR" altLang="en-US" sz="1200" b="1" i="0" dirty="0">
+                <a:solidFill>
+                  <a:srgbClr val="091E42"/>
+                </a:solidFill>
+                <a:effectLst/>
+                <a:latin typeface="Charlie Text"/>
+              </a:rPr>
+              <a:t>대규모 프로젝트나 여러 작업 스트림이 있는 팀</a:t>
+            </a:r>
+            <a:r>
+              <a:rPr lang="en-US" altLang="ko-KR" sz="1200" b="0" i="0" dirty="0">
+                <a:solidFill>
+                  <a:srgbClr val="091E42"/>
+                </a:solidFill>
+                <a:effectLst/>
+                <a:latin typeface="Charlie Text"/>
+              </a:rPr>
+              <a:t>:</a:t>
+            </a:r>
+            <a:r>
+              <a:rPr lang="ko-KR" altLang="en-US" sz="1200" b="0" i="0" dirty="0">
+                <a:solidFill>
+                  <a:srgbClr val="091E42"/>
+                </a:solidFill>
+                <a:effectLst/>
+                <a:latin typeface="Charlie Text"/>
+              </a:rPr>
+              <a:t> 여러 보드 또는 교차 프로젝트 보드를 사용하여 다양한 유형의 작업을 더 쉽게 추적하고 관리할 수 있습니다</a:t>
+            </a:r>
+            <a:r>
+              <a:rPr lang="en-US" altLang="ko-KR" sz="1200" b="0" i="0" dirty="0">
+                <a:solidFill>
+                  <a:srgbClr val="091E42"/>
+                </a:solidFill>
+                <a:effectLst/>
+                <a:latin typeface="Charlie Text"/>
+              </a:rPr>
+              <a:t>.</a:t>
+            </a:r>
+            <a:endParaRPr lang="en-US" altLang="ko-KR" sz="1200" dirty="0">
+              <a:solidFill>
+                <a:srgbClr val="253858"/>
+              </a:solidFill>
+              <a:latin typeface="Charlie Display"/>
+            </a:endParaRPr>
+          </a:p>
+          <a:p>
+            <a:pPr marL="171450" indent="-171450" algn="l" fontAlgn="base">
+              <a:spcAft>
+                <a:spcPts val="1200"/>
+              </a:spcAft>
+              <a:buFont typeface="Wingdings" panose="05000000000000000000" pitchFamily="2" charset="2"/>
+              <a:buChar char="l"/>
+            </a:pPr>
+            <a:r>
+              <a:rPr lang="en-US" altLang="ko-KR" sz="1200" b="0" i="0" dirty="0">
+                <a:solidFill>
+                  <a:srgbClr val="253858"/>
+                </a:solidFill>
+                <a:effectLst/>
+                <a:latin typeface="Charlie Display"/>
+              </a:rPr>
+              <a:t>JIRA</a:t>
+            </a:r>
+            <a:r>
+              <a:rPr lang="ko-KR" altLang="en-US" sz="1200" b="0" i="0" dirty="0">
+                <a:solidFill>
+                  <a:srgbClr val="253858"/>
+                </a:solidFill>
+                <a:effectLst/>
+                <a:latin typeface="Charlie Display"/>
+              </a:rPr>
+              <a:t>에서 사용할 수 있는 보드의 유형</a:t>
+            </a:r>
+            <a:endParaRPr lang="en-US" altLang="ko-KR" sz="1200" b="0" i="0" dirty="0">
+              <a:solidFill>
+                <a:srgbClr val="253858"/>
+              </a:solidFill>
+              <a:effectLst/>
+              <a:latin typeface="Charlie Display"/>
             </a:endParaRPr>
           </a:p>
           <a:p>
@@ -18113,100 +19218,11 @@
                 <a:spcPts val="1200"/>
               </a:spcAft>
             </a:pPr>
-            <a:r>
-              <a:rPr lang="ko-KR" altLang="en-US" sz="1200" b="0" i="0" dirty="0">
-                <a:solidFill>
-                  <a:srgbClr val="091E42"/>
-                </a:solidFill>
-                <a:effectLst/>
-                <a:latin typeface="Charlie Text"/>
-              </a:rPr>
-              <a:t>각 </a:t>
-            </a:r>
-            <a:r>
-              <a:rPr lang="en-US" altLang="ko-KR" sz="1200" b="0" i="0" dirty="0">
-                <a:solidFill>
-                  <a:srgbClr val="091E42"/>
-                </a:solidFill>
-                <a:effectLst/>
-                <a:latin typeface="Charlie Text"/>
-              </a:rPr>
-              <a:t>Jira </a:t>
-            </a:r>
-            <a:r>
-              <a:rPr lang="ko-KR" altLang="en-US" sz="1200" b="0" i="0" dirty="0">
-                <a:solidFill>
-                  <a:srgbClr val="091E42"/>
-                </a:solidFill>
-                <a:effectLst/>
-                <a:latin typeface="Charlie Text"/>
-              </a:rPr>
-              <a:t>프로젝트에는 기본적으로 보드가 있으며 시작하지 않은 모든 작업</a:t>
-            </a:r>
-            <a:r>
-              <a:rPr lang="en-US" altLang="ko-KR" sz="1200" b="0" i="0" dirty="0">
-                <a:solidFill>
-                  <a:srgbClr val="091E42"/>
-                </a:solidFill>
-                <a:effectLst/>
-                <a:latin typeface="Charlie Text"/>
-              </a:rPr>
-              <a:t>, </a:t>
-            </a:r>
-            <a:r>
-              <a:rPr lang="ko-KR" altLang="en-US" sz="1200" b="0" i="0" dirty="0">
-                <a:solidFill>
-                  <a:srgbClr val="091E42"/>
-                </a:solidFill>
-                <a:effectLst/>
-                <a:latin typeface="Charlie Text"/>
-              </a:rPr>
-              <a:t>진행 중인 작업 및 완료한 작업에 대한 공유 보기를 팀에 제공</a:t>
-            </a:r>
-            <a:endParaRPr lang="en-US" altLang="ko-KR" sz="1200" b="0" i="0" dirty="0">
-              <a:solidFill>
-                <a:srgbClr val="091E42"/>
-              </a:solidFill>
-              <a:effectLst/>
-              <a:latin typeface="Charlie Text"/>
-            </a:endParaRPr>
-          </a:p>
-          <a:p>
-            <a:pPr algn="l" fontAlgn="base">
-              <a:spcAft>
-                <a:spcPts val="1200"/>
-              </a:spcAft>
-            </a:pPr>
-            <a:r>
-              <a:rPr lang="en-US" altLang="ko-KR" sz="1200" b="0" i="0" dirty="0">
-                <a:solidFill>
-                  <a:srgbClr val="091E42"/>
-                </a:solidFill>
-                <a:effectLst/>
-                <a:latin typeface="Charlie Text"/>
-                <a:hlinkClick r:id="rId2"/>
-              </a:rPr>
-              <a:t>https://kangsanggu74-1728864701657.atlassian.net/jira/software/projects/UDN/boards/2</a:t>
-            </a:r>
             <a:endParaRPr lang="en-US" altLang="ko-KR" sz="1200" dirty="0">
               <a:solidFill>
-                <a:srgbClr val="091E42"/>
+                <a:srgbClr val="253858"/>
               </a:solidFill>
-              <a:latin typeface="Charlie Text"/>
-            </a:endParaRPr>
-          </a:p>
-          <a:p>
-            <a:pPr algn="l" fontAlgn="base">
-              <a:spcAft>
-                <a:spcPts val="1200"/>
-              </a:spcAft>
-            </a:pPr>
-            <a:endParaRPr lang="en-US" altLang="ko-KR" sz="1200" b="0" i="0" dirty="0">
-              <a:solidFill>
-                <a:srgbClr val="091E42"/>
-              </a:solidFill>
-              <a:effectLst/>
-              <a:latin typeface="Charlie Text"/>
+              <a:latin typeface="Charlie Display"/>
             </a:endParaRPr>
           </a:p>
           <a:p>
@@ -18229,33 +19245,6 @@
                 <a:spcPts val="1200"/>
               </a:spcAft>
             </a:pPr>
-            <a:endParaRPr lang="en-US" altLang="ko-KR" sz="1200" dirty="0">
-              <a:solidFill>
-                <a:srgbClr val="253858"/>
-              </a:solidFill>
-              <a:latin typeface="Charlie Display"/>
-            </a:endParaRPr>
-          </a:p>
-          <a:p>
-            <a:pPr algn="l" fontAlgn="base">
-              <a:spcAft>
-                <a:spcPts val="1200"/>
-              </a:spcAft>
-            </a:pPr>
-            <a:endParaRPr lang="en-US" altLang="ko-KR" sz="1200" b="0" i="0" dirty="0">
-              <a:solidFill>
-                <a:srgbClr val="253858"/>
-              </a:solidFill>
-              <a:effectLst/>
-              <a:latin typeface="Charlie Display"/>
-            </a:endParaRPr>
-          </a:p>
-          <a:p>
-            <a:pPr algn="l" fontAlgn="base">
-              <a:spcAft>
-                <a:spcPts val="1200"/>
-              </a:spcAft>
-            </a:pPr>
             <a:endParaRPr lang="en-US" altLang="ko-KR" sz="1200" b="0" i="0" dirty="0">
               <a:solidFill>
                 <a:srgbClr val="253858"/>
@@ -18280,40 +19269,10 @@
           </a:p>
         </p:txBody>
       </p:sp>
-      <p:pic>
-        <p:nvPicPr>
-          <p:cNvPr id="4" name="그림 3">
-            <a:extLst>
-              <a:ext uri="{FF2B5EF4-FFF2-40B4-BE49-F238E27FC236}">
-                <a16:creationId xmlns:a16="http://schemas.microsoft.com/office/drawing/2014/main" id="{5CD28B26-018C-177E-FE2B-4A8407C05918}"/>
-              </a:ext>
-            </a:extLst>
-          </p:cNvPr>
-          <p:cNvPicPr>
-            <a:picLocks noChangeAspect="1"/>
-          </p:cNvPicPr>
-          <p:nvPr/>
-        </p:nvPicPr>
-        <p:blipFill>
-          <a:blip r:embed="rId3"/>
-          <a:stretch>
-            <a:fillRect/>
-          </a:stretch>
-        </p:blipFill>
-        <p:spPr>
-          <a:xfrm>
-            <a:off x="550525" y="2477736"/>
-            <a:ext cx="7649327" cy="3844687"/>
-          </a:xfrm>
-          <a:prstGeom prst="rect">
-            <a:avLst/>
-          </a:prstGeom>
-        </p:spPr>
-      </p:pic>
     </p:spTree>
     <p:extLst>
       <p:ext uri="{BB962C8B-B14F-4D97-AF65-F5344CB8AC3E}">
-        <p14:creationId xmlns:p14="http://schemas.microsoft.com/office/powerpoint/2010/main" val="405335530"/>
+        <p14:creationId xmlns:p14="http://schemas.microsoft.com/office/powerpoint/2010/main" val="2903534060"/>
       </p:ext>
     </p:extLst>
   </p:cSld>
@@ -19245,6 +20204,15 @@
 </file>
 
 <file path=customXml/item1.xml><?xml version="1.0" encoding="utf-8"?>
+<?mso-contentType ?>
+<FormTemplates xmlns="http://schemas.microsoft.com/sharepoint/v3/contenttype/forms">
+  <Display>DocumentLibraryForm</Display>
+  <Edit>DocumentLibraryForm</Edit>
+  <New>DocumentLibraryForm</New>
+</FormTemplates>
+</file>
+
+<file path=customXml/item2.xml><?xml version="1.0" encoding="utf-8"?>
 <ct:contentTypeSchema xmlns:ct="http://schemas.microsoft.com/office/2006/metadata/contentType" xmlns:ma="http://schemas.microsoft.com/office/2006/metadata/properties/metaAttributes" ct:_="" ma:_="" ma:contentTypeName="문서" ma:contentTypeID="0x0101000DC68666E97AFF4BBAD7A5FE64735B7A" ma:contentTypeVersion="4" ma:contentTypeDescription="새 문서를 만듭니다." ma:contentTypeScope="" ma:versionID="0b00407589b835ee755b9e23f25e5fe3">
   <xsd:schema xmlns:xsd="http://www.w3.org/2001/XMLSchema" xmlns:xs="http://www.w3.org/2001/XMLSchema" xmlns:p="http://schemas.microsoft.com/office/2006/metadata/properties" xmlns:ns2="a7808110-8328-42fc-b4bb-a41d2afd8544" xmlns:ns3="90b0d3db-da4e-4480-a7d2-0c179ad16e16" targetNamespace="http://schemas.microsoft.com/office/2006/metadata/properties" ma:root="true" ma:fieldsID="fb3734044a15ad06594235ed8616f05a" ns2:_="" ns3:_="">
     <xsd:import namespace="a7808110-8328-42fc-b4bb-a41d2afd8544"/>
@@ -19409,15 +20377,6 @@
 </ct:contentTypeSchema>
 </file>
 
-<file path=customXml/item2.xml><?xml version="1.0" encoding="utf-8"?>
-<?mso-contentType ?>
-<FormTemplates xmlns="http://schemas.microsoft.com/sharepoint/v3/contenttype/forms">
-  <Display>DocumentLibraryForm</Display>
-  <Edit>DocumentLibraryForm</Edit>
-  <New>DocumentLibraryForm</New>
-</FormTemplates>
-</file>
-
 <file path=customXml/item3.xml><?xml version="1.0" encoding="utf-8"?>
 <p:properties xmlns:p="http://schemas.microsoft.com/office/2006/metadata/properties" xmlns:xsi="http://www.w3.org/2001/XMLSchema-instance" xmlns:pc="http://schemas.microsoft.com/office/infopath/2007/PartnerControls">
   <documentManagement/>
@@ -19425,6 +20384,14 @@
 </file>
 
 <file path=customXml/itemProps1.xml><?xml version="1.0" encoding="utf-8"?>
+<ds:datastoreItem xmlns:ds="http://schemas.openxmlformats.org/officeDocument/2006/customXml" ds:itemID="{F34E3531-3C7B-4F91-8F05-D253CEC9450F}">
+  <ds:schemaRefs>
+    <ds:schemaRef ds:uri="http://schemas.microsoft.com/sharepoint/v3/contenttype/forms"/>
+  </ds:schemaRefs>
+</ds:datastoreItem>
+</file>
+
+<file path=customXml/itemProps2.xml><?xml version="1.0" encoding="utf-8"?>
 <ds:datastoreItem xmlns:ds="http://schemas.openxmlformats.org/officeDocument/2006/customXml" ds:itemID="{96426C5A-A190-4C7D-A859-77AA9214B293}">
   <ds:schemaRefs>
     <ds:schemaRef ds:uri="http://schemas.microsoft.com/office/2006/metadata/contentType"/>
@@ -19439,14 +20406,6 @@
     <ds:schemaRef ds:uri="http://purl.org/dc/elements/1.1/"/>
     <ds:schemaRef ds:uri="http://purl.org/dc/terms/"/>
     <ds:schemaRef ds:uri="http://schemas.microsoft.com/internal/obd"/>
-  </ds:schemaRefs>
-</ds:datastoreItem>
-</file>
-
-<file path=customXml/itemProps2.xml><?xml version="1.0" encoding="utf-8"?>
-<ds:datastoreItem xmlns:ds="http://schemas.openxmlformats.org/officeDocument/2006/customXml" ds:itemID="{F34E3531-3C7B-4F91-8F05-D253CEC9450F}">
-  <ds:schemaRefs>
-    <ds:schemaRef ds:uri="http://schemas.microsoft.com/sharepoint/v3/contenttype/forms"/>
   </ds:schemaRefs>
 </ds:datastoreItem>
 </file>

--- a/Transfer/JIRA.pptx
+++ b/Transfer/JIRA.pptx
@@ -6,39 +6,25 @@
     <p:sldMasterId id="2147483672" r:id="rId5"/>
   </p:sldMasterIdLst>
   <p:notesMasterIdLst>
-    <p:notesMasterId r:id="rId36"/>
+    <p:notesMasterId r:id="rId22"/>
   </p:notesMasterIdLst>
   <p:sldIdLst>
     <p:sldId id="256" r:id="rId6"/>
     <p:sldId id="386" r:id="rId7"/>
     <p:sldId id="389" r:id="rId8"/>
-    <p:sldId id="416" r:id="rId9"/>
-    <p:sldId id="384" r:id="rId10"/>
-    <p:sldId id="401" r:id="rId11"/>
-    <p:sldId id="391" r:id="rId12"/>
-    <p:sldId id="387" r:id="rId13"/>
-    <p:sldId id="394" r:id="rId14"/>
-    <p:sldId id="398" r:id="rId15"/>
-    <p:sldId id="396" r:id="rId16"/>
-    <p:sldId id="399" r:id="rId17"/>
-    <p:sldId id="390" r:id="rId18"/>
-    <p:sldId id="400" r:id="rId19"/>
+    <p:sldId id="417" r:id="rId9"/>
+    <p:sldId id="418" r:id="rId10"/>
+    <p:sldId id="416" r:id="rId11"/>
+    <p:sldId id="384" r:id="rId12"/>
+    <p:sldId id="401" r:id="rId13"/>
+    <p:sldId id="391" r:id="rId14"/>
+    <p:sldId id="387" r:id="rId15"/>
+    <p:sldId id="394" r:id="rId16"/>
+    <p:sldId id="398" r:id="rId17"/>
+    <p:sldId id="396" r:id="rId18"/>
+    <p:sldId id="390" r:id="rId19"/>
     <p:sldId id="392" r:id="rId20"/>
-    <p:sldId id="402" r:id="rId21"/>
-    <p:sldId id="405" r:id="rId22"/>
-    <p:sldId id="406" r:id="rId23"/>
-    <p:sldId id="403" r:id="rId24"/>
-    <p:sldId id="404" r:id="rId25"/>
-    <p:sldId id="408" r:id="rId26"/>
-    <p:sldId id="407" r:id="rId27"/>
-    <p:sldId id="409" r:id="rId28"/>
-    <p:sldId id="410" r:id="rId29"/>
-    <p:sldId id="411" r:id="rId30"/>
-    <p:sldId id="412" r:id="rId31"/>
-    <p:sldId id="413" r:id="rId32"/>
-    <p:sldId id="414" r:id="rId33"/>
-    <p:sldId id="415" r:id="rId34"/>
-    <p:sldId id="314" r:id="rId35"/>
+    <p:sldId id="314" r:id="rId21"/>
   </p:sldIdLst>
   <p:sldSz cx="12192000" cy="6858000"/>
   <p:notesSz cx="6797675" cy="9926638"/>
@@ -230,7 +216,7 @@
           <a:p>
             <a:fld id="{7403554B-2A20-494B-BE9C-AD74DE843402}" type="datetimeFigureOut">
               <a:rPr lang="ko-KR" altLang="en-US" smtClean="0"/>
-              <a:t>2025-01-17</a:t>
+              <a:t>2025-01-20</a:t>
             </a:fld>
             <a:endParaRPr lang="ko-KR" altLang="en-US"/>
           </a:p>
@@ -1519,7 +1505,7 @@
           </a:ln>
           <a:extLst>
             <a:ext uri="{C572A759-6A51-4108-AA02-DFA0A04FC94B}">
-              <ma14:wrappingTextBoxFlag xmlns:ma14="http://schemas.microsoft.com/office/mac/drawingml/2011/main" xmlns:a14="http://schemas.microsoft.com/office/drawing/2010/main" xmlns:m="http://schemas.openxmlformats.org/officeDocument/2006/math" xmlns="" val="1"/>
+              <ma14:wrappingTextBoxFlag xmlns="" xmlns:m="http://schemas.openxmlformats.org/officeDocument/2006/math" xmlns:a14="http://schemas.microsoft.com/office/drawing/2010/main" xmlns:ma14="http://schemas.microsoft.com/office/mac/drawingml/2011/main" val="1"/>
             </a:ext>
           </a:extLst>
         </p:spPr>
@@ -4443,7 +4429,7 @@
           </a:ln>
           <a:extLst>
             <a:ext uri="{C572A759-6A51-4108-AA02-DFA0A04FC94B}">
-              <ma14:wrappingTextBoxFlag xmlns:ma14="http://schemas.microsoft.com/office/mac/drawingml/2011/main" xmlns:a14="http://schemas.microsoft.com/office/drawing/2010/main" xmlns:m="http://schemas.openxmlformats.org/officeDocument/2006/math" xmlns="" val="1"/>
+              <ma14:wrappingTextBoxFlag xmlns="" xmlns:m="http://schemas.openxmlformats.org/officeDocument/2006/math" xmlns:a14="http://schemas.microsoft.com/office/drawing/2010/main" xmlns:ma14="http://schemas.microsoft.com/office/mac/drawingml/2011/main" val="1"/>
             </a:ext>
           </a:extLst>
         </p:spPr>
@@ -8038,7 +8024,7 @@
                 </a:solidFill>
                 <a:latin typeface="맑은 고딕" panose="020B0503020000020004" pitchFamily="50" charset="-127"/>
               </a:rPr>
-              <a:t>:  2025. 01. 09</a:t>
+              <a:t>:  2025. 01. 22</a:t>
             </a:r>
           </a:p>
         </p:txBody>
@@ -8231,7 +8217,7 @@
                 </a:solidFill>
                 <a:latin typeface="맑은 고딕" panose="020F0302020204030204"/>
               </a:rPr>
-              <a:t>[Enhancement]</a:t>
+              <a:t>[Introduction]</a:t>
             </a:r>
           </a:p>
           <a:p>
@@ -8971,7 +8957,13 @@
       </p:grpSpPr>
       <p:sp>
         <p:nvSpPr>
-          <p:cNvPr id="2" name="제목 1"/>
+          <p:cNvPr id="30" name="제목 1">
+            <a:extLst>
+              <a:ext uri="{FF2B5EF4-FFF2-40B4-BE49-F238E27FC236}">
+                <a16:creationId xmlns:a16="http://schemas.microsoft.com/office/drawing/2014/main" id="{E07677D8-5FB3-3385-9BD9-C02A67E5B6DD}"/>
+              </a:ext>
+            </a:extLst>
+          </p:cNvPr>
           <p:cNvSpPr>
             <a:spLocks noGrp="1"/>
           </p:cNvSpPr>
@@ -8979,21 +8971,30 @@
             <p:ph type="title"/>
           </p:nvPr>
         </p:nvSpPr>
-        <p:spPr/>
+        <p:spPr>
+          <a:xfrm>
+            <a:off x="550526" y="215756"/>
+            <a:ext cx="11088845" cy="523982"/>
+          </a:xfrm>
+        </p:spPr>
         <p:txBody>
           <a:bodyPr/>
           <a:lstStyle/>
           <a:p>
             <a:r>
               <a:rPr lang="en-US" altLang="ko-KR" dirty="0"/>
-              <a:t>3. System Design &amp; Interface</a:t>
+              <a:t>6. JIRA</a:t>
+            </a:r>
+            <a:r>
+              <a:rPr lang="ko-KR" altLang="en-US" dirty="0"/>
+              <a:t> 보드</a:t>
             </a:r>
           </a:p>
         </p:txBody>
       </p:sp>
       <p:sp>
         <p:nvSpPr>
-          <p:cNvPr id="35" name="AutoShape 7">
+          <p:cNvPr id="8" name="AutoShape 7">
             <a:extLst>
               <a:ext uri="{FF2B5EF4-FFF2-40B4-BE49-F238E27FC236}">
                 <a16:creationId xmlns:a16="http://schemas.microsoft.com/office/drawing/2014/main" id="{170E9D07-8CC3-83F6-3C2A-0701DCEB6076}"/>
@@ -9046,10 +9047,303 @@
           </a:p>
         </p:txBody>
       </p:sp>
+      <p:sp>
+        <p:nvSpPr>
+          <p:cNvPr id="2" name="TextBox 1">
+            <a:extLst>
+              <a:ext uri="{FF2B5EF4-FFF2-40B4-BE49-F238E27FC236}">
+                <a16:creationId xmlns:a16="http://schemas.microsoft.com/office/drawing/2014/main" id="{1CD3E74A-84DE-AD84-1FE1-3BA628398F61}"/>
+              </a:ext>
+            </a:extLst>
+          </p:cNvPr>
+          <p:cNvSpPr txBox="1"/>
+          <p:nvPr/>
+        </p:nvSpPr>
+        <p:spPr>
+          <a:xfrm>
+            <a:off x="139699" y="1114697"/>
+            <a:ext cx="11767672" cy="3323987"/>
+          </a:xfrm>
+          <a:prstGeom prst="rect">
+            <a:avLst/>
+          </a:prstGeom>
+          <a:noFill/>
+        </p:spPr>
+        <p:txBody>
+          <a:bodyPr wrap="square" rtlCol="0">
+            <a:spAutoFit/>
+          </a:bodyPr>
+          <a:lstStyle/>
+          <a:p>
+            <a:pPr marL="171450" indent="-171450" algn="l" fontAlgn="base">
+              <a:spcAft>
+                <a:spcPts val="1200"/>
+              </a:spcAft>
+              <a:buFont typeface="Wingdings" panose="05000000000000000000" pitchFamily="2" charset="2"/>
+              <a:buChar char="l"/>
+            </a:pPr>
+            <a:r>
+              <a:rPr lang="en-US" altLang="ko-KR" sz="1200" b="0" i="0" dirty="0">
+                <a:solidFill>
+                  <a:srgbClr val="253858"/>
+                </a:solidFill>
+                <a:effectLst/>
+                <a:latin typeface="Charlie Display"/>
+              </a:rPr>
+              <a:t>JIRA </a:t>
+            </a:r>
+            <a:r>
+              <a:rPr lang="ko-KR" altLang="en-US" sz="1200" b="0" i="0" dirty="0">
+                <a:solidFill>
+                  <a:srgbClr val="253858"/>
+                </a:solidFill>
+                <a:effectLst/>
+                <a:latin typeface="Charlie Display"/>
+              </a:rPr>
+              <a:t>보드란</a:t>
+            </a:r>
+            <a:r>
+              <a:rPr lang="en-US" altLang="ko-KR" sz="1200" b="0" i="0" dirty="0">
+                <a:solidFill>
+                  <a:srgbClr val="253858"/>
+                </a:solidFill>
+                <a:effectLst/>
+                <a:latin typeface="Charlie Display"/>
+              </a:rPr>
+              <a:t>?</a:t>
+            </a:r>
+          </a:p>
+          <a:p>
+            <a:pPr algn="l" fontAlgn="base">
+              <a:spcAft>
+                <a:spcPts val="1200"/>
+              </a:spcAft>
+            </a:pPr>
+            <a:r>
+              <a:rPr lang="ko-KR" altLang="en-US" sz="1200" b="0" i="0" dirty="0">
+                <a:solidFill>
+                  <a:srgbClr val="091E42"/>
+                </a:solidFill>
+                <a:effectLst/>
+                <a:latin typeface="Charlie Text"/>
+              </a:rPr>
+              <a:t>애자일 보드는 팀이 작업을 계획하고 시각화하고 관리하는 데 도움이 되는 도구</a:t>
+            </a:r>
+            <a:endParaRPr lang="en-US" altLang="ko-KR" sz="1200" b="0" i="0" dirty="0">
+              <a:solidFill>
+                <a:srgbClr val="091E42"/>
+              </a:solidFill>
+              <a:effectLst/>
+              <a:latin typeface="Charlie Text"/>
+            </a:endParaRPr>
+          </a:p>
+          <a:p>
+            <a:pPr algn="l" fontAlgn="base">
+              <a:spcAft>
+                <a:spcPts val="1200"/>
+              </a:spcAft>
+            </a:pPr>
+            <a:r>
+              <a:rPr lang="ko-KR" altLang="en-US" sz="1200" b="0" i="0" dirty="0">
+                <a:solidFill>
+                  <a:srgbClr val="091E42"/>
+                </a:solidFill>
+                <a:effectLst/>
+                <a:latin typeface="Charlie Text"/>
+              </a:rPr>
+              <a:t>각 </a:t>
+            </a:r>
+            <a:r>
+              <a:rPr lang="en-US" altLang="ko-KR" sz="1200" b="0" i="0" dirty="0">
+                <a:solidFill>
+                  <a:srgbClr val="091E42"/>
+                </a:solidFill>
+                <a:effectLst/>
+                <a:latin typeface="Charlie Text"/>
+              </a:rPr>
+              <a:t>Jira </a:t>
+            </a:r>
+            <a:r>
+              <a:rPr lang="ko-KR" altLang="en-US" sz="1200" b="0" i="0" dirty="0">
+                <a:solidFill>
+                  <a:srgbClr val="091E42"/>
+                </a:solidFill>
+                <a:effectLst/>
+                <a:latin typeface="Charlie Text"/>
+              </a:rPr>
+              <a:t>프로젝트에는 기본적으로 보드가 있으며 시작하지 않은 모든 작업</a:t>
+            </a:r>
+            <a:r>
+              <a:rPr lang="en-US" altLang="ko-KR" sz="1200" b="0" i="0" dirty="0">
+                <a:solidFill>
+                  <a:srgbClr val="091E42"/>
+                </a:solidFill>
+                <a:effectLst/>
+                <a:latin typeface="Charlie Text"/>
+              </a:rPr>
+              <a:t>, </a:t>
+            </a:r>
+            <a:r>
+              <a:rPr lang="ko-KR" altLang="en-US" sz="1200" b="0" i="0" dirty="0">
+                <a:solidFill>
+                  <a:srgbClr val="091E42"/>
+                </a:solidFill>
+                <a:effectLst/>
+                <a:latin typeface="Charlie Text"/>
+              </a:rPr>
+              <a:t>진행 중인 작업 및 완료한 작업에 대한 공유 보기를 팀에 제공</a:t>
+            </a:r>
+            <a:endParaRPr lang="en-US" altLang="ko-KR" sz="1200" b="0" i="0" dirty="0">
+              <a:solidFill>
+                <a:srgbClr val="091E42"/>
+              </a:solidFill>
+              <a:effectLst/>
+              <a:latin typeface="Charlie Text"/>
+            </a:endParaRPr>
+          </a:p>
+          <a:p>
+            <a:pPr algn="l" fontAlgn="base">
+              <a:spcAft>
+                <a:spcPts val="1200"/>
+              </a:spcAft>
+            </a:pPr>
+            <a:r>
+              <a:rPr lang="en-US" altLang="ko-KR" sz="1200" b="0" i="0" dirty="0">
+                <a:solidFill>
+                  <a:srgbClr val="091E42"/>
+                </a:solidFill>
+                <a:effectLst/>
+                <a:latin typeface="Charlie Text"/>
+                <a:hlinkClick r:id="rId2"/>
+              </a:rPr>
+              <a:t>https://kangsanggu74-1728864701657.atlassian.net/jira/software/projects/UDN/boards/2</a:t>
+            </a:r>
+            <a:endParaRPr lang="en-US" altLang="ko-KR" sz="1200" dirty="0">
+              <a:solidFill>
+                <a:srgbClr val="091E42"/>
+              </a:solidFill>
+              <a:latin typeface="Charlie Text"/>
+            </a:endParaRPr>
+          </a:p>
+          <a:p>
+            <a:pPr algn="l" fontAlgn="base">
+              <a:spcAft>
+                <a:spcPts val="1200"/>
+              </a:spcAft>
+            </a:pPr>
+            <a:endParaRPr lang="en-US" altLang="ko-KR" sz="1200" b="0" i="0" dirty="0">
+              <a:solidFill>
+                <a:srgbClr val="091E42"/>
+              </a:solidFill>
+              <a:effectLst/>
+              <a:latin typeface="Charlie Text"/>
+            </a:endParaRPr>
+          </a:p>
+          <a:p>
+            <a:pPr algn="l" fontAlgn="base">
+              <a:spcAft>
+                <a:spcPts val="1200"/>
+              </a:spcAft>
+            </a:pPr>
+            <a:endParaRPr lang="en-US" altLang="ko-KR" sz="1200" b="0" i="0" dirty="0">
+              <a:solidFill>
+                <a:srgbClr val="253858"/>
+              </a:solidFill>
+              <a:effectLst/>
+              <a:latin typeface="Charlie Display"/>
+            </a:endParaRPr>
+          </a:p>
+          <a:p>
+            <a:pPr algn="l" fontAlgn="base">
+              <a:spcAft>
+                <a:spcPts val="1200"/>
+              </a:spcAft>
+            </a:pPr>
+            <a:endParaRPr lang="en-US" altLang="ko-KR" sz="1200" dirty="0">
+              <a:solidFill>
+                <a:srgbClr val="253858"/>
+              </a:solidFill>
+              <a:latin typeface="Charlie Display"/>
+            </a:endParaRPr>
+          </a:p>
+          <a:p>
+            <a:pPr algn="l" fontAlgn="base">
+              <a:spcAft>
+                <a:spcPts val="1200"/>
+              </a:spcAft>
+            </a:pPr>
+            <a:endParaRPr lang="en-US" altLang="ko-KR" sz="1200" b="0" i="0" dirty="0">
+              <a:solidFill>
+                <a:srgbClr val="253858"/>
+              </a:solidFill>
+              <a:effectLst/>
+              <a:latin typeface="Charlie Display"/>
+            </a:endParaRPr>
+          </a:p>
+          <a:p>
+            <a:pPr algn="l" fontAlgn="base">
+              <a:spcAft>
+                <a:spcPts val="1200"/>
+              </a:spcAft>
+            </a:pPr>
+            <a:endParaRPr lang="en-US" altLang="ko-KR" sz="1200" b="0" i="0" dirty="0">
+              <a:solidFill>
+                <a:srgbClr val="253858"/>
+              </a:solidFill>
+              <a:effectLst/>
+              <a:latin typeface="Charlie Display"/>
+            </a:endParaRPr>
+          </a:p>
+          <a:p>
+            <a:pPr algn="l" fontAlgn="base">
+              <a:spcAft>
+                <a:spcPts val="1200"/>
+              </a:spcAft>
+            </a:pPr>
+            <a:endParaRPr lang="ko-KR" altLang="en-US" sz="1200" b="0" i="0" dirty="0">
+              <a:solidFill>
+                <a:srgbClr val="253858"/>
+              </a:solidFill>
+              <a:effectLst/>
+              <a:latin typeface="Charlie Display"/>
+            </a:endParaRPr>
+          </a:p>
+        </p:txBody>
+      </p:sp>
+      <p:pic>
+        <p:nvPicPr>
+          <p:cNvPr id="4" name="그림 3">
+            <a:extLst>
+              <a:ext uri="{FF2B5EF4-FFF2-40B4-BE49-F238E27FC236}">
+                <a16:creationId xmlns:a16="http://schemas.microsoft.com/office/drawing/2014/main" id="{5CD28B26-018C-177E-FE2B-4A8407C05918}"/>
+              </a:ext>
+            </a:extLst>
+          </p:cNvPr>
+          <p:cNvPicPr>
+            <a:picLocks noChangeAspect="1"/>
+          </p:cNvPicPr>
+          <p:nvPr/>
+        </p:nvPicPr>
+        <p:blipFill>
+          <a:blip r:embed="rId3"/>
+          <a:stretch>
+            <a:fillRect/>
+          </a:stretch>
+        </p:blipFill>
+        <p:spPr>
+          <a:xfrm>
+            <a:off x="550525" y="2477736"/>
+            <a:ext cx="7649327" cy="3844687"/>
+          </a:xfrm>
+          <a:prstGeom prst="rect">
+            <a:avLst/>
+          </a:prstGeom>
+        </p:spPr>
+      </p:pic>
     </p:spTree>
     <p:extLst>
       <p:ext uri="{BB962C8B-B14F-4D97-AF65-F5344CB8AC3E}">
-        <p14:creationId xmlns:p14="http://schemas.microsoft.com/office/powerpoint/2010/main" val="2473263838"/>
+        <p14:creationId xmlns:p14="http://schemas.microsoft.com/office/powerpoint/2010/main" val="405335530"/>
       </p:ext>
     </p:extLst>
   </p:cSld>
@@ -9104,9 +9398,12 @@
           <a:p>
             <a:r>
               <a:rPr lang="en-US" altLang="ko-KR" dirty="0"/>
-              <a:t>3. System Design &amp; Interface</a:t>
-            </a:r>
-            <a:endParaRPr lang="ko-KR" altLang="en-US" dirty="0"/>
+              <a:t>6. JIRA</a:t>
+            </a:r>
+            <a:r>
+              <a:rPr lang="ko-KR" altLang="en-US" dirty="0"/>
+              <a:t> 보드</a:t>
+            </a:r>
           </a:p>
         </p:txBody>
       </p:sp>
@@ -9165,10 +9462,46 @@
           </a:p>
         </p:txBody>
       </p:sp>
+      <p:pic>
+        <p:nvPicPr>
+          <p:cNvPr id="4" name="그림 3" descr="텍스트, 스크린샷, 소프트웨어, 웹 페이지이(가) 표시된 사진&#10;&#10;자동 생성된 설명">
+            <a:extLst>
+              <a:ext uri="{FF2B5EF4-FFF2-40B4-BE49-F238E27FC236}">
+                <a16:creationId xmlns:a16="http://schemas.microsoft.com/office/drawing/2014/main" id="{92283A47-7DBE-83FF-89BD-2DB36875F862}"/>
+              </a:ext>
+            </a:extLst>
+          </p:cNvPr>
+          <p:cNvPicPr>
+            <a:picLocks noChangeAspect="1"/>
+          </p:cNvPicPr>
+          <p:nvPr/>
+        </p:nvPicPr>
+        <p:blipFill>
+          <a:blip r:embed="rId2">
+            <a:extLst>
+              <a:ext uri="{28A0092B-C50C-407E-A947-70E740481C1C}">
+                <a14:useLocalDpi xmlns:a14="http://schemas.microsoft.com/office/drawing/2010/main" val="0"/>
+              </a:ext>
+            </a:extLst>
+          </a:blip>
+          <a:stretch>
+            <a:fillRect/>
+          </a:stretch>
+        </p:blipFill>
+        <p:spPr>
+          <a:xfrm>
+            <a:off x="1493198" y="1050312"/>
+            <a:ext cx="8660996" cy="5324075"/>
+          </a:xfrm>
+          <a:prstGeom prst="rect">
+            <a:avLst/>
+          </a:prstGeom>
+        </p:spPr>
+      </p:pic>
     </p:spTree>
     <p:extLst>
       <p:ext uri="{BB962C8B-B14F-4D97-AF65-F5344CB8AC3E}">
-        <p14:creationId xmlns:p14="http://schemas.microsoft.com/office/powerpoint/2010/main" val="840617206"/>
+        <p14:creationId xmlns:p14="http://schemas.microsoft.com/office/powerpoint/2010/main" val="2903534060"/>
       </p:ext>
     </p:extLst>
   </p:cSld>
@@ -9179,6 +9512,496 @@
 </file>
 
 <file path=ppt/slides/slide12.xml><?xml version="1.0" encoding="utf-8"?>
+<p:sld xmlns:a="http://schemas.openxmlformats.org/drawingml/2006/main" xmlns:r="http://schemas.openxmlformats.org/officeDocument/2006/relationships" xmlns:p="http://schemas.openxmlformats.org/presentationml/2006/main">
+  <p:cSld>
+    <p:spTree>
+      <p:nvGrpSpPr>
+        <p:cNvPr id="1" name=""/>
+        <p:cNvGrpSpPr/>
+        <p:nvPr/>
+      </p:nvGrpSpPr>
+      <p:grpSpPr>
+        <a:xfrm>
+          <a:off x="0" y="0"/>
+          <a:ext cx="0" cy="0"/>
+          <a:chOff x="0" y="0"/>
+          <a:chExt cx="0" cy="0"/>
+        </a:xfrm>
+      </p:grpSpPr>
+      <p:sp>
+        <p:nvSpPr>
+          <p:cNvPr id="2" name="제목 1"/>
+          <p:cNvSpPr>
+            <a:spLocks noGrp="1"/>
+          </p:cNvSpPr>
+          <p:nvPr>
+            <p:ph type="title"/>
+          </p:nvPr>
+        </p:nvSpPr>
+        <p:spPr/>
+        <p:txBody>
+          <a:bodyPr/>
+          <a:lstStyle/>
+          <a:p>
+            <a:r>
+              <a:rPr lang="en-US" altLang="ko-KR" dirty="0"/>
+              <a:t>7. JIRA</a:t>
+            </a:r>
+            <a:r>
+              <a:rPr lang="ko-KR" altLang="en-US" dirty="0"/>
+              <a:t> </a:t>
+            </a:r>
+            <a:r>
+              <a:rPr lang="en-US" altLang="ko-KR" dirty="0"/>
+              <a:t>Software</a:t>
+            </a:r>
+            <a:r>
+              <a:rPr lang="ko-KR" altLang="en-US" dirty="0"/>
+              <a:t> </a:t>
+            </a:r>
+            <a:r>
+              <a:rPr lang="en-US" altLang="ko-KR" dirty="0"/>
+              <a:t>workflow</a:t>
+            </a:r>
+          </a:p>
+        </p:txBody>
+      </p:sp>
+      <p:sp>
+        <p:nvSpPr>
+          <p:cNvPr id="35" name="AutoShape 7">
+            <a:extLst>
+              <a:ext uri="{FF2B5EF4-FFF2-40B4-BE49-F238E27FC236}">
+                <a16:creationId xmlns:a16="http://schemas.microsoft.com/office/drawing/2014/main" id="{170E9D07-8CC3-83F6-3C2A-0701DCEB6076}"/>
+              </a:ext>
+            </a:extLst>
+          </p:cNvPr>
+          <p:cNvSpPr>
+            <a:spLocks noChangeArrowheads="1"/>
+          </p:cNvSpPr>
+          <p:nvPr/>
+        </p:nvSpPr>
+        <p:spPr bwMode="auto">
+          <a:xfrm>
+            <a:off x="139699" y="971365"/>
+            <a:ext cx="11767672" cy="5481971"/>
+          </a:xfrm>
+          <a:prstGeom prst="roundRect">
+            <a:avLst>
+              <a:gd name="adj" fmla="val 1278"/>
+            </a:avLst>
+          </a:prstGeom>
+          <a:noFill/>
+          <a:ln w="12700" cap="flat" cmpd="sng" algn="ctr">
+            <a:solidFill>
+              <a:srgbClr val="A0A0A0"/>
+            </a:solidFill>
+            <a:prstDash val="solid"/>
+            <a:headEnd/>
+            <a:tailEnd/>
+          </a:ln>
+          <a:effectLst/>
+        </p:spPr>
+        <p:txBody>
+          <a:bodyPr wrap="none" tIns="0" bIns="0"/>
+          <a:lstStyle/>
+          <a:p>
+            <a:pPr eaLnBrk="0" fontAlgn="auto" latinLnBrk="0" hangingPunct="0">
+              <a:spcBef>
+                <a:spcPts val="0"/>
+              </a:spcBef>
+              <a:spcAft>
+                <a:spcPts val="0"/>
+              </a:spcAft>
+              <a:defRPr/>
+            </a:pPr>
+            <a:endParaRPr kumimoji="0" lang="ko-KR" altLang="en-US" kern="0" dirty="0">
+              <a:latin typeface="HY견고딕" pitchFamily="18" charset="-127"/>
+              <a:ea typeface="HY견고딕" pitchFamily="18" charset="-127"/>
+            </a:endParaRPr>
+          </a:p>
+        </p:txBody>
+      </p:sp>
+      <p:pic>
+        <p:nvPicPr>
+          <p:cNvPr id="4" name="그림 3">
+            <a:extLst>
+              <a:ext uri="{FF2B5EF4-FFF2-40B4-BE49-F238E27FC236}">
+                <a16:creationId xmlns:a16="http://schemas.microsoft.com/office/drawing/2014/main" id="{A4E5517C-B105-200C-527E-B55F8C7966F7}"/>
+              </a:ext>
+            </a:extLst>
+          </p:cNvPr>
+          <p:cNvPicPr>
+            <a:picLocks noChangeAspect="1"/>
+          </p:cNvPicPr>
+          <p:nvPr/>
+        </p:nvPicPr>
+        <p:blipFill>
+          <a:blip r:embed="rId2"/>
+          <a:stretch>
+            <a:fillRect/>
+          </a:stretch>
+        </p:blipFill>
+        <p:spPr>
+          <a:xfrm>
+            <a:off x="2803363" y="1244730"/>
+            <a:ext cx="6253551" cy="1923561"/>
+          </a:xfrm>
+          <a:prstGeom prst="rect">
+            <a:avLst/>
+          </a:prstGeom>
+        </p:spPr>
+      </p:pic>
+      <p:sp>
+        <p:nvSpPr>
+          <p:cNvPr id="5" name="TextBox 4">
+            <a:extLst>
+              <a:ext uri="{FF2B5EF4-FFF2-40B4-BE49-F238E27FC236}">
+                <a16:creationId xmlns:a16="http://schemas.microsoft.com/office/drawing/2014/main" id="{F1A26955-27A7-3CA5-9AAA-FE4AA36E9DA1}"/>
+              </a:ext>
+            </a:extLst>
+          </p:cNvPr>
+          <p:cNvSpPr txBox="1"/>
+          <p:nvPr/>
+        </p:nvSpPr>
+        <p:spPr>
+          <a:xfrm>
+            <a:off x="1158240" y="3712350"/>
+            <a:ext cx="3875314" cy="1569660"/>
+          </a:xfrm>
+          <a:prstGeom prst="rect">
+            <a:avLst/>
+          </a:prstGeom>
+          <a:noFill/>
+        </p:spPr>
+        <p:txBody>
+          <a:bodyPr wrap="square" rtlCol="0">
+            <a:spAutoFit/>
+          </a:bodyPr>
+          <a:lstStyle/>
+          <a:p>
+            <a:r>
+              <a:rPr lang="en-US" altLang="ko-KR" sz="1600" dirty="0"/>
+              <a:t>Manager</a:t>
+            </a:r>
+          </a:p>
+          <a:p>
+            <a:pPr marL="171450" indent="-171450">
+              <a:buFont typeface="Arial" panose="020B0604020202020204" pitchFamily="34" charset="0"/>
+              <a:buChar char="•"/>
+            </a:pPr>
+            <a:r>
+              <a:rPr lang="en-US" altLang="ko-KR" sz="1600" dirty="0"/>
+              <a:t>Created a new  software project</a:t>
+            </a:r>
+          </a:p>
+          <a:p>
+            <a:pPr marL="171450" indent="-171450">
+              <a:buFont typeface="Arial" panose="020B0604020202020204" pitchFamily="34" charset="0"/>
+              <a:buChar char="•"/>
+            </a:pPr>
+            <a:r>
+              <a:rPr lang="en-US" altLang="ko-KR" sz="1600" dirty="0"/>
+              <a:t>Added users</a:t>
+            </a:r>
+          </a:p>
+          <a:p>
+            <a:pPr marL="171450" indent="-171450">
+              <a:buFont typeface="Arial" panose="020B0604020202020204" pitchFamily="34" charset="0"/>
+              <a:buChar char="•"/>
+            </a:pPr>
+            <a:r>
+              <a:rPr lang="en-US" altLang="ko-KR" sz="1600" dirty="0"/>
+              <a:t>Prepared your backlog</a:t>
+            </a:r>
+          </a:p>
+          <a:p>
+            <a:pPr marL="171450" indent="-171450">
+              <a:buFont typeface="Arial" panose="020B0604020202020204" pitchFamily="34" charset="0"/>
+              <a:buChar char="•"/>
+            </a:pPr>
+            <a:r>
+              <a:rPr lang="en-US" altLang="ko-KR" sz="1600" dirty="0"/>
+              <a:t>Started and completed a sprint</a:t>
+            </a:r>
+          </a:p>
+          <a:p>
+            <a:pPr marL="171450" indent="-171450">
+              <a:buFont typeface="Arial" panose="020B0604020202020204" pitchFamily="34" charset="0"/>
+              <a:buChar char="•"/>
+            </a:pPr>
+            <a:r>
+              <a:rPr lang="en-US" altLang="ko-KR" sz="1600" dirty="0"/>
+              <a:t>Evaluated the results</a:t>
+            </a:r>
+            <a:endParaRPr lang="ko-KR" altLang="en-US" sz="1600" dirty="0"/>
+          </a:p>
+        </p:txBody>
+      </p:sp>
+      <p:sp>
+        <p:nvSpPr>
+          <p:cNvPr id="6" name="TextBox 5">
+            <a:extLst>
+              <a:ext uri="{FF2B5EF4-FFF2-40B4-BE49-F238E27FC236}">
+                <a16:creationId xmlns:a16="http://schemas.microsoft.com/office/drawing/2014/main" id="{D69AEF91-910D-48E5-8562-D7F841986653}"/>
+              </a:ext>
+            </a:extLst>
+          </p:cNvPr>
+          <p:cNvSpPr txBox="1"/>
+          <p:nvPr/>
+        </p:nvSpPr>
+        <p:spPr>
+          <a:xfrm>
+            <a:off x="5930137" y="3864750"/>
+            <a:ext cx="5852559" cy="1154162"/>
+          </a:xfrm>
+          <a:prstGeom prst="rect">
+            <a:avLst/>
+          </a:prstGeom>
+          <a:noFill/>
+        </p:spPr>
+        <p:txBody>
+          <a:bodyPr wrap="square" rtlCol="0">
+            <a:spAutoFit/>
+          </a:bodyPr>
+          <a:lstStyle/>
+          <a:p>
+            <a:r>
+              <a:rPr lang="en-US" altLang="ko-KR" sz="1600" dirty="0"/>
+              <a:t>User</a:t>
+            </a:r>
+          </a:p>
+          <a:p>
+            <a:pPr algn="l">
+              <a:buFont typeface="Arial" panose="020B0604020202020204" pitchFamily="34" charset="0"/>
+              <a:buChar char="•"/>
+            </a:pPr>
+            <a:r>
+              <a:rPr lang="en-US" altLang="ko-KR" sz="1600" b="0" i="0" dirty="0">
+                <a:solidFill>
+                  <a:srgbClr val="172B4D"/>
+                </a:solidFill>
+                <a:effectLst/>
+                <a:latin typeface="-apple-system"/>
+              </a:rPr>
+              <a:t> Create and manage issues</a:t>
+            </a:r>
+          </a:p>
+          <a:p>
+            <a:pPr algn="l">
+              <a:spcBef>
+                <a:spcPts val="300"/>
+              </a:spcBef>
+              <a:buFont typeface="Arial" panose="020B0604020202020204" pitchFamily="34" charset="0"/>
+              <a:buChar char="•"/>
+            </a:pPr>
+            <a:r>
+              <a:rPr lang="en-US" altLang="ko-KR" sz="1600" dirty="0">
+                <a:solidFill>
+                  <a:srgbClr val="172B4D"/>
+                </a:solidFill>
+                <a:latin typeface="-apple-system"/>
+              </a:rPr>
+              <a:t> </a:t>
+            </a:r>
+            <a:r>
+              <a:rPr lang="en-US" altLang="ko-KR" sz="1600" b="0" i="0" dirty="0">
+                <a:solidFill>
+                  <a:srgbClr val="172B4D"/>
+                </a:solidFill>
+                <a:effectLst/>
+                <a:latin typeface="-apple-system"/>
+              </a:rPr>
+              <a:t>Check code review status</a:t>
+            </a:r>
+          </a:p>
+          <a:p>
+            <a:pPr algn="l">
+              <a:spcBef>
+                <a:spcPts val="300"/>
+              </a:spcBef>
+              <a:buFont typeface="Arial" panose="020B0604020202020204" pitchFamily="34" charset="0"/>
+              <a:buChar char="•"/>
+            </a:pPr>
+            <a:r>
+              <a:rPr lang="en-US" altLang="ko-KR" sz="1600" b="0" i="0" dirty="0">
+                <a:solidFill>
+                  <a:srgbClr val="172B4D"/>
+                </a:solidFill>
+                <a:effectLst/>
+                <a:latin typeface="-apple-system"/>
+              </a:rPr>
+              <a:t> Create branches (with integrated development tools)</a:t>
+            </a:r>
+          </a:p>
+        </p:txBody>
+      </p:sp>
+      <p:sp>
+        <p:nvSpPr>
+          <p:cNvPr id="7" name="TextBox 6">
+            <a:extLst>
+              <a:ext uri="{FF2B5EF4-FFF2-40B4-BE49-F238E27FC236}">
+                <a16:creationId xmlns:a16="http://schemas.microsoft.com/office/drawing/2014/main" id="{07D9C565-C4C4-0A78-8CAC-E7D8E264C98C}"/>
+              </a:ext>
+            </a:extLst>
+          </p:cNvPr>
+          <p:cNvSpPr txBox="1"/>
+          <p:nvPr/>
+        </p:nvSpPr>
+        <p:spPr>
+          <a:xfrm>
+            <a:off x="1158240" y="5365336"/>
+            <a:ext cx="5852559" cy="1031051"/>
+          </a:xfrm>
+          <a:prstGeom prst="rect">
+            <a:avLst/>
+          </a:prstGeom>
+          <a:noFill/>
+        </p:spPr>
+        <p:txBody>
+          <a:bodyPr wrap="square" rtlCol="0">
+            <a:spAutoFit/>
+          </a:bodyPr>
+          <a:lstStyle/>
+          <a:p>
+            <a:r>
+              <a:rPr lang="ko-KR" altLang="en-US" sz="1400" dirty="0"/>
+              <a:t>개발팀 사용 시나리오 예</a:t>
+            </a:r>
+            <a:endParaRPr lang="en-US" altLang="ko-KR" sz="1400" dirty="0"/>
+          </a:p>
+          <a:p>
+            <a:pPr algn="l">
+              <a:buFont typeface="Arial" panose="020B0604020202020204" pitchFamily="34" charset="0"/>
+              <a:buChar char="•"/>
+            </a:pPr>
+            <a:r>
+              <a:rPr lang="ko-KR" altLang="en-US" sz="1400" b="0" i="0" dirty="0">
+                <a:solidFill>
+                  <a:srgbClr val="172B4D"/>
+                </a:solidFill>
+                <a:effectLst/>
+                <a:latin typeface="-apple-system"/>
+              </a:rPr>
+              <a:t> 버그가 보고되면 개발자에게 자동으로 할당</a:t>
+            </a:r>
+            <a:endParaRPr lang="en-US" altLang="ko-KR" sz="1400" b="0" i="0" dirty="0">
+              <a:solidFill>
+                <a:srgbClr val="172B4D"/>
+              </a:solidFill>
+              <a:effectLst/>
+              <a:latin typeface="-apple-system"/>
+            </a:endParaRPr>
+          </a:p>
+          <a:p>
+            <a:pPr algn="l">
+              <a:spcBef>
+                <a:spcPts val="300"/>
+              </a:spcBef>
+              <a:buFont typeface="Arial" panose="020B0604020202020204" pitchFamily="34" charset="0"/>
+              <a:buChar char="•"/>
+            </a:pPr>
+            <a:r>
+              <a:rPr lang="en-US" altLang="ko-KR" sz="1400" dirty="0">
+                <a:solidFill>
+                  <a:srgbClr val="172B4D"/>
+                </a:solidFill>
+                <a:latin typeface="-apple-system"/>
+              </a:rPr>
+              <a:t> </a:t>
+            </a:r>
+            <a:r>
+              <a:rPr lang="ko-KR" altLang="en-US" sz="1400" b="0" i="0" dirty="0">
+                <a:solidFill>
+                  <a:srgbClr val="172B4D"/>
+                </a:solidFill>
+                <a:effectLst/>
+                <a:latin typeface="-apple-system"/>
+              </a:rPr>
+              <a:t>해결 후 </a:t>
+            </a:r>
+            <a:r>
+              <a:rPr lang="en-US" altLang="ko-KR" sz="1400" b="0" i="0" dirty="0">
+                <a:solidFill>
+                  <a:srgbClr val="172B4D"/>
+                </a:solidFill>
+                <a:effectLst/>
+                <a:latin typeface="-apple-system"/>
+              </a:rPr>
+              <a:t>QA </a:t>
+            </a:r>
+            <a:r>
+              <a:rPr lang="ko-KR" altLang="en-US" sz="1400" b="0" i="0" dirty="0">
+                <a:solidFill>
+                  <a:srgbClr val="172B4D"/>
+                </a:solidFill>
+                <a:effectLst/>
+                <a:latin typeface="-apple-system"/>
+              </a:rPr>
+              <a:t>팀으로 전달</a:t>
+            </a:r>
+            <a:endParaRPr lang="en-US" altLang="ko-KR" sz="1400" b="0" i="0" dirty="0">
+              <a:solidFill>
+                <a:srgbClr val="172B4D"/>
+              </a:solidFill>
+              <a:effectLst/>
+              <a:latin typeface="-apple-system"/>
+            </a:endParaRPr>
+          </a:p>
+          <a:p>
+            <a:pPr algn="l">
+              <a:spcBef>
+                <a:spcPts val="300"/>
+              </a:spcBef>
+              <a:buFont typeface="Arial" panose="020B0604020202020204" pitchFamily="34" charset="0"/>
+              <a:buChar char="•"/>
+            </a:pPr>
+            <a:r>
+              <a:rPr lang="en-US" altLang="ko-KR" sz="1400" b="0" i="0" dirty="0">
+                <a:solidFill>
+                  <a:srgbClr val="172B4D"/>
+                </a:solidFill>
+                <a:effectLst/>
+                <a:latin typeface="-apple-system"/>
+              </a:rPr>
+              <a:t> QA </a:t>
+            </a:r>
+            <a:r>
+              <a:rPr lang="ko-KR" altLang="en-US" sz="1400" b="0" i="0" dirty="0">
+                <a:solidFill>
+                  <a:srgbClr val="172B4D"/>
+                </a:solidFill>
+                <a:effectLst/>
+                <a:latin typeface="-apple-system"/>
+              </a:rPr>
+              <a:t>팀에서 테스트 후 이슈 </a:t>
+            </a:r>
+            <a:r>
+              <a:rPr lang="en-US" altLang="ko-KR" sz="1400" b="0" i="0" dirty="0">
+                <a:solidFill>
+                  <a:srgbClr val="172B4D"/>
+                </a:solidFill>
+                <a:effectLst/>
+                <a:latin typeface="-apple-system"/>
+              </a:rPr>
+              <a:t>close</a:t>
+            </a:r>
+          </a:p>
+        </p:txBody>
+      </p:sp>
+    </p:spTree>
+    <p:extLst>
+      <p:ext uri="{BB962C8B-B14F-4D97-AF65-F5344CB8AC3E}">
+        <p14:creationId xmlns:p14="http://schemas.microsoft.com/office/powerpoint/2010/main" val="2473263838"/>
+      </p:ext>
+    </p:extLst>
+  </p:cSld>
+  <p:clrMapOvr>
+    <a:masterClrMapping/>
+  </p:clrMapOvr>
+</p:sld>
+</file>
+
+<file path=ppt/slides/slide13.xml><?xml version="1.0" encoding="utf-8"?>
 <p:sld xmlns:a="http://schemas.openxmlformats.org/drawingml/2006/main" xmlns:r="http://schemas.openxmlformats.org/officeDocument/2006/relationships" xmlns:p="http://schemas.openxmlformats.org/presentationml/2006/main">
   <p:cSld>
     <p:spTree>
@@ -9223,9 +10046,12 @@
           <a:p>
             <a:r>
               <a:rPr lang="en-US" altLang="ko-KR" dirty="0"/>
-              <a:t>3. System Design &amp; Interface</a:t>
-            </a:r>
-            <a:endParaRPr lang="ko-KR" altLang="en-US" dirty="0"/>
+              <a:t>8. </a:t>
+            </a:r>
+            <a:r>
+              <a:rPr lang="ko-KR" altLang="en-US" dirty="0"/>
+              <a:t>사용 예</a:t>
+            </a:r>
           </a:p>
         </p:txBody>
       </p:sp>
@@ -9284,10 +10110,85 @@
           </a:p>
         </p:txBody>
       </p:sp>
+      <p:sp>
+        <p:nvSpPr>
+          <p:cNvPr id="2" name="TextBox 1">
+            <a:extLst>
+              <a:ext uri="{FF2B5EF4-FFF2-40B4-BE49-F238E27FC236}">
+                <a16:creationId xmlns:a16="http://schemas.microsoft.com/office/drawing/2014/main" id="{6FDEE3B4-0DB5-3BFB-2EBA-8B0BF29B303E}"/>
+              </a:ext>
+            </a:extLst>
+          </p:cNvPr>
+          <p:cNvSpPr txBox="1"/>
+          <p:nvPr/>
+        </p:nvSpPr>
+        <p:spPr>
+          <a:xfrm>
+            <a:off x="284629" y="1297577"/>
+            <a:ext cx="11419691" cy="1600438"/>
+          </a:xfrm>
+          <a:prstGeom prst="rect">
+            <a:avLst/>
+          </a:prstGeom>
+          <a:noFill/>
+        </p:spPr>
+        <p:txBody>
+          <a:bodyPr wrap="square" rtlCol="0">
+            <a:spAutoFit/>
+          </a:bodyPr>
+          <a:lstStyle/>
+          <a:p>
+            <a:r>
+              <a:rPr lang="en-US" altLang="ko-KR" sz="1400" dirty="0"/>
+              <a:t>Administration</a:t>
+            </a:r>
+          </a:p>
+          <a:p>
+            <a:r>
+              <a:rPr lang="en-US" altLang="ko-KR" sz="1400" dirty="0">
+                <a:hlinkClick r:id="rId2"/>
+              </a:rPr>
+              <a:t>https://admin.atlassian.com/o/334c7b96-b23f-477d-a8b3-918055a19fb4/details</a:t>
+            </a:r>
+            <a:endParaRPr lang="en-US" altLang="ko-KR" sz="1400" dirty="0"/>
+          </a:p>
+          <a:p>
+            <a:endParaRPr lang="en-US" altLang="ko-KR" sz="1400" dirty="0"/>
+          </a:p>
+          <a:p>
+            <a:r>
+              <a:rPr lang="en-US" altLang="ko-KR" sz="1400" dirty="0"/>
+              <a:t>User</a:t>
+            </a:r>
+          </a:p>
+          <a:p>
+            <a:r>
+              <a:rPr lang="en-US" altLang="ko-KR" sz="1400" dirty="0">
+                <a:hlinkClick r:id="rId3"/>
+              </a:rPr>
+              <a:t>https://kangsanggu74-1728864701657.atlassian.net/jira/your-work</a:t>
+            </a:r>
+            <a:endParaRPr lang="en-US" altLang="ko-KR" sz="1400" dirty="0"/>
+          </a:p>
+          <a:p>
+            <a:endParaRPr lang="en-US" altLang="ko-KR" sz="1400" dirty="0"/>
+          </a:p>
+          <a:p>
+            <a:pPr marL="285750" indent="-285750">
+              <a:buFont typeface="Wingdings" panose="05000000000000000000" pitchFamily="2" charset="2"/>
+              <a:buChar char="Ø"/>
+            </a:pPr>
+            <a:r>
+              <a:rPr lang="ko-KR" altLang="en-US" sz="1400" dirty="0"/>
+              <a:t>유료 사용 시 컨설팅을 받을 수 있음</a:t>
+            </a:r>
+          </a:p>
+        </p:txBody>
+      </p:sp>
     </p:spTree>
     <p:extLst>
       <p:ext uri="{BB962C8B-B14F-4D97-AF65-F5344CB8AC3E}">
-        <p14:creationId xmlns:p14="http://schemas.microsoft.com/office/powerpoint/2010/main" val="4165373894"/>
+        <p14:creationId xmlns:p14="http://schemas.microsoft.com/office/powerpoint/2010/main" val="840617206"/>
       </p:ext>
     </p:extLst>
   </p:cSld>
@@ -9297,7 +10198,7 @@
 </p:sld>
 </file>
 
-<file path=ppt/slides/slide13.xml><?xml version="1.0" encoding="utf-8"?>
+<file path=ppt/slides/slide14.xml><?xml version="1.0" encoding="utf-8"?>
 <p:sld xmlns:a="http://schemas.openxmlformats.org/drawingml/2006/main" xmlns:r="http://schemas.openxmlformats.org/officeDocument/2006/relationships" xmlns:p="http://schemas.openxmlformats.org/presentationml/2006/main">
   <p:cSld>
     <p:spTree>
@@ -9331,7 +10232,7 @@
           <a:p>
             <a:r>
               <a:rPr lang="en-US" altLang="ko-KR" dirty="0"/>
-              <a:t>3. </a:t>
+              <a:t>9. </a:t>
             </a:r>
             <a:r>
               <a:rPr lang="ko-KR" altLang="en-US" dirty="0"/>
@@ -9677,125 +10578,6 @@
 </p:sld>
 </file>
 
-<file path=ppt/slides/slide14.xml><?xml version="1.0" encoding="utf-8"?>
-<p:sld xmlns:a="http://schemas.openxmlformats.org/drawingml/2006/main" xmlns:r="http://schemas.openxmlformats.org/officeDocument/2006/relationships" xmlns:p="http://schemas.openxmlformats.org/presentationml/2006/main">
-  <p:cSld>
-    <p:spTree>
-      <p:nvGrpSpPr>
-        <p:cNvPr id="1" name=""/>
-        <p:cNvGrpSpPr/>
-        <p:nvPr/>
-      </p:nvGrpSpPr>
-      <p:grpSpPr>
-        <a:xfrm>
-          <a:off x="0" y="0"/>
-          <a:ext cx="0" cy="0"/>
-          <a:chOff x="0" y="0"/>
-          <a:chExt cx="0" cy="0"/>
-        </a:xfrm>
-      </p:grpSpPr>
-      <p:sp>
-        <p:nvSpPr>
-          <p:cNvPr id="30" name="제목 1">
-            <a:extLst>
-              <a:ext uri="{FF2B5EF4-FFF2-40B4-BE49-F238E27FC236}">
-                <a16:creationId xmlns:a16="http://schemas.microsoft.com/office/drawing/2014/main" id="{E07677D8-5FB3-3385-9BD9-C02A67E5B6DD}"/>
-              </a:ext>
-            </a:extLst>
-          </p:cNvPr>
-          <p:cNvSpPr>
-            <a:spLocks noGrp="1"/>
-          </p:cNvSpPr>
-          <p:nvPr>
-            <p:ph type="title"/>
-          </p:nvPr>
-        </p:nvSpPr>
-        <p:spPr>
-          <a:xfrm>
-            <a:off x="550526" y="215756"/>
-            <a:ext cx="11088845" cy="523982"/>
-          </a:xfrm>
-        </p:spPr>
-        <p:txBody>
-          <a:bodyPr/>
-          <a:lstStyle/>
-          <a:p>
-            <a:r>
-              <a:rPr lang="en-US" altLang="ko-KR" dirty="0"/>
-              <a:t>3. System Design &amp; Interface</a:t>
-            </a:r>
-            <a:endParaRPr lang="ko-KR" altLang="en-US" dirty="0"/>
-          </a:p>
-        </p:txBody>
-      </p:sp>
-      <p:sp>
-        <p:nvSpPr>
-          <p:cNvPr id="32" name="AutoShape 7">
-            <a:extLst>
-              <a:ext uri="{FF2B5EF4-FFF2-40B4-BE49-F238E27FC236}">
-                <a16:creationId xmlns:a16="http://schemas.microsoft.com/office/drawing/2014/main" id="{170E9D07-8CC3-83F6-3C2A-0701DCEB6076}"/>
-              </a:ext>
-            </a:extLst>
-          </p:cNvPr>
-          <p:cNvSpPr>
-            <a:spLocks noChangeArrowheads="1"/>
-          </p:cNvSpPr>
-          <p:nvPr/>
-        </p:nvSpPr>
-        <p:spPr bwMode="auto">
-          <a:xfrm>
-            <a:off x="139699" y="971365"/>
-            <a:ext cx="11767672" cy="5481971"/>
-          </a:xfrm>
-          <a:prstGeom prst="roundRect">
-            <a:avLst>
-              <a:gd name="adj" fmla="val 1278"/>
-            </a:avLst>
-          </a:prstGeom>
-          <a:noFill/>
-          <a:ln w="12700" cap="flat" cmpd="sng" algn="ctr">
-            <a:solidFill>
-              <a:srgbClr val="A0A0A0"/>
-            </a:solidFill>
-            <a:prstDash val="solid"/>
-            <a:headEnd/>
-            <a:tailEnd/>
-          </a:ln>
-          <a:effectLst/>
-        </p:spPr>
-        <p:txBody>
-          <a:bodyPr wrap="none" tIns="0" bIns="0"/>
-          <a:lstStyle/>
-          <a:p>
-            <a:pPr eaLnBrk="0" fontAlgn="auto" latinLnBrk="0" hangingPunct="0">
-              <a:spcBef>
-                <a:spcPts val="0"/>
-              </a:spcBef>
-              <a:spcAft>
-                <a:spcPts val="0"/>
-              </a:spcAft>
-              <a:defRPr/>
-            </a:pPr>
-            <a:endParaRPr kumimoji="0" lang="ko-KR" altLang="en-US" kern="0" dirty="0">
-              <a:latin typeface="HY견고딕" pitchFamily="18" charset="-127"/>
-              <a:ea typeface="HY견고딕" pitchFamily="18" charset="-127"/>
-            </a:endParaRPr>
-          </a:p>
-        </p:txBody>
-      </p:sp>
-    </p:spTree>
-    <p:extLst>
-      <p:ext uri="{BB962C8B-B14F-4D97-AF65-F5344CB8AC3E}">
-        <p14:creationId xmlns:p14="http://schemas.microsoft.com/office/powerpoint/2010/main" val="3432107569"/>
-      </p:ext>
-    </p:extLst>
-  </p:cSld>
-  <p:clrMapOvr>
-    <a:masterClrMapping/>
-  </p:clrMapOvr>
-</p:sld>
-</file>
-
 <file path=ppt/slides/slide15.xml><?xml version="1.0" encoding="utf-8"?>
 <p:sld xmlns:a="http://schemas.openxmlformats.org/drawingml/2006/main" xmlns:r="http://schemas.openxmlformats.org/officeDocument/2006/relationships" xmlns:p="http://schemas.openxmlformats.org/presentationml/2006/main">
   <p:cSld>
@@ -9830,15 +10612,7 @@
           <a:p>
             <a:r>
               <a:rPr lang="en-US" altLang="ko-KR" dirty="0"/>
-              <a:t>4. JIRA </a:t>
-            </a:r>
-            <a:r>
-              <a:rPr lang="ko-KR" altLang="en-US" dirty="0"/>
-              <a:t>요구사항 및 설치</a:t>
-            </a:r>
-            <a:r>
-              <a:rPr lang="en-US" altLang="ko-KR" dirty="0"/>
-              <a:t>(Optional?)</a:t>
+              <a:t>10. Q&amp;A</a:t>
             </a:r>
             <a:endParaRPr lang="ko-KR" altLang="en-US" dirty="0"/>
           </a:p>
@@ -9914,7 +10688,7 @@
         <p:spPr>
           <a:xfrm>
             <a:off x="627017" y="1419497"/>
-            <a:ext cx="10110652" cy="4401205"/>
+            <a:ext cx="10110652" cy="4555093"/>
           </a:xfrm>
           <a:prstGeom prst="rect">
             <a:avLst/>
@@ -10361,12 +11135,8 @@
               <a:t>파일</a:t>
             </a:r>
             <a:r>
-              <a:rPr lang="en-US" altLang="ko-KR" sz="1000"/>
-              <a:t>. </a:t>
-            </a:r>
-            <a:r>
               <a:rPr lang="en-US" altLang="ko-KR" sz="1000" dirty="0"/>
-              <a:t>).</a:t>
+              <a:t>. ).</a:t>
             </a:r>
           </a:p>
           <a:p>
@@ -10488,465 +11258,10 @@
           <a:chExt cx="0" cy="0"/>
         </a:xfrm>
       </p:grpSpPr>
-      <p:sp>
-        <p:nvSpPr>
-          <p:cNvPr id="30" name="제목 1">
-            <a:extLst>
-              <a:ext uri="{FF2B5EF4-FFF2-40B4-BE49-F238E27FC236}">
-                <a16:creationId xmlns:a16="http://schemas.microsoft.com/office/drawing/2014/main" id="{E07677D8-5FB3-3385-9BD9-C02A67E5B6DD}"/>
-              </a:ext>
-            </a:extLst>
-          </p:cNvPr>
-          <p:cNvSpPr>
-            <a:spLocks noGrp="1"/>
-          </p:cNvSpPr>
-          <p:nvPr>
-            <p:ph type="title"/>
-          </p:nvPr>
-        </p:nvSpPr>
-        <p:spPr>
-          <a:xfrm>
-            <a:off x="550526" y="215756"/>
-            <a:ext cx="11088845" cy="523982"/>
-          </a:xfrm>
-        </p:spPr>
-        <p:txBody>
-          <a:bodyPr/>
-          <a:lstStyle/>
-          <a:p>
-            <a:r>
-              <a:rPr lang="en-US" altLang="ko-KR" dirty="0"/>
-              <a:t>3. System Design &amp; Interface</a:t>
-            </a:r>
-            <a:endParaRPr lang="ko-KR" altLang="en-US" dirty="0"/>
-          </a:p>
-        </p:txBody>
-      </p:sp>
-      <p:sp>
-        <p:nvSpPr>
-          <p:cNvPr id="32" name="AutoShape 7">
-            <a:extLst>
-              <a:ext uri="{FF2B5EF4-FFF2-40B4-BE49-F238E27FC236}">
-                <a16:creationId xmlns:a16="http://schemas.microsoft.com/office/drawing/2014/main" id="{170E9D07-8CC3-83F6-3C2A-0701DCEB6076}"/>
-              </a:ext>
-            </a:extLst>
-          </p:cNvPr>
-          <p:cNvSpPr>
-            <a:spLocks noChangeArrowheads="1"/>
-          </p:cNvSpPr>
-          <p:nvPr/>
-        </p:nvSpPr>
-        <p:spPr bwMode="auto">
-          <a:xfrm>
-            <a:off x="139699" y="971365"/>
-            <a:ext cx="11767672" cy="5481971"/>
-          </a:xfrm>
-          <a:prstGeom prst="roundRect">
-            <a:avLst>
-              <a:gd name="adj" fmla="val 1278"/>
-            </a:avLst>
-          </a:prstGeom>
-          <a:noFill/>
-          <a:ln w="12700" cap="flat" cmpd="sng" algn="ctr">
-            <a:solidFill>
-              <a:srgbClr val="A0A0A0"/>
-            </a:solidFill>
-            <a:prstDash val="solid"/>
-            <a:headEnd/>
-            <a:tailEnd/>
-          </a:ln>
-          <a:effectLst/>
-        </p:spPr>
-        <p:txBody>
-          <a:bodyPr wrap="none" tIns="0" bIns="0"/>
-          <a:lstStyle/>
-          <a:p>
-            <a:pPr eaLnBrk="0" fontAlgn="auto" latinLnBrk="0" hangingPunct="0">
-              <a:spcBef>
-                <a:spcPts val="0"/>
-              </a:spcBef>
-              <a:spcAft>
-                <a:spcPts val="0"/>
-              </a:spcAft>
-              <a:defRPr/>
-            </a:pPr>
-            <a:endParaRPr kumimoji="0" lang="ko-KR" altLang="en-US" kern="0" dirty="0">
-              <a:latin typeface="HY견고딕" pitchFamily="18" charset="-127"/>
-              <a:ea typeface="HY견고딕" pitchFamily="18" charset="-127"/>
-            </a:endParaRPr>
-          </a:p>
-        </p:txBody>
-      </p:sp>
     </p:spTree>
     <p:extLst>
       <p:ext uri="{BB962C8B-B14F-4D97-AF65-F5344CB8AC3E}">
-        <p14:creationId xmlns:p14="http://schemas.microsoft.com/office/powerpoint/2010/main" val="1295461548"/>
-      </p:ext>
-    </p:extLst>
-  </p:cSld>
-  <p:clrMapOvr>
-    <a:masterClrMapping/>
-  </p:clrMapOvr>
-</p:sld>
-</file>
-
-<file path=ppt/slides/slide17.xml><?xml version="1.0" encoding="utf-8"?>
-<p:sld xmlns:a="http://schemas.openxmlformats.org/drawingml/2006/main" xmlns:r="http://schemas.openxmlformats.org/officeDocument/2006/relationships" xmlns:p="http://schemas.openxmlformats.org/presentationml/2006/main">
-  <p:cSld>
-    <p:spTree>
-      <p:nvGrpSpPr>
-        <p:cNvPr id="1" name=""/>
-        <p:cNvGrpSpPr/>
-        <p:nvPr/>
-      </p:nvGrpSpPr>
-      <p:grpSpPr>
-        <a:xfrm>
-          <a:off x="0" y="0"/>
-          <a:ext cx="0" cy="0"/>
-          <a:chOff x="0" y="0"/>
-          <a:chExt cx="0" cy="0"/>
-        </a:xfrm>
-      </p:grpSpPr>
-      <p:sp>
-        <p:nvSpPr>
-          <p:cNvPr id="30" name="제목 1">
-            <a:extLst>
-              <a:ext uri="{FF2B5EF4-FFF2-40B4-BE49-F238E27FC236}">
-                <a16:creationId xmlns:a16="http://schemas.microsoft.com/office/drawing/2014/main" id="{E07677D8-5FB3-3385-9BD9-C02A67E5B6DD}"/>
-              </a:ext>
-            </a:extLst>
-          </p:cNvPr>
-          <p:cNvSpPr>
-            <a:spLocks noGrp="1"/>
-          </p:cNvSpPr>
-          <p:nvPr>
-            <p:ph type="title"/>
-          </p:nvPr>
-        </p:nvSpPr>
-        <p:spPr>
-          <a:xfrm>
-            <a:off x="550526" y="215756"/>
-            <a:ext cx="11088845" cy="523982"/>
-          </a:xfrm>
-        </p:spPr>
-        <p:txBody>
-          <a:bodyPr/>
-          <a:lstStyle/>
-          <a:p>
-            <a:r>
-              <a:rPr lang="en-US" altLang="ko-KR" dirty="0"/>
-              <a:t>4. </a:t>
-            </a:r>
-            <a:r>
-              <a:rPr lang="ko-KR" altLang="en-US" dirty="0"/>
-              <a:t>모듈 제작 및 단품 시험결과</a:t>
-            </a:r>
-          </a:p>
-        </p:txBody>
-      </p:sp>
-      <p:sp>
-        <p:nvSpPr>
-          <p:cNvPr id="32" name="AutoShape 7">
-            <a:extLst>
-              <a:ext uri="{FF2B5EF4-FFF2-40B4-BE49-F238E27FC236}">
-                <a16:creationId xmlns:a16="http://schemas.microsoft.com/office/drawing/2014/main" id="{170E9D07-8CC3-83F6-3C2A-0701DCEB6076}"/>
-              </a:ext>
-            </a:extLst>
-          </p:cNvPr>
-          <p:cNvSpPr>
-            <a:spLocks noChangeArrowheads="1"/>
-          </p:cNvSpPr>
-          <p:nvPr/>
-        </p:nvSpPr>
-        <p:spPr bwMode="auto">
-          <a:xfrm>
-            <a:off x="139699" y="971365"/>
-            <a:ext cx="11767672" cy="5481971"/>
-          </a:xfrm>
-          <a:prstGeom prst="roundRect">
-            <a:avLst>
-              <a:gd name="adj" fmla="val 1278"/>
-            </a:avLst>
-          </a:prstGeom>
-          <a:noFill/>
-          <a:ln w="12700" cap="flat" cmpd="sng" algn="ctr">
-            <a:solidFill>
-              <a:srgbClr val="A0A0A0"/>
-            </a:solidFill>
-            <a:prstDash val="solid"/>
-            <a:headEnd/>
-            <a:tailEnd/>
-          </a:ln>
-          <a:effectLst/>
-        </p:spPr>
-        <p:txBody>
-          <a:bodyPr wrap="none" tIns="0" bIns="0"/>
-          <a:lstStyle/>
-          <a:p>
-            <a:pPr eaLnBrk="0" fontAlgn="auto" latinLnBrk="0" hangingPunct="0">
-              <a:spcBef>
-                <a:spcPts val="0"/>
-              </a:spcBef>
-              <a:spcAft>
-                <a:spcPts val="0"/>
-              </a:spcAft>
-              <a:defRPr/>
-            </a:pPr>
-            <a:endParaRPr kumimoji="0" lang="ko-KR" altLang="en-US" kern="0" dirty="0">
-              <a:latin typeface="HY견고딕" pitchFamily="18" charset="-127"/>
-              <a:ea typeface="HY견고딕" pitchFamily="18" charset="-127"/>
-            </a:endParaRPr>
-          </a:p>
-        </p:txBody>
-      </p:sp>
-    </p:spTree>
-    <p:extLst>
-      <p:ext uri="{BB962C8B-B14F-4D97-AF65-F5344CB8AC3E}">
-        <p14:creationId xmlns:p14="http://schemas.microsoft.com/office/powerpoint/2010/main" val="807839448"/>
-      </p:ext>
-    </p:extLst>
-  </p:cSld>
-  <p:clrMapOvr>
-    <a:masterClrMapping/>
-  </p:clrMapOvr>
-</p:sld>
-</file>
-
-<file path=ppt/slides/slide18.xml><?xml version="1.0" encoding="utf-8"?>
-<p:sld xmlns:a="http://schemas.openxmlformats.org/drawingml/2006/main" xmlns:r="http://schemas.openxmlformats.org/officeDocument/2006/relationships" xmlns:p="http://schemas.openxmlformats.org/presentationml/2006/main">
-  <p:cSld>
-    <p:spTree>
-      <p:nvGrpSpPr>
-        <p:cNvPr id="1" name=""/>
-        <p:cNvGrpSpPr/>
-        <p:nvPr/>
-      </p:nvGrpSpPr>
-      <p:grpSpPr>
-        <a:xfrm>
-          <a:off x="0" y="0"/>
-          <a:ext cx="0" cy="0"/>
-          <a:chOff x="0" y="0"/>
-          <a:chExt cx="0" cy="0"/>
-        </a:xfrm>
-      </p:grpSpPr>
-      <p:sp>
-        <p:nvSpPr>
-          <p:cNvPr id="30" name="제목 1">
-            <a:extLst>
-              <a:ext uri="{FF2B5EF4-FFF2-40B4-BE49-F238E27FC236}">
-                <a16:creationId xmlns:a16="http://schemas.microsoft.com/office/drawing/2014/main" id="{E07677D8-5FB3-3385-9BD9-C02A67E5B6DD}"/>
-              </a:ext>
-            </a:extLst>
-          </p:cNvPr>
-          <p:cNvSpPr>
-            <a:spLocks noGrp="1"/>
-          </p:cNvSpPr>
-          <p:nvPr>
-            <p:ph type="title"/>
-          </p:nvPr>
-        </p:nvSpPr>
-        <p:spPr>
-          <a:xfrm>
-            <a:off x="550526" y="215756"/>
-            <a:ext cx="11088845" cy="523982"/>
-          </a:xfrm>
-        </p:spPr>
-        <p:txBody>
-          <a:bodyPr/>
-          <a:lstStyle/>
-          <a:p>
-            <a:r>
-              <a:rPr lang="en-US" altLang="ko-KR" dirty="0"/>
-              <a:t>4. </a:t>
-            </a:r>
-            <a:r>
-              <a:rPr lang="ko-KR" altLang="en-US" dirty="0"/>
-              <a:t>모듈 제작 및 단품 시험결과</a:t>
-            </a:r>
-          </a:p>
-        </p:txBody>
-      </p:sp>
-      <p:sp>
-        <p:nvSpPr>
-          <p:cNvPr id="32" name="AutoShape 7">
-            <a:extLst>
-              <a:ext uri="{FF2B5EF4-FFF2-40B4-BE49-F238E27FC236}">
-                <a16:creationId xmlns:a16="http://schemas.microsoft.com/office/drawing/2014/main" id="{170E9D07-8CC3-83F6-3C2A-0701DCEB6076}"/>
-              </a:ext>
-            </a:extLst>
-          </p:cNvPr>
-          <p:cNvSpPr>
-            <a:spLocks noChangeArrowheads="1"/>
-          </p:cNvSpPr>
-          <p:nvPr/>
-        </p:nvSpPr>
-        <p:spPr bwMode="auto">
-          <a:xfrm>
-            <a:off x="139699" y="971365"/>
-            <a:ext cx="11767672" cy="5481971"/>
-          </a:xfrm>
-          <a:prstGeom prst="roundRect">
-            <a:avLst>
-              <a:gd name="adj" fmla="val 1278"/>
-            </a:avLst>
-          </a:prstGeom>
-          <a:noFill/>
-          <a:ln w="12700" cap="flat" cmpd="sng" algn="ctr">
-            <a:solidFill>
-              <a:srgbClr val="A0A0A0"/>
-            </a:solidFill>
-            <a:prstDash val="solid"/>
-            <a:headEnd/>
-            <a:tailEnd/>
-          </a:ln>
-          <a:effectLst/>
-        </p:spPr>
-        <p:txBody>
-          <a:bodyPr wrap="none" tIns="0" bIns="0"/>
-          <a:lstStyle/>
-          <a:p>
-            <a:pPr eaLnBrk="0" fontAlgn="auto" latinLnBrk="0" hangingPunct="0">
-              <a:spcBef>
-                <a:spcPts val="0"/>
-              </a:spcBef>
-              <a:spcAft>
-                <a:spcPts val="0"/>
-              </a:spcAft>
-              <a:defRPr/>
-            </a:pPr>
-            <a:endParaRPr kumimoji="0" lang="ko-KR" altLang="en-US" kern="0" dirty="0">
-              <a:latin typeface="HY견고딕" pitchFamily="18" charset="-127"/>
-              <a:ea typeface="HY견고딕" pitchFamily="18" charset="-127"/>
-            </a:endParaRPr>
-          </a:p>
-        </p:txBody>
-      </p:sp>
-    </p:spTree>
-    <p:extLst>
-      <p:ext uri="{BB962C8B-B14F-4D97-AF65-F5344CB8AC3E}">
-        <p14:creationId xmlns:p14="http://schemas.microsoft.com/office/powerpoint/2010/main" val="2235827614"/>
-      </p:ext>
-    </p:extLst>
-  </p:cSld>
-  <p:clrMapOvr>
-    <a:masterClrMapping/>
-  </p:clrMapOvr>
-</p:sld>
-</file>
-
-<file path=ppt/slides/slide19.xml><?xml version="1.0" encoding="utf-8"?>
-<p:sld xmlns:a="http://schemas.openxmlformats.org/drawingml/2006/main" xmlns:r="http://schemas.openxmlformats.org/officeDocument/2006/relationships" xmlns:p="http://schemas.openxmlformats.org/presentationml/2006/main">
-  <p:cSld>
-    <p:spTree>
-      <p:nvGrpSpPr>
-        <p:cNvPr id="1" name=""/>
-        <p:cNvGrpSpPr/>
-        <p:nvPr/>
-      </p:nvGrpSpPr>
-      <p:grpSpPr>
-        <a:xfrm>
-          <a:off x="0" y="0"/>
-          <a:ext cx="0" cy="0"/>
-          <a:chOff x="0" y="0"/>
-          <a:chExt cx="0" cy="0"/>
-        </a:xfrm>
-      </p:grpSpPr>
-      <p:sp>
-        <p:nvSpPr>
-          <p:cNvPr id="30" name="제목 1">
-            <a:extLst>
-              <a:ext uri="{FF2B5EF4-FFF2-40B4-BE49-F238E27FC236}">
-                <a16:creationId xmlns:a16="http://schemas.microsoft.com/office/drawing/2014/main" id="{E07677D8-5FB3-3385-9BD9-C02A67E5B6DD}"/>
-              </a:ext>
-            </a:extLst>
-          </p:cNvPr>
-          <p:cNvSpPr>
-            <a:spLocks noGrp="1"/>
-          </p:cNvSpPr>
-          <p:nvPr>
-            <p:ph type="title"/>
-          </p:nvPr>
-        </p:nvSpPr>
-        <p:spPr>
-          <a:xfrm>
-            <a:off x="550526" y="215756"/>
-            <a:ext cx="11088845" cy="523982"/>
-          </a:xfrm>
-        </p:spPr>
-        <p:txBody>
-          <a:bodyPr/>
-          <a:lstStyle/>
-          <a:p>
-            <a:r>
-              <a:rPr lang="en-US" altLang="ko-KR" dirty="0"/>
-              <a:t>4. </a:t>
-            </a:r>
-            <a:r>
-              <a:rPr lang="ko-KR" altLang="en-US" dirty="0"/>
-              <a:t>모듈 제작 및 단품 시험결과</a:t>
-            </a:r>
-          </a:p>
-        </p:txBody>
-      </p:sp>
-      <p:sp>
-        <p:nvSpPr>
-          <p:cNvPr id="32" name="AutoShape 7">
-            <a:extLst>
-              <a:ext uri="{FF2B5EF4-FFF2-40B4-BE49-F238E27FC236}">
-                <a16:creationId xmlns:a16="http://schemas.microsoft.com/office/drawing/2014/main" id="{170E9D07-8CC3-83F6-3C2A-0701DCEB6076}"/>
-              </a:ext>
-            </a:extLst>
-          </p:cNvPr>
-          <p:cNvSpPr>
-            <a:spLocks noChangeArrowheads="1"/>
-          </p:cNvSpPr>
-          <p:nvPr/>
-        </p:nvSpPr>
-        <p:spPr bwMode="auto">
-          <a:xfrm>
-            <a:off x="139699" y="971365"/>
-            <a:ext cx="11767672" cy="5481971"/>
-          </a:xfrm>
-          <a:prstGeom prst="roundRect">
-            <a:avLst>
-              <a:gd name="adj" fmla="val 1278"/>
-            </a:avLst>
-          </a:prstGeom>
-          <a:noFill/>
-          <a:ln w="12700" cap="flat" cmpd="sng" algn="ctr">
-            <a:solidFill>
-              <a:srgbClr val="A0A0A0"/>
-            </a:solidFill>
-            <a:prstDash val="solid"/>
-            <a:headEnd/>
-            <a:tailEnd/>
-          </a:ln>
-          <a:effectLst/>
-        </p:spPr>
-        <p:txBody>
-          <a:bodyPr wrap="none" tIns="0" bIns="0"/>
-          <a:lstStyle/>
-          <a:p>
-            <a:pPr eaLnBrk="0" fontAlgn="auto" latinLnBrk="0" hangingPunct="0">
-              <a:spcBef>
-                <a:spcPts val="0"/>
-              </a:spcBef>
-              <a:spcAft>
-                <a:spcPts val="0"/>
-              </a:spcAft>
-              <a:defRPr/>
-            </a:pPr>
-            <a:endParaRPr kumimoji="0" lang="ko-KR" altLang="en-US" kern="0" dirty="0">
-              <a:latin typeface="HY견고딕" pitchFamily="18" charset="-127"/>
-              <a:ea typeface="HY견고딕" pitchFamily="18" charset="-127"/>
-            </a:endParaRPr>
-          </a:p>
-        </p:txBody>
-      </p:sp>
-    </p:spTree>
-    <p:extLst>
-      <p:ext uri="{BB962C8B-B14F-4D97-AF65-F5344CB8AC3E}">
-        <p14:creationId xmlns:p14="http://schemas.microsoft.com/office/powerpoint/2010/main" val="2747358241"/>
+        <p14:creationId xmlns:p14="http://schemas.microsoft.com/office/powerpoint/2010/main" val="54099967"/>
       </p:ext>
     </p:extLst>
   </p:cSld>
@@ -11044,7 +11359,7 @@
           </a:ln>
           <a:extLst>
             <a:ext uri="{C572A759-6A51-4108-AA02-DFA0A04FC94B}">
-              <ma14:wrappingTextBoxFlag xmlns="" xmlns:m="http://schemas.openxmlformats.org/officeDocument/2006/math" xmlns:a14="http://schemas.microsoft.com/office/drawing/2010/main" xmlns:ma14="http://schemas.microsoft.com/office/mac/drawingml/2011/main" val="1"/>
+              <ma14:wrappingTextBoxFlag xmlns:ma14="http://schemas.microsoft.com/office/mac/drawingml/2011/main" xmlns:a14="http://schemas.microsoft.com/office/drawing/2010/main" xmlns:m="http://schemas.openxmlformats.org/officeDocument/2006/math" xmlns="" val="1"/>
             </a:ext>
           </a:extLst>
         </p:spPr>
@@ -11100,8 +11415,8 @@
         </p:nvSpPr>
         <p:spPr>
           <a:xfrm>
-            <a:off x="5069576" y="929183"/>
-            <a:ext cx="5725942" cy="4386584"/>
+            <a:off x="5069576" y="57631"/>
+            <a:ext cx="5725942" cy="6129689"/>
           </a:xfrm>
           <a:prstGeom prst="rect">
             <a:avLst/>
@@ -11111,7 +11426,7 @@
           </a:ln>
           <a:extLst>
             <a:ext uri="{C572A759-6A51-4108-AA02-DFA0A04FC94B}">
-              <ma14:wrappingTextBoxFlag xmlns:ma14="http://schemas.microsoft.com/office/mac/drawingml/2011/main" xmlns:a14="http://schemas.microsoft.com/office/drawing/2010/main" xmlns:m="http://schemas.openxmlformats.org/officeDocument/2006/math" xmlns="" val="1"/>
+              <ma14:wrappingTextBoxFlag xmlns="" xmlns:m="http://schemas.openxmlformats.org/officeDocument/2006/math" xmlns:a14="http://schemas.microsoft.com/office/drawing/2010/main" xmlns:ma14="http://schemas.microsoft.com/office/mac/drawingml/2011/main" val="1"/>
             </a:ext>
           </a:extLst>
         </p:spPr>
@@ -11133,21 +11448,21 @@
               </a:defRPr>
             </a:pPr>
             <a:r>
-              <a:rPr lang="en-US" altLang="ko-KR" sz="2400" dirty="0">
+              <a:rPr lang="en-US" altLang="ko-KR" sz="2000" dirty="0">
                 <a:latin typeface="+mj-ea"/>
                 <a:ea typeface="+mj-ea"/>
               </a:rPr>
               <a:t>JIRA</a:t>
             </a:r>
             <a:r>
-              <a:rPr lang="ko-KR" altLang="en-US" sz="2400" dirty="0">
+              <a:rPr lang="ko-KR" altLang="en-US" sz="2000" dirty="0">
                 <a:latin typeface="+mj-ea"/>
                 <a:ea typeface="+mj-ea"/>
               </a:rPr>
-              <a:t>란</a:t>
-            </a:r>
-            <a:r>
-              <a:rPr lang="en-US" altLang="ko-KR" sz="2400" dirty="0">
+              <a:t>란 무엇인가</a:t>
+            </a:r>
+            <a:r>
+              <a:rPr lang="en-US" altLang="ko-KR" sz="2000" dirty="0">
                 <a:latin typeface="+mj-ea"/>
                 <a:ea typeface="+mj-ea"/>
               </a:rPr>
@@ -11167,12 +11482,23 @@
               </a:defRPr>
             </a:pPr>
             <a:r>
-              <a:rPr lang="en-US" altLang="ko-KR" sz="2400" dirty="0">
+              <a:rPr lang="en-US" altLang="ko-KR" sz="2000" dirty="0">
                 <a:latin typeface="+mj-ea"/>
                 <a:ea typeface="+mj-ea"/>
               </a:rPr>
-              <a:t>Use Case</a:t>
-            </a:r>
+              <a:t>JIRA </a:t>
+            </a:r>
+            <a:r>
+              <a:rPr lang="ko-KR" altLang="en-US" sz="2000" dirty="0">
+                <a:latin typeface="+mj-ea"/>
+                <a:ea typeface="+mj-ea"/>
+              </a:rPr>
+              <a:t>구조</a:t>
+            </a:r>
+            <a:endParaRPr lang="en-US" altLang="ko-KR" sz="2000" dirty="0">
+              <a:latin typeface="+mj-ea"/>
+              <a:ea typeface="+mj-ea"/>
+            </a:endParaRPr>
           </a:p>
           <a:p>
             <a:pPr marL="342900" indent="-342900">
@@ -11187,25 +11513,18 @@
               </a:defRPr>
             </a:pPr>
             <a:r>
-              <a:rPr lang="en-US" altLang="ko-KR" sz="2400" dirty="0">
+              <a:rPr lang="ko-KR" altLang="en-US" sz="2000" dirty="0">
                 <a:latin typeface="+mj-ea"/>
                 <a:ea typeface="+mj-ea"/>
               </a:rPr>
-              <a:t>JIRA </a:t>
-            </a:r>
-            <a:r>
-              <a:rPr lang="ko-KR" altLang="en-US" sz="2400" dirty="0">
+              <a:t>팀을 위한 </a:t>
+            </a:r>
+            <a:r>
+              <a:rPr lang="en-US" altLang="ko-KR" sz="2000" dirty="0">
                 <a:latin typeface="+mj-ea"/>
                 <a:ea typeface="+mj-ea"/>
               </a:rPr>
-              <a:t>사용의 목적</a:t>
-            </a:r>
-            <a:r>
-              <a:rPr lang="en-US" altLang="ko-KR" sz="2400" dirty="0">
-                <a:latin typeface="+mj-ea"/>
-                <a:ea typeface="+mj-ea"/>
-              </a:rPr>
-              <a:t>(in SAMJI)</a:t>
+              <a:t>JIRA</a:t>
             </a:r>
           </a:p>
           <a:p>
@@ -11221,13 +11540,34 @@
               </a:defRPr>
             </a:pPr>
             <a:r>
-              <a:rPr lang="ko-KR" altLang="en-US" sz="2400" dirty="0">
+              <a:rPr lang="en-US" altLang="ko-KR" sz="2000" dirty="0">
                 <a:latin typeface="+mj-ea"/>
                 <a:ea typeface="+mj-ea"/>
               </a:rPr>
-              <a:t>사용 예</a:t>
-            </a:r>
-            <a:endParaRPr lang="en-US" altLang="ko-KR" sz="2400" dirty="0">
+              <a:t>JIRA</a:t>
+            </a:r>
+            <a:r>
+              <a:rPr lang="ko-KR" altLang="en-US" sz="2000" dirty="0">
+                <a:latin typeface="+mj-ea"/>
+                <a:ea typeface="+mj-ea"/>
+              </a:rPr>
+              <a:t>를 시작하기 위한 </a:t>
+            </a:r>
+            <a:r>
+              <a:rPr lang="en-US" altLang="ko-KR" sz="2000" dirty="0">
+                <a:latin typeface="+mj-ea"/>
+                <a:ea typeface="+mj-ea"/>
+              </a:rPr>
+              <a:t>7</a:t>
+            </a:r>
+            <a:r>
+              <a:rPr lang="ko-KR" altLang="en-US" sz="2000" dirty="0">
+                <a:latin typeface="+mj-ea"/>
+                <a:ea typeface="+mj-ea"/>
+              </a:rPr>
+              <a:t>가지 단계</a:t>
+            </a:r>
+            <a:endParaRPr lang="en-US" altLang="ko-KR" sz="2000" dirty="0">
               <a:latin typeface="+mj-ea"/>
               <a:ea typeface="+mj-ea"/>
             </a:endParaRPr>
@@ -11245,47 +11585,23 @@
               </a:defRPr>
             </a:pPr>
             <a:r>
-              <a:rPr lang="ko-KR" altLang="en-US" sz="2400" dirty="0">
+              <a:rPr lang="en-US" altLang="ko-KR" sz="2000" dirty="0">
                 <a:latin typeface="+mj-ea"/>
                 <a:ea typeface="+mj-ea"/>
               </a:rPr>
-              <a:t>비용</a:t>
-            </a:r>
-            <a:r>
-              <a:rPr lang="en-US" altLang="ko-KR" sz="2400" dirty="0">
+              <a:t>JIRA </a:t>
+            </a:r>
+            <a:r>
+              <a:rPr lang="ko-KR" altLang="en-US" sz="2000" dirty="0">
                 <a:latin typeface="+mj-ea"/>
                 <a:ea typeface="+mj-ea"/>
               </a:rPr>
-              <a:t>, </a:t>
-            </a:r>
-            <a:r>
-              <a:rPr lang="ko-KR" altLang="en-US" sz="2400" dirty="0">
-                <a:latin typeface="+mj-ea"/>
-                <a:ea typeface="+mj-ea"/>
-              </a:rPr>
-              <a:t>컨설팅</a:t>
-            </a:r>
-            <a:r>
-              <a:rPr lang="en-US" altLang="ko-KR" sz="2400" dirty="0">
-                <a:latin typeface="+mj-ea"/>
-                <a:ea typeface="+mj-ea"/>
-              </a:rPr>
-              <a:t>(</a:t>
-            </a:r>
-            <a:r>
-              <a:rPr lang="ko-KR" altLang="en-US" sz="2400" dirty="0">
-                <a:latin typeface="+mj-ea"/>
-                <a:ea typeface="+mj-ea"/>
-              </a:rPr>
-              <a:t>방법</a:t>
-            </a:r>
-            <a:r>
-              <a:rPr lang="en-US" altLang="ko-KR" sz="2400" dirty="0">
-                <a:latin typeface="+mj-ea"/>
-                <a:ea typeface="+mj-ea"/>
-              </a:rPr>
-              <a:t>)</a:t>
-            </a:r>
+              <a:t>프로젝트</a:t>
+            </a:r>
+            <a:endParaRPr lang="en-US" altLang="ko-KR" sz="2000" dirty="0">
+              <a:latin typeface="+mj-ea"/>
+              <a:ea typeface="+mj-ea"/>
+            </a:endParaRPr>
           </a:p>
           <a:p>
             <a:pPr marL="342900" indent="-342900">
@@ -11300,16 +11616,111 @@
               </a:defRPr>
             </a:pPr>
             <a:r>
-              <a:rPr lang="ko-KR" altLang="en-US" sz="2400" dirty="0">
+              <a:rPr lang="en-US" altLang="ko-KR" sz="2000" dirty="0">
                 <a:latin typeface="+mj-ea"/>
                 <a:ea typeface="+mj-ea"/>
               </a:rPr>
-              <a:t>기타</a:t>
-            </a:r>
-            <a:endParaRPr lang="en-US" altLang="ko-KR" sz="2400" dirty="0">
+              <a:t>JIRA </a:t>
+            </a:r>
+            <a:r>
+              <a:rPr lang="ko-KR" altLang="en-US" sz="2000" dirty="0">
+                <a:latin typeface="+mj-ea"/>
+                <a:ea typeface="+mj-ea"/>
+              </a:rPr>
+              <a:t>보드</a:t>
+            </a:r>
+            <a:endParaRPr lang="en-US" altLang="ko-KR" sz="2000" dirty="0">
               <a:latin typeface="+mj-ea"/>
               <a:ea typeface="+mj-ea"/>
             </a:endParaRPr>
+          </a:p>
+          <a:p>
+            <a:pPr marL="342900" indent="-342900">
+              <a:lnSpc>
+                <a:spcPct val="200000"/>
+              </a:lnSpc>
+              <a:buAutoNum type="arabicPeriod"/>
+              <a:defRPr b="1">
+                <a:solidFill>
+                  <a:srgbClr val="212121"/>
+                </a:solidFill>
+              </a:defRPr>
+            </a:pPr>
+            <a:r>
+              <a:rPr lang="en-US" altLang="ko-KR" sz="2000" dirty="0">
+                <a:latin typeface="+mj-ea"/>
+                <a:ea typeface="+mj-ea"/>
+              </a:rPr>
+              <a:t>JIRA Software Workflow</a:t>
+            </a:r>
+          </a:p>
+          <a:p>
+            <a:pPr marL="342900" indent="-342900">
+              <a:lnSpc>
+                <a:spcPct val="200000"/>
+              </a:lnSpc>
+              <a:buAutoNum type="arabicPeriod"/>
+              <a:defRPr b="1">
+                <a:solidFill>
+                  <a:srgbClr val="212121"/>
+                </a:solidFill>
+              </a:defRPr>
+            </a:pPr>
+            <a:r>
+              <a:rPr lang="ko-KR" altLang="en-US" sz="2000" dirty="0">
+                <a:latin typeface="+mj-ea"/>
+                <a:ea typeface="+mj-ea"/>
+              </a:rPr>
+              <a:t>사용 예</a:t>
+            </a:r>
+            <a:endParaRPr lang="en-US" altLang="ko-KR" sz="2000" dirty="0">
+              <a:latin typeface="+mj-ea"/>
+              <a:ea typeface="+mj-ea"/>
+            </a:endParaRPr>
+          </a:p>
+          <a:p>
+            <a:pPr marL="342900" indent="-342900">
+              <a:lnSpc>
+                <a:spcPct val="200000"/>
+              </a:lnSpc>
+              <a:buAutoNum type="arabicPeriod"/>
+              <a:defRPr b="1">
+                <a:solidFill>
+                  <a:srgbClr val="212121"/>
+                </a:solidFill>
+              </a:defRPr>
+            </a:pPr>
+            <a:r>
+              <a:rPr lang="ko-KR" altLang="en-US" sz="2000" dirty="0">
+                <a:latin typeface="+mj-ea"/>
+                <a:ea typeface="+mj-ea"/>
+              </a:rPr>
+              <a:t>비용</a:t>
+            </a:r>
+            <a:endParaRPr lang="en-US" altLang="ko-KR" sz="2000" dirty="0">
+              <a:latin typeface="+mj-ea"/>
+              <a:ea typeface="+mj-ea"/>
+            </a:endParaRPr>
+          </a:p>
+          <a:p>
+            <a:pPr marL="342900" indent="-342900">
+              <a:lnSpc>
+                <a:spcPct val="200000"/>
+              </a:lnSpc>
+              <a:buAutoNum type="arabicPeriod"/>
+              <a:defRPr b="1">
+                <a:solidFill>
+                  <a:srgbClr val="212121"/>
+                </a:solidFill>
+              </a:defRPr>
+            </a:pPr>
+            <a:r>
+              <a:rPr lang="en-US" altLang="ko-KR" sz="2000" dirty="0">
+                <a:latin typeface="+mj-ea"/>
+                <a:ea typeface="+mj-ea"/>
+              </a:rPr>
+              <a:t>Q&amp;A</a:t>
+            </a:r>
           </a:p>
         </p:txBody>
       </p:sp>
@@ -11317,1268 +11728,6 @@
     <p:extLst>
       <p:ext uri="{BB962C8B-B14F-4D97-AF65-F5344CB8AC3E}">
         <p14:creationId xmlns:p14="http://schemas.microsoft.com/office/powerpoint/2010/main" val="3686048409"/>
-      </p:ext>
-    </p:extLst>
-  </p:cSld>
-  <p:clrMapOvr>
-    <a:masterClrMapping/>
-  </p:clrMapOvr>
-</p:sld>
-</file>
-
-<file path=ppt/slides/slide20.xml><?xml version="1.0" encoding="utf-8"?>
-<p:sld xmlns:a="http://schemas.openxmlformats.org/drawingml/2006/main" xmlns:r="http://schemas.openxmlformats.org/officeDocument/2006/relationships" xmlns:p="http://schemas.openxmlformats.org/presentationml/2006/main">
-  <p:cSld>
-    <p:spTree>
-      <p:nvGrpSpPr>
-        <p:cNvPr id="1" name=""/>
-        <p:cNvGrpSpPr/>
-        <p:nvPr/>
-      </p:nvGrpSpPr>
-      <p:grpSpPr>
-        <a:xfrm>
-          <a:off x="0" y="0"/>
-          <a:ext cx="0" cy="0"/>
-          <a:chOff x="0" y="0"/>
-          <a:chExt cx="0" cy="0"/>
-        </a:xfrm>
-      </p:grpSpPr>
-      <p:sp>
-        <p:nvSpPr>
-          <p:cNvPr id="30" name="제목 1">
-            <a:extLst>
-              <a:ext uri="{FF2B5EF4-FFF2-40B4-BE49-F238E27FC236}">
-                <a16:creationId xmlns:a16="http://schemas.microsoft.com/office/drawing/2014/main" id="{E07677D8-5FB3-3385-9BD9-C02A67E5B6DD}"/>
-              </a:ext>
-            </a:extLst>
-          </p:cNvPr>
-          <p:cNvSpPr>
-            <a:spLocks noGrp="1"/>
-          </p:cNvSpPr>
-          <p:nvPr>
-            <p:ph type="title"/>
-          </p:nvPr>
-        </p:nvSpPr>
-        <p:spPr>
-          <a:xfrm>
-            <a:off x="550526" y="215756"/>
-            <a:ext cx="11088845" cy="523982"/>
-          </a:xfrm>
-        </p:spPr>
-        <p:txBody>
-          <a:bodyPr/>
-          <a:lstStyle/>
-          <a:p>
-            <a:r>
-              <a:rPr lang="en-US" altLang="ko-KR" dirty="0"/>
-              <a:t>4. </a:t>
-            </a:r>
-            <a:r>
-              <a:rPr lang="ko-KR" altLang="en-US" dirty="0"/>
-              <a:t>모듈 제작 및 단품 시험결과</a:t>
-            </a:r>
-          </a:p>
-        </p:txBody>
-      </p:sp>
-      <p:sp>
-        <p:nvSpPr>
-          <p:cNvPr id="32" name="AutoShape 7">
-            <a:extLst>
-              <a:ext uri="{FF2B5EF4-FFF2-40B4-BE49-F238E27FC236}">
-                <a16:creationId xmlns:a16="http://schemas.microsoft.com/office/drawing/2014/main" id="{170E9D07-8CC3-83F6-3C2A-0701DCEB6076}"/>
-              </a:ext>
-            </a:extLst>
-          </p:cNvPr>
-          <p:cNvSpPr>
-            <a:spLocks noChangeArrowheads="1"/>
-          </p:cNvSpPr>
-          <p:nvPr/>
-        </p:nvSpPr>
-        <p:spPr bwMode="auto">
-          <a:xfrm>
-            <a:off x="139699" y="971365"/>
-            <a:ext cx="11767672" cy="5481971"/>
-          </a:xfrm>
-          <a:prstGeom prst="roundRect">
-            <a:avLst>
-              <a:gd name="adj" fmla="val 1278"/>
-            </a:avLst>
-          </a:prstGeom>
-          <a:noFill/>
-          <a:ln w="12700" cap="flat" cmpd="sng" algn="ctr">
-            <a:solidFill>
-              <a:srgbClr val="A0A0A0"/>
-            </a:solidFill>
-            <a:prstDash val="solid"/>
-            <a:headEnd/>
-            <a:tailEnd/>
-          </a:ln>
-          <a:effectLst/>
-        </p:spPr>
-        <p:txBody>
-          <a:bodyPr wrap="none" tIns="0" bIns="0"/>
-          <a:lstStyle/>
-          <a:p>
-            <a:pPr eaLnBrk="0" fontAlgn="auto" latinLnBrk="0" hangingPunct="0">
-              <a:spcBef>
-                <a:spcPts val="0"/>
-              </a:spcBef>
-              <a:spcAft>
-                <a:spcPts val="0"/>
-              </a:spcAft>
-              <a:defRPr/>
-            </a:pPr>
-            <a:endParaRPr kumimoji="0" lang="ko-KR" altLang="en-US" kern="0" dirty="0">
-              <a:latin typeface="HY견고딕" pitchFamily="18" charset="-127"/>
-              <a:ea typeface="HY견고딕" pitchFamily="18" charset="-127"/>
-            </a:endParaRPr>
-          </a:p>
-        </p:txBody>
-      </p:sp>
-    </p:spTree>
-    <p:extLst>
-      <p:ext uri="{BB962C8B-B14F-4D97-AF65-F5344CB8AC3E}">
-        <p14:creationId xmlns:p14="http://schemas.microsoft.com/office/powerpoint/2010/main" val="1775779477"/>
-      </p:ext>
-    </p:extLst>
-  </p:cSld>
-  <p:clrMapOvr>
-    <a:masterClrMapping/>
-  </p:clrMapOvr>
-</p:sld>
-</file>
-
-<file path=ppt/slides/slide21.xml><?xml version="1.0" encoding="utf-8"?>
-<p:sld xmlns:a="http://schemas.openxmlformats.org/drawingml/2006/main" xmlns:r="http://schemas.openxmlformats.org/officeDocument/2006/relationships" xmlns:p="http://schemas.openxmlformats.org/presentationml/2006/main">
-  <p:cSld>
-    <p:spTree>
-      <p:nvGrpSpPr>
-        <p:cNvPr id="1" name=""/>
-        <p:cNvGrpSpPr/>
-        <p:nvPr/>
-      </p:nvGrpSpPr>
-      <p:grpSpPr>
-        <a:xfrm>
-          <a:off x="0" y="0"/>
-          <a:ext cx="0" cy="0"/>
-          <a:chOff x="0" y="0"/>
-          <a:chExt cx="0" cy="0"/>
-        </a:xfrm>
-      </p:grpSpPr>
-      <p:sp>
-        <p:nvSpPr>
-          <p:cNvPr id="30" name="제목 1">
-            <a:extLst>
-              <a:ext uri="{FF2B5EF4-FFF2-40B4-BE49-F238E27FC236}">
-                <a16:creationId xmlns:a16="http://schemas.microsoft.com/office/drawing/2014/main" id="{E07677D8-5FB3-3385-9BD9-C02A67E5B6DD}"/>
-              </a:ext>
-            </a:extLst>
-          </p:cNvPr>
-          <p:cNvSpPr>
-            <a:spLocks noGrp="1"/>
-          </p:cNvSpPr>
-          <p:nvPr>
-            <p:ph type="title"/>
-          </p:nvPr>
-        </p:nvSpPr>
-        <p:spPr>
-          <a:xfrm>
-            <a:off x="550526" y="215756"/>
-            <a:ext cx="11088845" cy="523982"/>
-          </a:xfrm>
-        </p:spPr>
-        <p:txBody>
-          <a:bodyPr/>
-          <a:lstStyle/>
-          <a:p>
-            <a:r>
-              <a:rPr lang="en-US" altLang="ko-KR" dirty="0"/>
-              <a:t>4. </a:t>
-            </a:r>
-            <a:r>
-              <a:rPr lang="ko-KR" altLang="en-US" dirty="0"/>
-              <a:t>모듈 제작 및 단품 시험결과</a:t>
-            </a:r>
-          </a:p>
-        </p:txBody>
-      </p:sp>
-      <p:sp>
-        <p:nvSpPr>
-          <p:cNvPr id="32" name="AutoShape 7">
-            <a:extLst>
-              <a:ext uri="{FF2B5EF4-FFF2-40B4-BE49-F238E27FC236}">
-                <a16:creationId xmlns:a16="http://schemas.microsoft.com/office/drawing/2014/main" id="{170E9D07-8CC3-83F6-3C2A-0701DCEB6076}"/>
-              </a:ext>
-            </a:extLst>
-          </p:cNvPr>
-          <p:cNvSpPr>
-            <a:spLocks noChangeArrowheads="1"/>
-          </p:cNvSpPr>
-          <p:nvPr/>
-        </p:nvSpPr>
-        <p:spPr bwMode="auto">
-          <a:xfrm>
-            <a:off x="139699" y="971365"/>
-            <a:ext cx="11767672" cy="5481971"/>
-          </a:xfrm>
-          <a:prstGeom prst="roundRect">
-            <a:avLst>
-              <a:gd name="adj" fmla="val 1278"/>
-            </a:avLst>
-          </a:prstGeom>
-          <a:noFill/>
-          <a:ln w="12700" cap="flat" cmpd="sng" algn="ctr">
-            <a:solidFill>
-              <a:srgbClr val="A0A0A0"/>
-            </a:solidFill>
-            <a:prstDash val="solid"/>
-            <a:headEnd/>
-            <a:tailEnd/>
-          </a:ln>
-          <a:effectLst/>
-        </p:spPr>
-        <p:txBody>
-          <a:bodyPr wrap="none" tIns="0" bIns="0"/>
-          <a:lstStyle/>
-          <a:p>
-            <a:pPr eaLnBrk="0" fontAlgn="auto" latinLnBrk="0" hangingPunct="0">
-              <a:spcBef>
-                <a:spcPts val="0"/>
-              </a:spcBef>
-              <a:spcAft>
-                <a:spcPts val="0"/>
-              </a:spcAft>
-              <a:defRPr/>
-            </a:pPr>
-            <a:endParaRPr kumimoji="0" lang="ko-KR" altLang="en-US" kern="0" dirty="0">
-              <a:latin typeface="HY견고딕" pitchFamily="18" charset="-127"/>
-              <a:ea typeface="HY견고딕" pitchFamily="18" charset="-127"/>
-            </a:endParaRPr>
-          </a:p>
-        </p:txBody>
-      </p:sp>
-    </p:spTree>
-    <p:extLst>
-      <p:ext uri="{BB962C8B-B14F-4D97-AF65-F5344CB8AC3E}">
-        <p14:creationId xmlns:p14="http://schemas.microsoft.com/office/powerpoint/2010/main" val="1909276955"/>
-      </p:ext>
-    </p:extLst>
-  </p:cSld>
-  <p:clrMapOvr>
-    <a:masterClrMapping/>
-  </p:clrMapOvr>
-</p:sld>
-</file>
-
-<file path=ppt/slides/slide22.xml><?xml version="1.0" encoding="utf-8"?>
-<p:sld xmlns:a="http://schemas.openxmlformats.org/drawingml/2006/main" xmlns:r="http://schemas.openxmlformats.org/officeDocument/2006/relationships" xmlns:p="http://schemas.openxmlformats.org/presentationml/2006/main">
-  <p:cSld>
-    <p:spTree>
-      <p:nvGrpSpPr>
-        <p:cNvPr id="1" name=""/>
-        <p:cNvGrpSpPr/>
-        <p:nvPr/>
-      </p:nvGrpSpPr>
-      <p:grpSpPr>
-        <a:xfrm>
-          <a:off x="0" y="0"/>
-          <a:ext cx="0" cy="0"/>
-          <a:chOff x="0" y="0"/>
-          <a:chExt cx="0" cy="0"/>
-        </a:xfrm>
-      </p:grpSpPr>
-      <p:sp>
-        <p:nvSpPr>
-          <p:cNvPr id="30" name="제목 1">
-            <a:extLst>
-              <a:ext uri="{FF2B5EF4-FFF2-40B4-BE49-F238E27FC236}">
-                <a16:creationId xmlns:a16="http://schemas.microsoft.com/office/drawing/2014/main" id="{E07677D8-5FB3-3385-9BD9-C02A67E5B6DD}"/>
-              </a:ext>
-            </a:extLst>
-          </p:cNvPr>
-          <p:cNvSpPr>
-            <a:spLocks noGrp="1"/>
-          </p:cNvSpPr>
-          <p:nvPr>
-            <p:ph type="title"/>
-          </p:nvPr>
-        </p:nvSpPr>
-        <p:spPr>
-          <a:xfrm>
-            <a:off x="550526" y="215756"/>
-            <a:ext cx="11088845" cy="523982"/>
-          </a:xfrm>
-        </p:spPr>
-        <p:txBody>
-          <a:bodyPr/>
-          <a:lstStyle/>
-          <a:p>
-            <a:r>
-              <a:rPr lang="en-US" altLang="ko-KR" dirty="0"/>
-              <a:t>5. </a:t>
-            </a:r>
-            <a:r>
-              <a:rPr lang="ko-KR" altLang="en-US" dirty="0"/>
-              <a:t>시스템 시험결과</a:t>
-            </a:r>
-          </a:p>
-        </p:txBody>
-      </p:sp>
-      <p:sp>
-        <p:nvSpPr>
-          <p:cNvPr id="32" name="AutoShape 7">
-            <a:extLst>
-              <a:ext uri="{FF2B5EF4-FFF2-40B4-BE49-F238E27FC236}">
-                <a16:creationId xmlns:a16="http://schemas.microsoft.com/office/drawing/2014/main" id="{170E9D07-8CC3-83F6-3C2A-0701DCEB6076}"/>
-              </a:ext>
-            </a:extLst>
-          </p:cNvPr>
-          <p:cNvSpPr>
-            <a:spLocks noChangeArrowheads="1"/>
-          </p:cNvSpPr>
-          <p:nvPr/>
-        </p:nvSpPr>
-        <p:spPr bwMode="auto">
-          <a:xfrm>
-            <a:off x="139699" y="971365"/>
-            <a:ext cx="11767672" cy="5481971"/>
-          </a:xfrm>
-          <a:prstGeom prst="roundRect">
-            <a:avLst>
-              <a:gd name="adj" fmla="val 1278"/>
-            </a:avLst>
-          </a:prstGeom>
-          <a:noFill/>
-          <a:ln w="12700" cap="flat" cmpd="sng" algn="ctr">
-            <a:solidFill>
-              <a:srgbClr val="A0A0A0"/>
-            </a:solidFill>
-            <a:prstDash val="solid"/>
-            <a:headEnd/>
-            <a:tailEnd/>
-          </a:ln>
-          <a:effectLst/>
-        </p:spPr>
-        <p:txBody>
-          <a:bodyPr wrap="none" tIns="0" bIns="0"/>
-          <a:lstStyle/>
-          <a:p>
-            <a:pPr eaLnBrk="0" fontAlgn="auto" latinLnBrk="0" hangingPunct="0">
-              <a:spcBef>
-                <a:spcPts val="0"/>
-              </a:spcBef>
-              <a:spcAft>
-                <a:spcPts val="0"/>
-              </a:spcAft>
-              <a:defRPr/>
-            </a:pPr>
-            <a:endParaRPr kumimoji="0" lang="ko-KR" altLang="en-US" kern="0" dirty="0">
-              <a:latin typeface="HY견고딕" pitchFamily="18" charset="-127"/>
-              <a:ea typeface="HY견고딕" pitchFamily="18" charset="-127"/>
-            </a:endParaRPr>
-          </a:p>
-        </p:txBody>
-      </p:sp>
-    </p:spTree>
-    <p:extLst>
-      <p:ext uri="{BB962C8B-B14F-4D97-AF65-F5344CB8AC3E}">
-        <p14:creationId xmlns:p14="http://schemas.microsoft.com/office/powerpoint/2010/main" val="1102494878"/>
-      </p:ext>
-    </p:extLst>
-  </p:cSld>
-  <p:clrMapOvr>
-    <a:masterClrMapping/>
-  </p:clrMapOvr>
-</p:sld>
-</file>
-
-<file path=ppt/slides/slide23.xml><?xml version="1.0" encoding="utf-8"?>
-<p:sld xmlns:a="http://schemas.openxmlformats.org/drawingml/2006/main" xmlns:r="http://schemas.openxmlformats.org/officeDocument/2006/relationships" xmlns:p="http://schemas.openxmlformats.org/presentationml/2006/main">
-  <p:cSld>
-    <p:spTree>
-      <p:nvGrpSpPr>
-        <p:cNvPr id="1" name="">
-          <a:extLst>
-            <a:ext uri="{FF2B5EF4-FFF2-40B4-BE49-F238E27FC236}">
-              <a16:creationId xmlns:a16="http://schemas.microsoft.com/office/drawing/2014/main" id="{E4711116-94B1-B60B-7D00-4DEF7E96E79D}"/>
-            </a:ext>
-          </a:extLst>
-        </p:cNvPr>
-        <p:cNvGrpSpPr/>
-        <p:nvPr/>
-      </p:nvGrpSpPr>
-      <p:grpSpPr>
-        <a:xfrm>
-          <a:off x="0" y="0"/>
-          <a:ext cx="0" cy="0"/>
-          <a:chOff x="0" y="0"/>
-          <a:chExt cx="0" cy="0"/>
-        </a:xfrm>
-      </p:grpSpPr>
-      <p:sp>
-        <p:nvSpPr>
-          <p:cNvPr id="30" name="제목 1">
-            <a:extLst>
-              <a:ext uri="{FF2B5EF4-FFF2-40B4-BE49-F238E27FC236}">
-                <a16:creationId xmlns:a16="http://schemas.microsoft.com/office/drawing/2014/main" id="{0F1F2226-1FCE-3577-66A8-B108273D1BD4}"/>
-              </a:ext>
-            </a:extLst>
-          </p:cNvPr>
-          <p:cNvSpPr>
-            <a:spLocks noGrp="1"/>
-          </p:cNvSpPr>
-          <p:nvPr>
-            <p:ph type="title"/>
-          </p:nvPr>
-        </p:nvSpPr>
-        <p:spPr>
-          <a:xfrm>
-            <a:off x="550526" y="215756"/>
-            <a:ext cx="11088845" cy="523982"/>
-          </a:xfrm>
-        </p:spPr>
-        <p:txBody>
-          <a:bodyPr/>
-          <a:lstStyle/>
-          <a:p>
-            <a:r>
-              <a:rPr lang="en-US" altLang="ko-KR" dirty="0"/>
-              <a:t>6. </a:t>
-            </a:r>
-            <a:r>
-              <a:rPr lang="ko-KR" altLang="en-US" dirty="0"/>
-              <a:t>기능설계 최적화</a:t>
-            </a:r>
-          </a:p>
-        </p:txBody>
-      </p:sp>
-      <p:sp>
-        <p:nvSpPr>
-          <p:cNvPr id="32" name="AutoShape 7">
-            <a:extLst>
-              <a:ext uri="{FF2B5EF4-FFF2-40B4-BE49-F238E27FC236}">
-                <a16:creationId xmlns:a16="http://schemas.microsoft.com/office/drawing/2014/main" id="{0D3B4026-C79F-5943-31B8-F451B45F0357}"/>
-              </a:ext>
-            </a:extLst>
-          </p:cNvPr>
-          <p:cNvSpPr>
-            <a:spLocks noChangeArrowheads="1"/>
-          </p:cNvSpPr>
-          <p:nvPr/>
-        </p:nvSpPr>
-        <p:spPr bwMode="auto">
-          <a:xfrm>
-            <a:off x="139699" y="971365"/>
-            <a:ext cx="11767672" cy="5481971"/>
-          </a:xfrm>
-          <a:prstGeom prst="roundRect">
-            <a:avLst>
-              <a:gd name="adj" fmla="val 1278"/>
-            </a:avLst>
-          </a:prstGeom>
-          <a:noFill/>
-          <a:ln w="12700" cap="flat" cmpd="sng" algn="ctr">
-            <a:solidFill>
-              <a:srgbClr val="A0A0A0"/>
-            </a:solidFill>
-            <a:prstDash val="solid"/>
-            <a:headEnd/>
-            <a:tailEnd/>
-          </a:ln>
-          <a:effectLst/>
-        </p:spPr>
-        <p:txBody>
-          <a:bodyPr wrap="none" tIns="0" bIns="0"/>
-          <a:lstStyle/>
-          <a:p>
-            <a:pPr eaLnBrk="0" fontAlgn="auto" latinLnBrk="0" hangingPunct="0">
-              <a:spcBef>
-                <a:spcPts val="0"/>
-              </a:spcBef>
-              <a:spcAft>
-                <a:spcPts val="0"/>
-              </a:spcAft>
-              <a:defRPr/>
-            </a:pPr>
-            <a:endParaRPr kumimoji="0" lang="ko-KR" altLang="en-US" kern="0" dirty="0">
-              <a:latin typeface="HY견고딕" pitchFamily="18" charset="-127"/>
-              <a:ea typeface="HY견고딕" pitchFamily="18" charset="-127"/>
-            </a:endParaRPr>
-          </a:p>
-        </p:txBody>
-      </p:sp>
-    </p:spTree>
-    <p:extLst>
-      <p:ext uri="{BB962C8B-B14F-4D97-AF65-F5344CB8AC3E}">
-        <p14:creationId xmlns:p14="http://schemas.microsoft.com/office/powerpoint/2010/main" val="507450620"/>
-      </p:ext>
-    </p:extLst>
-  </p:cSld>
-  <p:clrMapOvr>
-    <a:masterClrMapping/>
-  </p:clrMapOvr>
-</p:sld>
-</file>
-
-<file path=ppt/slides/slide24.xml><?xml version="1.0" encoding="utf-8"?>
-<p:sld xmlns:a="http://schemas.openxmlformats.org/drawingml/2006/main" xmlns:r="http://schemas.openxmlformats.org/officeDocument/2006/relationships" xmlns:p="http://schemas.openxmlformats.org/presentationml/2006/main">
-  <p:cSld>
-    <p:spTree>
-      <p:nvGrpSpPr>
-        <p:cNvPr id="1" name="">
-          <a:extLst>
-            <a:ext uri="{FF2B5EF4-FFF2-40B4-BE49-F238E27FC236}">
-              <a16:creationId xmlns:a16="http://schemas.microsoft.com/office/drawing/2014/main" id="{965AA798-DBC1-00F4-1AFA-22DC4F3697B3}"/>
-            </a:ext>
-          </a:extLst>
-        </p:cNvPr>
-        <p:cNvGrpSpPr/>
-        <p:nvPr/>
-      </p:nvGrpSpPr>
-      <p:grpSpPr>
-        <a:xfrm>
-          <a:off x="0" y="0"/>
-          <a:ext cx="0" cy="0"/>
-          <a:chOff x="0" y="0"/>
-          <a:chExt cx="0" cy="0"/>
-        </a:xfrm>
-      </p:grpSpPr>
-      <p:sp>
-        <p:nvSpPr>
-          <p:cNvPr id="30" name="제목 1">
-            <a:extLst>
-              <a:ext uri="{FF2B5EF4-FFF2-40B4-BE49-F238E27FC236}">
-                <a16:creationId xmlns:a16="http://schemas.microsoft.com/office/drawing/2014/main" id="{EE1E887A-3262-3698-3557-9DAA88030F9A}"/>
-              </a:ext>
-            </a:extLst>
-          </p:cNvPr>
-          <p:cNvSpPr>
-            <a:spLocks noGrp="1"/>
-          </p:cNvSpPr>
-          <p:nvPr>
-            <p:ph type="title"/>
-          </p:nvPr>
-        </p:nvSpPr>
-        <p:spPr>
-          <a:xfrm>
-            <a:off x="550526" y="215756"/>
-            <a:ext cx="11088845" cy="523982"/>
-          </a:xfrm>
-        </p:spPr>
-        <p:txBody>
-          <a:bodyPr/>
-          <a:lstStyle/>
-          <a:p>
-            <a:r>
-              <a:rPr lang="en-US" altLang="ko-KR" dirty="0"/>
-              <a:t>6. </a:t>
-            </a:r>
-            <a:r>
-              <a:rPr lang="ko-KR" altLang="en-US" dirty="0"/>
-              <a:t>기능설계 최적화</a:t>
-            </a:r>
-          </a:p>
-        </p:txBody>
-      </p:sp>
-      <p:sp>
-        <p:nvSpPr>
-          <p:cNvPr id="32" name="AutoShape 7">
-            <a:extLst>
-              <a:ext uri="{FF2B5EF4-FFF2-40B4-BE49-F238E27FC236}">
-                <a16:creationId xmlns:a16="http://schemas.microsoft.com/office/drawing/2014/main" id="{A0077C0E-E772-76CC-47B3-CE80D842F929}"/>
-              </a:ext>
-            </a:extLst>
-          </p:cNvPr>
-          <p:cNvSpPr>
-            <a:spLocks noChangeArrowheads="1"/>
-          </p:cNvSpPr>
-          <p:nvPr/>
-        </p:nvSpPr>
-        <p:spPr bwMode="auto">
-          <a:xfrm>
-            <a:off x="139699" y="971365"/>
-            <a:ext cx="11767672" cy="5481971"/>
-          </a:xfrm>
-          <a:prstGeom prst="roundRect">
-            <a:avLst>
-              <a:gd name="adj" fmla="val 1278"/>
-            </a:avLst>
-          </a:prstGeom>
-          <a:noFill/>
-          <a:ln w="12700" cap="flat" cmpd="sng" algn="ctr">
-            <a:solidFill>
-              <a:srgbClr val="A0A0A0"/>
-            </a:solidFill>
-            <a:prstDash val="solid"/>
-            <a:headEnd/>
-            <a:tailEnd/>
-          </a:ln>
-          <a:effectLst/>
-        </p:spPr>
-        <p:txBody>
-          <a:bodyPr wrap="none" tIns="0" bIns="0"/>
-          <a:lstStyle/>
-          <a:p>
-            <a:pPr eaLnBrk="0" fontAlgn="auto" latinLnBrk="0" hangingPunct="0">
-              <a:spcBef>
-                <a:spcPts val="0"/>
-              </a:spcBef>
-              <a:spcAft>
-                <a:spcPts val="0"/>
-              </a:spcAft>
-              <a:defRPr/>
-            </a:pPr>
-            <a:endParaRPr kumimoji="0" lang="ko-KR" altLang="en-US" kern="0" dirty="0">
-              <a:latin typeface="HY견고딕" pitchFamily="18" charset="-127"/>
-              <a:ea typeface="HY견고딕" pitchFamily="18" charset="-127"/>
-            </a:endParaRPr>
-          </a:p>
-        </p:txBody>
-      </p:sp>
-    </p:spTree>
-    <p:extLst>
-      <p:ext uri="{BB962C8B-B14F-4D97-AF65-F5344CB8AC3E}">
-        <p14:creationId xmlns:p14="http://schemas.microsoft.com/office/powerpoint/2010/main" val="489792309"/>
-      </p:ext>
-    </p:extLst>
-  </p:cSld>
-  <p:clrMapOvr>
-    <a:masterClrMapping/>
-  </p:clrMapOvr>
-</p:sld>
-</file>
-
-<file path=ppt/slides/slide25.xml><?xml version="1.0" encoding="utf-8"?>
-<p:sld xmlns:a="http://schemas.openxmlformats.org/drawingml/2006/main" xmlns:r="http://schemas.openxmlformats.org/officeDocument/2006/relationships" xmlns:p="http://schemas.openxmlformats.org/presentationml/2006/main">
-  <p:cSld>
-    <p:spTree>
-      <p:nvGrpSpPr>
-        <p:cNvPr id="1" name="">
-          <a:extLst>
-            <a:ext uri="{FF2B5EF4-FFF2-40B4-BE49-F238E27FC236}">
-              <a16:creationId xmlns:a16="http://schemas.microsoft.com/office/drawing/2014/main" id="{B950A3A1-D956-B120-8EBE-A7D5E3685BCE}"/>
-            </a:ext>
-          </a:extLst>
-        </p:cNvPr>
-        <p:cNvGrpSpPr/>
-        <p:nvPr/>
-      </p:nvGrpSpPr>
-      <p:grpSpPr>
-        <a:xfrm>
-          <a:off x="0" y="0"/>
-          <a:ext cx="0" cy="0"/>
-          <a:chOff x="0" y="0"/>
-          <a:chExt cx="0" cy="0"/>
-        </a:xfrm>
-      </p:grpSpPr>
-      <p:sp>
-        <p:nvSpPr>
-          <p:cNvPr id="30" name="제목 1">
-            <a:extLst>
-              <a:ext uri="{FF2B5EF4-FFF2-40B4-BE49-F238E27FC236}">
-                <a16:creationId xmlns:a16="http://schemas.microsoft.com/office/drawing/2014/main" id="{094E3ABD-DE8E-D3AA-096E-D7C409E8E9A7}"/>
-              </a:ext>
-            </a:extLst>
-          </p:cNvPr>
-          <p:cNvSpPr>
-            <a:spLocks noGrp="1"/>
-          </p:cNvSpPr>
-          <p:nvPr>
-            <p:ph type="title"/>
-          </p:nvPr>
-        </p:nvSpPr>
-        <p:spPr>
-          <a:xfrm>
-            <a:off x="550526" y="215756"/>
-            <a:ext cx="11088845" cy="523982"/>
-          </a:xfrm>
-        </p:spPr>
-        <p:txBody>
-          <a:bodyPr/>
-          <a:lstStyle/>
-          <a:p>
-            <a:r>
-              <a:rPr lang="en-US" altLang="ko-KR" dirty="0"/>
-              <a:t>6. </a:t>
-            </a:r>
-            <a:r>
-              <a:rPr lang="ko-KR" altLang="en-US" dirty="0"/>
-              <a:t>기능설계 최적화</a:t>
-            </a:r>
-          </a:p>
-        </p:txBody>
-      </p:sp>
-      <p:sp>
-        <p:nvSpPr>
-          <p:cNvPr id="32" name="AutoShape 7">
-            <a:extLst>
-              <a:ext uri="{FF2B5EF4-FFF2-40B4-BE49-F238E27FC236}">
-                <a16:creationId xmlns:a16="http://schemas.microsoft.com/office/drawing/2014/main" id="{3AB139FA-CB6D-1413-CDD8-259A7FDB4ACA}"/>
-              </a:ext>
-            </a:extLst>
-          </p:cNvPr>
-          <p:cNvSpPr>
-            <a:spLocks noChangeArrowheads="1"/>
-          </p:cNvSpPr>
-          <p:nvPr/>
-        </p:nvSpPr>
-        <p:spPr bwMode="auto">
-          <a:xfrm>
-            <a:off x="139699" y="971365"/>
-            <a:ext cx="11767672" cy="5481971"/>
-          </a:xfrm>
-          <a:prstGeom prst="roundRect">
-            <a:avLst>
-              <a:gd name="adj" fmla="val 1278"/>
-            </a:avLst>
-          </a:prstGeom>
-          <a:noFill/>
-          <a:ln w="12700" cap="flat" cmpd="sng" algn="ctr">
-            <a:solidFill>
-              <a:srgbClr val="A0A0A0"/>
-            </a:solidFill>
-            <a:prstDash val="solid"/>
-            <a:headEnd/>
-            <a:tailEnd/>
-          </a:ln>
-          <a:effectLst/>
-        </p:spPr>
-        <p:txBody>
-          <a:bodyPr wrap="none" tIns="0" bIns="0"/>
-          <a:lstStyle/>
-          <a:p>
-            <a:pPr eaLnBrk="0" fontAlgn="auto" latinLnBrk="0" hangingPunct="0">
-              <a:spcBef>
-                <a:spcPts val="0"/>
-              </a:spcBef>
-              <a:spcAft>
-                <a:spcPts val="0"/>
-              </a:spcAft>
-              <a:defRPr/>
-            </a:pPr>
-            <a:endParaRPr kumimoji="0" lang="ko-KR" altLang="en-US" kern="0" dirty="0">
-              <a:latin typeface="HY견고딕" pitchFamily="18" charset="-127"/>
-              <a:ea typeface="HY견고딕" pitchFamily="18" charset="-127"/>
-            </a:endParaRPr>
-          </a:p>
-        </p:txBody>
-      </p:sp>
-    </p:spTree>
-    <p:extLst>
-      <p:ext uri="{BB962C8B-B14F-4D97-AF65-F5344CB8AC3E}">
-        <p14:creationId xmlns:p14="http://schemas.microsoft.com/office/powerpoint/2010/main" val="965880637"/>
-      </p:ext>
-    </p:extLst>
-  </p:cSld>
-  <p:clrMapOvr>
-    <a:masterClrMapping/>
-  </p:clrMapOvr>
-</p:sld>
-</file>
-
-<file path=ppt/slides/slide26.xml><?xml version="1.0" encoding="utf-8"?>
-<p:sld xmlns:a="http://schemas.openxmlformats.org/drawingml/2006/main" xmlns:r="http://schemas.openxmlformats.org/officeDocument/2006/relationships" xmlns:p="http://schemas.openxmlformats.org/presentationml/2006/main">
-  <p:cSld>
-    <p:spTree>
-      <p:nvGrpSpPr>
-        <p:cNvPr id="1" name="">
-          <a:extLst>
-            <a:ext uri="{FF2B5EF4-FFF2-40B4-BE49-F238E27FC236}">
-              <a16:creationId xmlns:a16="http://schemas.microsoft.com/office/drawing/2014/main" id="{F4AC2F21-3862-9715-E0F4-6D204DB8C9E2}"/>
-            </a:ext>
-          </a:extLst>
-        </p:cNvPr>
-        <p:cNvGrpSpPr/>
-        <p:nvPr/>
-      </p:nvGrpSpPr>
-      <p:grpSpPr>
-        <a:xfrm>
-          <a:off x="0" y="0"/>
-          <a:ext cx="0" cy="0"/>
-          <a:chOff x="0" y="0"/>
-          <a:chExt cx="0" cy="0"/>
-        </a:xfrm>
-      </p:grpSpPr>
-      <p:sp>
-        <p:nvSpPr>
-          <p:cNvPr id="30" name="제목 1">
-            <a:extLst>
-              <a:ext uri="{FF2B5EF4-FFF2-40B4-BE49-F238E27FC236}">
-                <a16:creationId xmlns:a16="http://schemas.microsoft.com/office/drawing/2014/main" id="{1E3287F3-0D68-8BB3-5505-7E528B219395}"/>
-              </a:ext>
-            </a:extLst>
-          </p:cNvPr>
-          <p:cNvSpPr>
-            <a:spLocks noGrp="1"/>
-          </p:cNvSpPr>
-          <p:nvPr>
-            <p:ph type="title"/>
-          </p:nvPr>
-        </p:nvSpPr>
-        <p:spPr>
-          <a:xfrm>
-            <a:off x="550526" y="215756"/>
-            <a:ext cx="11088845" cy="523982"/>
-          </a:xfrm>
-        </p:spPr>
-        <p:txBody>
-          <a:bodyPr/>
-          <a:lstStyle/>
-          <a:p>
-            <a:r>
-              <a:rPr lang="en-US" altLang="ko-KR" dirty="0"/>
-              <a:t>6. </a:t>
-            </a:r>
-            <a:r>
-              <a:rPr lang="ko-KR" altLang="en-US" dirty="0"/>
-              <a:t>기능설계 최적화</a:t>
-            </a:r>
-          </a:p>
-        </p:txBody>
-      </p:sp>
-      <p:sp>
-        <p:nvSpPr>
-          <p:cNvPr id="32" name="AutoShape 7">
-            <a:extLst>
-              <a:ext uri="{FF2B5EF4-FFF2-40B4-BE49-F238E27FC236}">
-                <a16:creationId xmlns:a16="http://schemas.microsoft.com/office/drawing/2014/main" id="{643E72FC-0687-220D-7A59-CDC24A8AB469}"/>
-              </a:ext>
-            </a:extLst>
-          </p:cNvPr>
-          <p:cNvSpPr>
-            <a:spLocks noChangeArrowheads="1"/>
-          </p:cNvSpPr>
-          <p:nvPr/>
-        </p:nvSpPr>
-        <p:spPr bwMode="auto">
-          <a:xfrm>
-            <a:off x="139699" y="971365"/>
-            <a:ext cx="11767672" cy="5481971"/>
-          </a:xfrm>
-          <a:prstGeom prst="roundRect">
-            <a:avLst>
-              <a:gd name="adj" fmla="val 1278"/>
-            </a:avLst>
-          </a:prstGeom>
-          <a:noFill/>
-          <a:ln w="12700" cap="flat" cmpd="sng" algn="ctr">
-            <a:solidFill>
-              <a:srgbClr val="A0A0A0"/>
-            </a:solidFill>
-            <a:prstDash val="solid"/>
-            <a:headEnd/>
-            <a:tailEnd/>
-          </a:ln>
-          <a:effectLst/>
-        </p:spPr>
-        <p:txBody>
-          <a:bodyPr wrap="none" tIns="0" bIns="0"/>
-          <a:lstStyle/>
-          <a:p>
-            <a:pPr eaLnBrk="0" fontAlgn="auto" latinLnBrk="0" hangingPunct="0">
-              <a:spcBef>
-                <a:spcPts val="0"/>
-              </a:spcBef>
-              <a:spcAft>
-                <a:spcPts val="0"/>
-              </a:spcAft>
-              <a:defRPr/>
-            </a:pPr>
-            <a:endParaRPr kumimoji="0" lang="ko-KR" altLang="en-US" kern="0" dirty="0">
-              <a:latin typeface="HY견고딕" pitchFamily="18" charset="-127"/>
-              <a:ea typeface="HY견고딕" pitchFamily="18" charset="-127"/>
-            </a:endParaRPr>
-          </a:p>
-        </p:txBody>
-      </p:sp>
-    </p:spTree>
-    <p:extLst>
-      <p:ext uri="{BB962C8B-B14F-4D97-AF65-F5344CB8AC3E}">
-        <p14:creationId xmlns:p14="http://schemas.microsoft.com/office/powerpoint/2010/main" val="2431839137"/>
-      </p:ext>
-    </p:extLst>
-  </p:cSld>
-  <p:clrMapOvr>
-    <a:masterClrMapping/>
-  </p:clrMapOvr>
-</p:sld>
-</file>
-
-<file path=ppt/slides/slide27.xml><?xml version="1.0" encoding="utf-8"?>
-<p:sld xmlns:a="http://schemas.openxmlformats.org/drawingml/2006/main" xmlns:r="http://schemas.openxmlformats.org/officeDocument/2006/relationships" xmlns:p="http://schemas.openxmlformats.org/presentationml/2006/main">
-  <p:cSld>
-    <p:spTree>
-      <p:nvGrpSpPr>
-        <p:cNvPr id="1" name="">
-          <a:extLst>
-            <a:ext uri="{FF2B5EF4-FFF2-40B4-BE49-F238E27FC236}">
-              <a16:creationId xmlns:a16="http://schemas.microsoft.com/office/drawing/2014/main" id="{25154742-9907-2A9E-5340-BD40DFB0CB6E}"/>
-            </a:ext>
-          </a:extLst>
-        </p:cNvPr>
-        <p:cNvGrpSpPr/>
-        <p:nvPr/>
-      </p:nvGrpSpPr>
-      <p:grpSpPr>
-        <a:xfrm>
-          <a:off x="0" y="0"/>
-          <a:ext cx="0" cy="0"/>
-          <a:chOff x="0" y="0"/>
-          <a:chExt cx="0" cy="0"/>
-        </a:xfrm>
-      </p:grpSpPr>
-      <p:sp>
-        <p:nvSpPr>
-          <p:cNvPr id="30" name="제목 1">
-            <a:extLst>
-              <a:ext uri="{FF2B5EF4-FFF2-40B4-BE49-F238E27FC236}">
-                <a16:creationId xmlns:a16="http://schemas.microsoft.com/office/drawing/2014/main" id="{CA1F6DBC-3AD2-A4FC-7015-1DA63D4D4ACC}"/>
-              </a:ext>
-            </a:extLst>
-          </p:cNvPr>
-          <p:cNvSpPr>
-            <a:spLocks noGrp="1"/>
-          </p:cNvSpPr>
-          <p:nvPr>
-            <p:ph type="title"/>
-          </p:nvPr>
-        </p:nvSpPr>
-        <p:spPr>
-          <a:xfrm>
-            <a:off x="550526" y="215756"/>
-            <a:ext cx="11088845" cy="523982"/>
-          </a:xfrm>
-        </p:spPr>
-        <p:txBody>
-          <a:bodyPr/>
-          <a:lstStyle/>
-          <a:p>
-            <a:r>
-              <a:rPr lang="en-US" altLang="ko-KR" dirty="0"/>
-              <a:t>6. </a:t>
-            </a:r>
-            <a:r>
-              <a:rPr lang="ko-KR" altLang="en-US" dirty="0"/>
-              <a:t>기능설계 최적화</a:t>
-            </a:r>
-          </a:p>
-        </p:txBody>
-      </p:sp>
-      <p:sp>
-        <p:nvSpPr>
-          <p:cNvPr id="32" name="AutoShape 7">
-            <a:extLst>
-              <a:ext uri="{FF2B5EF4-FFF2-40B4-BE49-F238E27FC236}">
-                <a16:creationId xmlns:a16="http://schemas.microsoft.com/office/drawing/2014/main" id="{F87C4687-C123-6A13-539E-66A9E9751840}"/>
-              </a:ext>
-            </a:extLst>
-          </p:cNvPr>
-          <p:cNvSpPr>
-            <a:spLocks noChangeArrowheads="1"/>
-          </p:cNvSpPr>
-          <p:nvPr/>
-        </p:nvSpPr>
-        <p:spPr bwMode="auto">
-          <a:xfrm>
-            <a:off x="139699" y="971365"/>
-            <a:ext cx="11767672" cy="5481971"/>
-          </a:xfrm>
-          <a:prstGeom prst="roundRect">
-            <a:avLst>
-              <a:gd name="adj" fmla="val 1278"/>
-            </a:avLst>
-          </a:prstGeom>
-          <a:noFill/>
-          <a:ln w="12700" cap="flat" cmpd="sng" algn="ctr">
-            <a:solidFill>
-              <a:srgbClr val="A0A0A0"/>
-            </a:solidFill>
-            <a:prstDash val="solid"/>
-            <a:headEnd/>
-            <a:tailEnd/>
-          </a:ln>
-          <a:effectLst/>
-        </p:spPr>
-        <p:txBody>
-          <a:bodyPr wrap="none" tIns="0" bIns="0"/>
-          <a:lstStyle/>
-          <a:p>
-            <a:pPr eaLnBrk="0" fontAlgn="auto" latinLnBrk="0" hangingPunct="0">
-              <a:spcBef>
-                <a:spcPts val="0"/>
-              </a:spcBef>
-              <a:spcAft>
-                <a:spcPts val="0"/>
-              </a:spcAft>
-              <a:defRPr/>
-            </a:pPr>
-            <a:endParaRPr kumimoji="0" lang="ko-KR" altLang="en-US" kern="0" dirty="0">
-              <a:latin typeface="HY견고딕" pitchFamily="18" charset="-127"/>
-              <a:ea typeface="HY견고딕" pitchFamily="18" charset="-127"/>
-            </a:endParaRPr>
-          </a:p>
-        </p:txBody>
-      </p:sp>
-    </p:spTree>
-    <p:extLst>
-      <p:ext uri="{BB962C8B-B14F-4D97-AF65-F5344CB8AC3E}">
-        <p14:creationId xmlns:p14="http://schemas.microsoft.com/office/powerpoint/2010/main" val="1357024794"/>
-      </p:ext>
-    </p:extLst>
-  </p:cSld>
-  <p:clrMapOvr>
-    <a:masterClrMapping/>
-  </p:clrMapOvr>
-</p:sld>
-</file>
-
-<file path=ppt/slides/slide28.xml><?xml version="1.0" encoding="utf-8"?>
-<p:sld xmlns:a="http://schemas.openxmlformats.org/drawingml/2006/main" xmlns:r="http://schemas.openxmlformats.org/officeDocument/2006/relationships" xmlns:p="http://schemas.openxmlformats.org/presentationml/2006/main">
-  <p:cSld>
-    <p:spTree>
-      <p:nvGrpSpPr>
-        <p:cNvPr id="1" name="">
-          <a:extLst>
-            <a:ext uri="{FF2B5EF4-FFF2-40B4-BE49-F238E27FC236}">
-              <a16:creationId xmlns:a16="http://schemas.microsoft.com/office/drawing/2014/main" id="{2EA7FCF8-DBB3-B280-1591-BDECBA21607B}"/>
-            </a:ext>
-          </a:extLst>
-        </p:cNvPr>
-        <p:cNvGrpSpPr/>
-        <p:nvPr/>
-      </p:nvGrpSpPr>
-      <p:grpSpPr>
-        <a:xfrm>
-          <a:off x="0" y="0"/>
-          <a:ext cx="0" cy="0"/>
-          <a:chOff x="0" y="0"/>
-          <a:chExt cx="0" cy="0"/>
-        </a:xfrm>
-      </p:grpSpPr>
-      <p:sp>
-        <p:nvSpPr>
-          <p:cNvPr id="30" name="제목 1">
-            <a:extLst>
-              <a:ext uri="{FF2B5EF4-FFF2-40B4-BE49-F238E27FC236}">
-                <a16:creationId xmlns:a16="http://schemas.microsoft.com/office/drawing/2014/main" id="{A6172E6F-0D28-8F8A-95E7-8DCB1C26E694}"/>
-              </a:ext>
-            </a:extLst>
-          </p:cNvPr>
-          <p:cNvSpPr>
-            <a:spLocks noGrp="1"/>
-          </p:cNvSpPr>
-          <p:nvPr>
-            <p:ph type="title"/>
-          </p:nvPr>
-        </p:nvSpPr>
-        <p:spPr>
-          <a:xfrm>
-            <a:off x="550526" y="215756"/>
-            <a:ext cx="11088845" cy="523982"/>
-          </a:xfrm>
-        </p:spPr>
-        <p:txBody>
-          <a:bodyPr/>
-          <a:lstStyle/>
-          <a:p>
-            <a:r>
-              <a:rPr lang="en-US" altLang="ko-KR" dirty="0"/>
-              <a:t>6. </a:t>
-            </a:r>
-            <a:r>
-              <a:rPr lang="ko-KR" altLang="en-US" dirty="0"/>
-              <a:t>기능설계 최적화</a:t>
-            </a:r>
-          </a:p>
-        </p:txBody>
-      </p:sp>
-      <p:sp>
-        <p:nvSpPr>
-          <p:cNvPr id="32" name="AutoShape 7">
-            <a:extLst>
-              <a:ext uri="{FF2B5EF4-FFF2-40B4-BE49-F238E27FC236}">
-                <a16:creationId xmlns:a16="http://schemas.microsoft.com/office/drawing/2014/main" id="{E812AFAF-33CD-64C9-814E-B25500D0F0B3}"/>
-              </a:ext>
-            </a:extLst>
-          </p:cNvPr>
-          <p:cNvSpPr>
-            <a:spLocks noChangeArrowheads="1"/>
-          </p:cNvSpPr>
-          <p:nvPr/>
-        </p:nvSpPr>
-        <p:spPr bwMode="auto">
-          <a:xfrm>
-            <a:off x="139699" y="971365"/>
-            <a:ext cx="11767672" cy="5481971"/>
-          </a:xfrm>
-          <a:prstGeom prst="roundRect">
-            <a:avLst>
-              <a:gd name="adj" fmla="val 1278"/>
-            </a:avLst>
-          </a:prstGeom>
-          <a:noFill/>
-          <a:ln w="12700" cap="flat" cmpd="sng" algn="ctr">
-            <a:solidFill>
-              <a:srgbClr val="A0A0A0"/>
-            </a:solidFill>
-            <a:prstDash val="solid"/>
-            <a:headEnd/>
-            <a:tailEnd/>
-          </a:ln>
-          <a:effectLst/>
-        </p:spPr>
-        <p:txBody>
-          <a:bodyPr wrap="none" tIns="0" bIns="0"/>
-          <a:lstStyle/>
-          <a:p>
-            <a:pPr eaLnBrk="0" fontAlgn="auto" latinLnBrk="0" hangingPunct="0">
-              <a:spcBef>
-                <a:spcPts val="0"/>
-              </a:spcBef>
-              <a:spcAft>
-                <a:spcPts val="0"/>
-              </a:spcAft>
-              <a:defRPr/>
-            </a:pPr>
-            <a:endParaRPr kumimoji="0" lang="ko-KR" altLang="en-US" kern="0" dirty="0">
-              <a:latin typeface="HY견고딕" pitchFamily="18" charset="-127"/>
-              <a:ea typeface="HY견고딕" pitchFamily="18" charset="-127"/>
-            </a:endParaRPr>
-          </a:p>
-        </p:txBody>
-      </p:sp>
-    </p:spTree>
-    <p:extLst>
-      <p:ext uri="{BB962C8B-B14F-4D97-AF65-F5344CB8AC3E}">
-        <p14:creationId xmlns:p14="http://schemas.microsoft.com/office/powerpoint/2010/main" val="252817315"/>
-      </p:ext>
-    </p:extLst>
-  </p:cSld>
-  <p:clrMapOvr>
-    <a:masterClrMapping/>
-  </p:clrMapOvr>
-</p:sld>
-</file>
-
-<file path=ppt/slides/slide29.xml><?xml version="1.0" encoding="utf-8"?>
-<p:sld xmlns:a="http://schemas.openxmlformats.org/drawingml/2006/main" xmlns:r="http://schemas.openxmlformats.org/officeDocument/2006/relationships" xmlns:p="http://schemas.openxmlformats.org/presentationml/2006/main">
-  <p:cSld>
-    <p:spTree>
-      <p:nvGrpSpPr>
-        <p:cNvPr id="1" name="">
-          <a:extLst>
-            <a:ext uri="{FF2B5EF4-FFF2-40B4-BE49-F238E27FC236}">
-              <a16:creationId xmlns:a16="http://schemas.microsoft.com/office/drawing/2014/main" id="{AA3B86A5-ABA0-A22C-CBD2-AC41598F5EAD}"/>
-            </a:ext>
-          </a:extLst>
-        </p:cNvPr>
-        <p:cNvGrpSpPr/>
-        <p:nvPr/>
-      </p:nvGrpSpPr>
-      <p:grpSpPr>
-        <a:xfrm>
-          <a:off x="0" y="0"/>
-          <a:ext cx="0" cy="0"/>
-          <a:chOff x="0" y="0"/>
-          <a:chExt cx="0" cy="0"/>
-        </a:xfrm>
-      </p:grpSpPr>
-      <p:sp>
-        <p:nvSpPr>
-          <p:cNvPr id="30" name="제목 1">
-            <a:extLst>
-              <a:ext uri="{FF2B5EF4-FFF2-40B4-BE49-F238E27FC236}">
-                <a16:creationId xmlns:a16="http://schemas.microsoft.com/office/drawing/2014/main" id="{1C748B8D-EA7E-93F2-3DD2-88C95C96D0B2}"/>
-              </a:ext>
-            </a:extLst>
-          </p:cNvPr>
-          <p:cNvSpPr>
-            <a:spLocks noGrp="1"/>
-          </p:cNvSpPr>
-          <p:nvPr>
-            <p:ph type="title"/>
-          </p:nvPr>
-        </p:nvSpPr>
-        <p:spPr>
-          <a:xfrm>
-            <a:off x="550526" y="215756"/>
-            <a:ext cx="11088845" cy="523982"/>
-          </a:xfrm>
-        </p:spPr>
-        <p:txBody>
-          <a:bodyPr/>
-          <a:lstStyle/>
-          <a:p>
-            <a:r>
-              <a:rPr lang="en-US" altLang="ko-KR" dirty="0"/>
-              <a:t>6. </a:t>
-            </a:r>
-            <a:r>
-              <a:rPr lang="ko-KR" altLang="en-US" dirty="0"/>
-              <a:t>기능설계 최적화</a:t>
-            </a:r>
-          </a:p>
-        </p:txBody>
-      </p:sp>
-      <p:sp>
-        <p:nvSpPr>
-          <p:cNvPr id="32" name="AutoShape 7">
-            <a:extLst>
-              <a:ext uri="{FF2B5EF4-FFF2-40B4-BE49-F238E27FC236}">
-                <a16:creationId xmlns:a16="http://schemas.microsoft.com/office/drawing/2014/main" id="{7EBD95E3-3CAE-F96F-D31D-2B73F9B9219B}"/>
-              </a:ext>
-            </a:extLst>
-          </p:cNvPr>
-          <p:cNvSpPr>
-            <a:spLocks noChangeArrowheads="1"/>
-          </p:cNvSpPr>
-          <p:nvPr/>
-        </p:nvSpPr>
-        <p:spPr bwMode="auto">
-          <a:xfrm>
-            <a:off x="139699" y="971365"/>
-            <a:ext cx="11767672" cy="5481971"/>
-          </a:xfrm>
-          <a:prstGeom prst="roundRect">
-            <a:avLst>
-              <a:gd name="adj" fmla="val 1278"/>
-            </a:avLst>
-          </a:prstGeom>
-          <a:noFill/>
-          <a:ln w="12700" cap="flat" cmpd="sng" algn="ctr">
-            <a:solidFill>
-              <a:srgbClr val="A0A0A0"/>
-            </a:solidFill>
-            <a:prstDash val="solid"/>
-            <a:headEnd/>
-            <a:tailEnd/>
-          </a:ln>
-          <a:effectLst/>
-        </p:spPr>
-        <p:txBody>
-          <a:bodyPr wrap="none" tIns="0" bIns="0"/>
-          <a:lstStyle/>
-          <a:p>
-            <a:pPr eaLnBrk="0" fontAlgn="auto" latinLnBrk="0" hangingPunct="0">
-              <a:spcBef>
-                <a:spcPts val="0"/>
-              </a:spcBef>
-              <a:spcAft>
-                <a:spcPts val="0"/>
-              </a:spcAft>
-              <a:defRPr/>
-            </a:pPr>
-            <a:endParaRPr kumimoji="0" lang="ko-KR" altLang="en-US" kern="0" dirty="0">
-              <a:latin typeface="HY견고딕" pitchFamily="18" charset="-127"/>
-              <a:ea typeface="HY견고딕" pitchFamily="18" charset="-127"/>
-            </a:endParaRPr>
-          </a:p>
-        </p:txBody>
-      </p:sp>
-    </p:spTree>
-    <p:extLst>
-      <p:ext uri="{BB962C8B-B14F-4D97-AF65-F5344CB8AC3E}">
-        <p14:creationId xmlns:p14="http://schemas.microsoft.com/office/powerpoint/2010/main" val="4049352883"/>
       </p:ext>
     </p:extLst>
   </p:cSld>
@@ -12706,7 +11855,7 @@
         <p:spPr>
           <a:xfrm>
             <a:off x="139699" y="1114697"/>
-            <a:ext cx="11767672" cy="3970318"/>
+            <a:ext cx="11767672" cy="1384995"/>
           </a:xfrm>
           <a:prstGeom prst="rect">
             <a:avLst/>
@@ -12751,6 +11900,33 @@
             </a:r>
           </a:p>
           <a:p>
+            <a:pPr marL="171450" indent="-171450">
+              <a:buFont typeface="Wingdings" panose="05000000000000000000" pitchFamily="2" charset="2"/>
+              <a:buChar char="§"/>
+            </a:pPr>
+            <a:r>
+              <a:rPr lang="en-US" altLang="ko-KR" sz="1200" dirty="0"/>
+              <a:t>Atlassian</a:t>
+            </a:r>
+            <a:r>
+              <a:rPr lang="ko-KR" altLang="en-US" sz="1200" dirty="0"/>
+              <a:t>에서 개발한 프로젝트 관리 및 이슈 </a:t>
+            </a:r>
+            <a:r>
+              <a:rPr lang="ko-KR" altLang="en-US" sz="1200" dirty="0" err="1"/>
+              <a:t>트래킹</a:t>
+            </a:r>
+            <a:r>
+              <a:rPr lang="ko-KR" altLang="en-US" sz="1200" dirty="0"/>
+              <a:t> 도구</a:t>
+            </a:r>
+            <a:endParaRPr lang="en-US" altLang="ko-KR" sz="1200" dirty="0"/>
+          </a:p>
+          <a:p>
+            <a:pPr marL="171450" indent="-171450">
+              <a:buFont typeface="Wingdings" panose="05000000000000000000" pitchFamily="2" charset="2"/>
+              <a:buChar char="§"/>
+            </a:pPr>
             <a:r>
               <a:rPr lang="en-US" altLang="ko-KR" sz="1200" b="0" i="0" dirty="0">
                 <a:solidFill>
@@ -12809,18 +11985,9 @@
                 <a:effectLst/>
                 <a:latin typeface="Charlie Text"/>
               </a:rPr>
-              <a:t>릴리스 및 지원하는 데 사용하는 최고의 애자일 프로젝트 관리 도구입니다</a:t>
-            </a:r>
-            <a:r>
-              <a:rPr lang="en-US" altLang="ko-KR" sz="1200" b="0" i="0" dirty="0">
-                <a:solidFill>
-                  <a:srgbClr val="091E42"/>
-                </a:solidFill>
-                <a:effectLst/>
-                <a:latin typeface="Charlie Text"/>
-              </a:rPr>
-              <a:t>.</a:t>
-            </a:r>
+              <a:t>릴리스 및 지원하는 데 사용하는 최고의 애자일 프로젝트 관리 도구</a:t>
+            </a:r>
+            <a:endParaRPr lang="en-US" altLang="ko-KR" sz="1200" dirty="0"/>
           </a:p>
           <a:p>
             <a:r>
@@ -12837,29 +12004,50 @@
             </a:endParaRPr>
           </a:p>
           <a:p>
-            <a:endParaRPr lang="en-US" altLang="ko-KR" sz="1200" dirty="0"/>
-          </a:p>
-          <a:p>
-            <a:r>
-              <a:rPr lang="en-US" altLang="ko-KR" sz="1200" dirty="0"/>
-              <a:t>2. JIRA </a:t>
-            </a:r>
-            <a:r>
-              <a:rPr lang="ko-KR" altLang="en-US" sz="1200" dirty="0"/>
-              <a:t>사용자</a:t>
-            </a:r>
-            <a:endParaRPr lang="en-US" altLang="ko-KR" sz="1200" dirty="0"/>
-          </a:p>
-          <a:p>
             <a:pPr marL="171450" indent="-171450">
               <a:buFont typeface="Wingdings" panose="05000000000000000000" pitchFamily="2" charset="2"/>
               <a:buChar char="§"/>
             </a:pPr>
             <a:r>
               <a:rPr lang="ko-KR" altLang="en-US" sz="1200" dirty="0"/>
-              <a:t>애자일 팀</a:t>
-            </a:r>
-            <a:endParaRPr lang="en-US" altLang="ko-KR" sz="1200" dirty="0"/>
+              <a:t>소프트웨어 개발</a:t>
+            </a:r>
+            <a:r>
+              <a:rPr lang="en-US" altLang="ko-KR" sz="1200" dirty="0"/>
+              <a:t>, </a:t>
+            </a:r>
+            <a:r>
+              <a:rPr lang="ko-KR" altLang="en-US" sz="1200" dirty="0"/>
+              <a:t>버그 추적</a:t>
+            </a:r>
+            <a:r>
+              <a:rPr lang="en-US" altLang="ko-KR" sz="1200" dirty="0"/>
+              <a:t>, </a:t>
+            </a:r>
+            <a:r>
+              <a:rPr lang="ko-KR" altLang="en-US" sz="1200" dirty="0"/>
+              <a:t>프로젝트 계획 및 애자일 관리</a:t>
+            </a:r>
+            <a:r>
+              <a:rPr lang="en-US" altLang="ko-KR" sz="1200" dirty="0"/>
+              <a:t>(Scrum/Kanban </a:t>
+            </a:r>
+            <a:r>
+              <a:rPr lang="ko-KR" altLang="en-US" sz="1200" dirty="0"/>
+              <a:t>보드 등</a:t>
+            </a:r>
+            <a:r>
+              <a:rPr lang="en-US" altLang="ko-KR" sz="1200" dirty="0"/>
+              <a:t>)</a:t>
+            </a:r>
+            <a:r>
+              <a:rPr lang="ko-KR" altLang="en-US" sz="1200" dirty="0"/>
+              <a:t>를 지원</a:t>
+            </a:r>
+            <a:r>
+              <a:rPr lang="en-US" altLang="ko-KR" sz="1200" dirty="0"/>
+              <a:t>.</a:t>
+            </a:r>
           </a:p>
           <a:p>
             <a:pPr marL="171450" indent="-171450">
@@ -12868,344 +12056,94 @@
             </a:pPr>
             <a:r>
               <a:rPr lang="ko-KR" altLang="en-US" sz="1200" dirty="0"/>
-              <a:t>제품 관리 팀</a:t>
-            </a:r>
+              <a:t>팀 협업 강화</a:t>
+            </a:r>
+            <a:r>
+              <a:rPr lang="en-US" altLang="ko-KR" sz="1200" dirty="0"/>
+              <a:t>, </a:t>
+            </a:r>
+            <a:r>
+              <a:rPr lang="ko-KR" altLang="en-US" sz="1200" dirty="0"/>
+              <a:t>작업 추적</a:t>
+            </a:r>
+            <a:r>
+              <a:rPr lang="en-US" altLang="ko-KR" sz="1200" dirty="0"/>
+              <a:t>, </a:t>
+            </a:r>
+            <a:r>
+              <a:rPr lang="ko-KR" altLang="en-US" sz="1200" dirty="0"/>
+              <a:t>워크플로우 관리 최적화</a:t>
+            </a:r>
+            <a:r>
+              <a:rPr lang="en-US" altLang="ko-KR" sz="1200" dirty="0"/>
+              <a:t>.</a:t>
+            </a:r>
+          </a:p>
+          <a:p>
             <a:endParaRPr lang="en-US" altLang="ko-KR" sz="1200" dirty="0"/>
-          </a:p>
-          <a:p>
-            <a:pPr marL="171450" indent="-171450">
-              <a:buFont typeface="Wingdings" panose="05000000000000000000" pitchFamily="2" charset="2"/>
-              <a:buChar char="§"/>
-            </a:pPr>
-            <a:r>
-              <a:rPr lang="ko-KR" altLang="en-US" sz="1200" dirty="0"/>
-              <a:t>버그 추적 팀</a:t>
-            </a:r>
-            <a:endParaRPr lang="en-US" altLang="ko-KR" sz="1200" dirty="0"/>
-          </a:p>
-          <a:p>
-            <a:pPr marL="171450" indent="-171450">
-              <a:buFont typeface="Wingdings" panose="05000000000000000000" pitchFamily="2" charset="2"/>
-              <a:buChar char="§"/>
-            </a:pPr>
-            <a:r>
-              <a:rPr lang="ko-KR" altLang="en-US" sz="1200" dirty="0"/>
-              <a:t>프로젝트 관리 팀</a:t>
-            </a:r>
-            <a:endParaRPr lang="en-US" altLang="ko-KR" sz="1200" dirty="0"/>
-          </a:p>
-          <a:p>
-            <a:pPr marL="171450" indent="-171450">
-              <a:buFont typeface="Wingdings" panose="05000000000000000000" pitchFamily="2" charset="2"/>
-              <a:buChar char="§"/>
-            </a:pPr>
-            <a:r>
-              <a:rPr lang="ko-KR" altLang="en-US" sz="1200" dirty="0"/>
-              <a:t>소프트웨어 개발 팀</a:t>
-            </a:r>
-            <a:endParaRPr lang="en-US" altLang="ko-KR" sz="1200" dirty="0"/>
-          </a:p>
-          <a:p>
-            <a:pPr marL="171450" indent="-171450">
-              <a:buFont typeface="Wingdings" panose="05000000000000000000" pitchFamily="2" charset="2"/>
-              <a:buChar char="§"/>
-            </a:pPr>
-            <a:r>
-              <a:rPr lang="en-US" altLang="ko-KR" sz="1200" dirty="0"/>
-              <a:t>DevOps </a:t>
-            </a:r>
-            <a:r>
-              <a:rPr lang="ko-KR" altLang="en-US" sz="1200" dirty="0"/>
-              <a:t>팀</a:t>
-            </a:r>
-            <a:endParaRPr lang="en-US" altLang="ko-KR" sz="1200" dirty="0"/>
-          </a:p>
-          <a:p>
-            <a:pPr marL="171450" indent="-171450">
-              <a:buFont typeface="Wingdings" panose="05000000000000000000" pitchFamily="2" charset="2"/>
-              <a:buChar char="§"/>
-            </a:pPr>
-            <a:endParaRPr lang="en-US" altLang="ko-KR" sz="1200" dirty="0"/>
-          </a:p>
-          <a:p>
-            <a:r>
-              <a:rPr lang="en-US" altLang="ko-KR" sz="1200" dirty="0"/>
-              <a:t>3. </a:t>
-            </a:r>
-            <a:r>
-              <a:rPr lang="ko-KR" altLang="en-US" sz="1200" dirty="0"/>
-              <a:t>특정 기능</a:t>
-            </a:r>
-            <a:endParaRPr lang="en-US" altLang="ko-KR" sz="1200" dirty="0"/>
-          </a:p>
-          <a:p>
-            <a:r>
-              <a:rPr lang="en-US" altLang="ko-KR" sz="1200" b="0" i="0" dirty="0">
-                <a:solidFill>
-                  <a:srgbClr val="091E42"/>
-                </a:solidFill>
-                <a:effectLst/>
-                <a:latin typeface="Charlie Text"/>
-              </a:rPr>
-              <a:t>Jira</a:t>
-            </a:r>
-            <a:r>
-              <a:rPr lang="ko-KR" altLang="en-US" sz="1200" b="0" i="0" dirty="0">
-                <a:solidFill>
-                  <a:srgbClr val="091E42"/>
-                </a:solidFill>
-                <a:effectLst/>
-                <a:latin typeface="Charlie Text"/>
-              </a:rPr>
-              <a:t>는 팀이 필요로 하는 소프트웨어 개발을 위한 애자일 프로젝트 관리 방법론을 지원합니다</a:t>
-            </a:r>
-            <a:r>
-              <a:rPr lang="en-US" altLang="ko-KR" sz="1200" b="0" i="0" dirty="0">
-                <a:solidFill>
-                  <a:srgbClr val="091E42"/>
-                </a:solidFill>
-                <a:effectLst/>
-                <a:latin typeface="Charlie Text"/>
-              </a:rPr>
-              <a:t>. </a:t>
-            </a:r>
-            <a:r>
-              <a:rPr lang="ko-KR" altLang="en-US" sz="1200" b="0" i="0" dirty="0">
-                <a:solidFill>
-                  <a:srgbClr val="091E42"/>
-                </a:solidFill>
-                <a:effectLst/>
-                <a:latin typeface="Charlie Text"/>
-              </a:rPr>
-              <a:t>애자일 계획부터 완전 사용자 지정 가능한 </a:t>
-            </a:r>
-            <a:r>
-              <a:rPr lang="ko-KR" altLang="en-US" sz="1200" b="0" i="0" dirty="0" err="1">
-                <a:solidFill>
-                  <a:srgbClr val="091E42"/>
-                </a:solidFill>
-                <a:effectLst/>
-                <a:latin typeface="Charlie Text"/>
-              </a:rPr>
-              <a:t>칸반</a:t>
-            </a:r>
-            <a:r>
-              <a:rPr lang="ko-KR" altLang="en-US" sz="1200" b="0" i="0" dirty="0">
-                <a:solidFill>
-                  <a:srgbClr val="091E42"/>
-                </a:solidFill>
-                <a:effectLst/>
-                <a:latin typeface="Charlie Text"/>
-              </a:rPr>
-              <a:t> 및 스크럼보드에 이르기까지 </a:t>
-            </a:r>
-            <a:r>
-              <a:rPr lang="en-US" altLang="ko-KR" sz="1200" b="0" i="0" dirty="0">
-                <a:solidFill>
-                  <a:srgbClr val="091E42"/>
-                </a:solidFill>
-                <a:effectLst/>
-                <a:latin typeface="Charlie Text"/>
-              </a:rPr>
-              <a:t>Jira</a:t>
-            </a:r>
-            <a:r>
-              <a:rPr lang="ko-KR" altLang="en-US" sz="1200" b="0" i="0" dirty="0">
-                <a:solidFill>
-                  <a:srgbClr val="091E42"/>
-                </a:solidFill>
-                <a:effectLst/>
-                <a:latin typeface="Charlie Text"/>
-              </a:rPr>
-              <a:t>는 프레임워크에 맞게 설계된 워크플로로 속도를 추정</a:t>
-            </a:r>
-            <a:r>
-              <a:rPr lang="en-US" altLang="ko-KR" sz="1200" b="0" i="0" dirty="0">
-                <a:solidFill>
-                  <a:srgbClr val="091E42"/>
-                </a:solidFill>
-                <a:effectLst/>
-                <a:latin typeface="Charlie Text"/>
-              </a:rPr>
-              <a:t>, </a:t>
-            </a:r>
-            <a:r>
-              <a:rPr lang="ko-KR" altLang="en-US" sz="1200" b="0" i="0" dirty="0">
-                <a:solidFill>
-                  <a:srgbClr val="091E42"/>
-                </a:solidFill>
-                <a:effectLst/>
-                <a:latin typeface="Charlie Text"/>
-              </a:rPr>
-              <a:t>보고 및 측정하는 데 필요한 도구를 제공합니다</a:t>
-            </a:r>
-            <a:r>
-              <a:rPr lang="en-US" altLang="ko-KR" sz="1200" b="0" i="0" dirty="0">
-                <a:solidFill>
-                  <a:srgbClr val="091E42"/>
-                </a:solidFill>
-                <a:effectLst/>
-                <a:latin typeface="Charlie Text"/>
-              </a:rPr>
-              <a:t>.</a:t>
-            </a:r>
-          </a:p>
-          <a:p>
-            <a:endParaRPr lang="en-US" altLang="ko-KR" sz="1200" dirty="0">
-              <a:solidFill>
-                <a:srgbClr val="091E42"/>
-              </a:solidFill>
-              <a:latin typeface="Charlie Text"/>
-            </a:endParaRPr>
-          </a:p>
-          <a:p>
-            <a:r>
-              <a:rPr lang="en-US" altLang="ko-KR" sz="1200" dirty="0">
-                <a:solidFill>
-                  <a:srgbClr val="091E42"/>
-                </a:solidFill>
-                <a:latin typeface="Charlie Text"/>
-              </a:rPr>
-              <a:t>4. </a:t>
-            </a:r>
-            <a:r>
-              <a:rPr lang="ko-KR" altLang="en-US" sz="1200" dirty="0">
-                <a:solidFill>
-                  <a:srgbClr val="091E42"/>
-                </a:solidFill>
-                <a:latin typeface="Charlie Text"/>
-              </a:rPr>
-              <a:t>제품군</a:t>
-            </a:r>
-            <a:endParaRPr lang="en-US" altLang="ko-KR" sz="1200" dirty="0">
-              <a:solidFill>
-                <a:srgbClr val="091E42"/>
-              </a:solidFill>
-              <a:latin typeface="Charlie Text"/>
-            </a:endParaRPr>
-          </a:p>
-          <a:p>
-            <a:r>
-              <a:rPr lang="ko-KR" altLang="en-US" sz="1200" dirty="0">
-                <a:solidFill>
-                  <a:srgbClr val="091E42"/>
-                </a:solidFill>
-                <a:latin typeface="Charlie Text"/>
-              </a:rPr>
-              <a:t>지라라는 용어는 이 모든 제품의 기반이 되는 공통 플랫폼을 의미</a:t>
-            </a:r>
-            <a:endParaRPr lang="en-US" altLang="ko-KR" sz="1200" dirty="0">
-              <a:solidFill>
-                <a:srgbClr val="091E42"/>
-              </a:solidFill>
-              <a:latin typeface="Charlie Text"/>
-            </a:endParaRPr>
-          </a:p>
-          <a:p>
-            <a:pPr marL="171450" indent="-171450">
-              <a:buFont typeface="Wingdings" panose="05000000000000000000" pitchFamily="2" charset="2"/>
-              <a:buChar char="§"/>
-            </a:pPr>
-            <a:r>
-              <a:rPr lang="ko-KR" altLang="en-US" sz="1200" dirty="0">
-                <a:solidFill>
-                  <a:srgbClr val="091E42"/>
-                </a:solidFill>
-                <a:latin typeface="Charlie Text"/>
-              </a:rPr>
-              <a:t>지라 코어 </a:t>
-            </a:r>
-            <a:r>
-              <a:rPr lang="en-US" altLang="ko-KR" sz="1200" dirty="0">
-                <a:solidFill>
-                  <a:srgbClr val="091E42"/>
-                </a:solidFill>
-                <a:latin typeface="Charlie Text"/>
-              </a:rPr>
-              <a:t>- </a:t>
-            </a:r>
-            <a:r>
-              <a:rPr lang="ko-KR" altLang="en-US" sz="1200" dirty="0">
-                <a:solidFill>
-                  <a:srgbClr val="091E42"/>
-                </a:solidFill>
-                <a:latin typeface="Charlie Text"/>
-              </a:rPr>
-              <a:t>범용적인 작업</a:t>
-            </a:r>
-            <a:endParaRPr lang="en-US" altLang="ko-KR" sz="1200" dirty="0">
-              <a:solidFill>
-                <a:srgbClr val="091E42"/>
-              </a:solidFill>
-              <a:latin typeface="Charlie Text"/>
-            </a:endParaRPr>
-          </a:p>
-          <a:p>
-            <a:pPr marL="171450" indent="-171450">
-              <a:buFont typeface="Wingdings" panose="05000000000000000000" pitchFamily="2" charset="2"/>
-              <a:buChar char="§"/>
-            </a:pPr>
-            <a:r>
-              <a:rPr lang="ko-KR" altLang="en-US" sz="1200" dirty="0">
-                <a:solidFill>
-                  <a:srgbClr val="091E42"/>
-                </a:solidFill>
-                <a:latin typeface="Charlie Text"/>
-              </a:rPr>
-              <a:t>지라 소프트웨어 </a:t>
-            </a:r>
-            <a:r>
-              <a:rPr lang="en-US" altLang="ko-KR" sz="1200" dirty="0">
-                <a:solidFill>
-                  <a:srgbClr val="091E42"/>
-                </a:solidFill>
-                <a:latin typeface="Charlie Text"/>
-              </a:rPr>
-              <a:t>- </a:t>
-            </a:r>
-            <a:r>
-              <a:rPr lang="ko-KR" altLang="en-US" sz="1200" dirty="0">
-                <a:solidFill>
-                  <a:srgbClr val="091E42"/>
-                </a:solidFill>
-                <a:latin typeface="Charlie Text"/>
-              </a:rPr>
-              <a:t>애자일 방법론을 사용하려는 소프트웨어 개발팀에 적합</a:t>
-            </a:r>
-            <a:endParaRPr lang="en-US" altLang="ko-KR" sz="1200" dirty="0">
-              <a:solidFill>
-                <a:srgbClr val="091E42"/>
-              </a:solidFill>
-              <a:latin typeface="Charlie Text"/>
-            </a:endParaRPr>
-          </a:p>
-          <a:p>
-            <a:pPr marL="171450" indent="-171450">
-              <a:buFont typeface="Wingdings" panose="05000000000000000000" pitchFamily="2" charset="2"/>
-              <a:buChar char="§"/>
-            </a:pPr>
-            <a:r>
-              <a:rPr lang="ko-KR" altLang="en-US" sz="1200" dirty="0">
-                <a:solidFill>
-                  <a:srgbClr val="091E42"/>
-                </a:solidFill>
-                <a:latin typeface="Charlie Text"/>
-              </a:rPr>
-              <a:t>지라 서비스 데스크 </a:t>
-            </a:r>
-            <a:r>
-              <a:rPr lang="en-US" altLang="ko-KR" sz="1200" dirty="0">
-                <a:solidFill>
-                  <a:srgbClr val="091E42"/>
-                </a:solidFill>
-                <a:latin typeface="Charlie Text"/>
-              </a:rPr>
-              <a:t>- </a:t>
-            </a:r>
-            <a:endParaRPr lang="ko-KR" altLang="en-US" sz="1200" dirty="0"/>
           </a:p>
         </p:txBody>
       </p:sp>
+      <p:pic>
+        <p:nvPicPr>
+          <p:cNvPr id="10" name="그림 9">
+            <a:extLst>
+              <a:ext uri="{FF2B5EF4-FFF2-40B4-BE49-F238E27FC236}">
+                <a16:creationId xmlns:a16="http://schemas.microsoft.com/office/drawing/2014/main" id="{1955B488-13F2-7DC5-67DA-18629C3EE684}"/>
+              </a:ext>
+            </a:extLst>
+          </p:cNvPr>
+          <p:cNvPicPr>
+            <a:picLocks noChangeAspect="1"/>
+          </p:cNvPicPr>
+          <p:nvPr/>
+        </p:nvPicPr>
+        <p:blipFill>
+          <a:blip r:embed="rId3"/>
+          <a:stretch>
+            <a:fillRect/>
+          </a:stretch>
+        </p:blipFill>
+        <p:spPr>
+          <a:xfrm>
+            <a:off x="939930" y="3693587"/>
+            <a:ext cx="990945" cy="1075756"/>
+          </a:xfrm>
+          <a:prstGeom prst="rect">
+            <a:avLst/>
+          </a:prstGeom>
+        </p:spPr>
+      </p:pic>
+      <p:pic>
+        <p:nvPicPr>
+          <p:cNvPr id="16" name="그림 15">
+            <a:extLst>
+              <a:ext uri="{FF2B5EF4-FFF2-40B4-BE49-F238E27FC236}">
+                <a16:creationId xmlns:a16="http://schemas.microsoft.com/office/drawing/2014/main" id="{687326FA-91DF-D5E8-0AF5-8E164ED5DA06}"/>
+              </a:ext>
+            </a:extLst>
+          </p:cNvPr>
+          <p:cNvPicPr>
+            <a:picLocks noChangeAspect="1"/>
+          </p:cNvPicPr>
+          <p:nvPr/>
+        </p:nvPicPr>
+        <p:blipFill>
+          <a:blip r:embed="rId4"/>
+          <a:stretch>
+            <a:fillRect/>
+          </a:stretch>
+        </p:blipFill>
+        <p:spPr>
+          <a:xfrm>
+            <a:off x="2502852" y="2272937"/>
+            <a:ext cx="8055346" cy="4158751"/>
+          </a:xfrm>
+          <a:prstGeom prst="rect">
+            <a:avLst/>
+          </a:prstGeom>
+        </p:spPr>
+      </p:pic>
     </p:spTree>
     <p:extLst>
       <p:ext uri="{BB962C8B-B14F-4D97-AF65-F5344CB8AC3E}">
@@ -13219,12 +12157,18 @@
 </p:sld>
 </file>
 
-<file path=ppt/slides/slide30.xml><?xml version="1.0" encoding="utf-8"?>
+<file path=ppt/slides/slide4.xml><?xml version="1.0" encoding="utf-8"?>
 <p:sld xmlns:a="http://schemas.openxmlformats.org/drawingml/2006/main" xmlns:r="http://schemas.openxmlformats.org/officeDocument/2006/relationships" xmlns:p="http://schemas.openxmlformats.org/presentationml/2006/main">
   <p:cSld>
     <p:spTree>
       <p:nvGrpSpPr>
-        <p:cNvPr id="1" name=""/>
+        <p:cNvPr id="1" name="">
+          <a:extLst>
+            <a:ext uri="{FF2B5EF4-FFF2-40B4-BE49-F238E27FC236}">
+              <a16:creationId xmlns:a16="http://schemas.microsoft.com/office/drawing/2014/main" id="{5D5E7FF2-7A12-5C52-C9A1-CACFD80348AA}"/>
+            </a:ext>
+          </a:extLst>
+        </p:cNvPr>
         <p:cNvGrpSpPr/>
         <p:nvPr/>
       </p:nvGrpSpPr>
@@ -13236,10 +12180,628 @@
           <a:chExt cx="0" cy="0"/>
         </a:xfrm>
       </p:grpSpPr>
+      <p:sp>
+        <p:nvSpPr>
+          <p:cNvPr id="2" name="제목 1">
+            <a:extLst>
+              <a:ext uri="{FF2B5EF4-FFF2-40B4-BE49-F238E27FC236}">
+                <a16:creationId xmlns:a16="http://schemas.microsoft.com/office/drawing/2014/main" id="{D61249B3-5D6C-DDBE-6D9D-B3B66C027C58}"/>
+              </a:ext>
+            </a:extLst>
+          </p:cNvPr>
+          <p:cNvSpPr>
+            <a:spLocks noGrp="1"/>
+          </p:cNvSpPr>
+          <p:nvPr>
+            <p:ph type="title"/>
+          </p:nvPr>
+        </p:nvSpPr>
+        <p:spPr/>
+        <p:txBody>
+          <a:bodyPr/>
+          <a:lstStyle/>
+          <a:p>
+            <a:r>
+              <a:rPr lang="en-US" altLang="ko-KR" dirty="0"/>
+              <a:t>1. JIRA</a:t>
+            </a:r>
+            <a:r>
+              <a:rPr lang="ko-KR" altLang="en-US" dirty="0"/>
+              <a:t>란 무엇인가</a:t>
+            </a:r>
+            <a:r>
+              <a:rPr lang="en-US" altLang="ko-KR" dirty="0"/>
+              <a:t>?</a:t>
+            </a:r>
+            <a:endParaRPr lang="ko-KR" altLang="en-US" dirty="0"/>
+          </a:p>
+        </p:txBody>
+      </p:sp>
+      <p:sp>
+        <p:nvSpPr>
+          <p:cNvPr id="3" name="AutoShape 7">
+            <a:extLst>
+              <a:ext uri="{FF2B5EF4-FFF2-40B4-BE49-F238E27FC236}">
+                <a16:creationId xmlns:a16="http://schemas.microsoft.com/office/drawing/2014/main" id="{384F2302-E150-05E6-CCEC-07C59A35F02C}"/>
+              </a:ext>
+            </a:extLst>
+          </p:cNvPr>
+          <p:cNvSpPr>
+            <a:spLocks noChangeArrowheads="1"/>
+          </p:cNvSpPr>
+          <p:nvPr/>
+        </p:nvSpPr>
+        <p:spPr bwMode="auto">
+          <a:xfrm>
+            <a:off x="139699" y="971365"/>
+            <a:ext cx="11767672" cy="5481971"/>
+          </a:xfrm>
+          <a:prstGeom prst="roundRect">
+            <a:avLst>
+              <a:gd name="adj" fmla="val 1278"/>
+            </a:avLst>
+          </a:prstGeom>
+          <a:noFill/>
+          <a:ln w="12700" cap="flat" cmpd="sng" algn="ctr">
+            <a:solidFill>
+              <a:srgbClr val="A0A0A0"/>
+            </a:solidFill>
+            <a:prstDash val="solid"/>
+            <a:headEnd/>
+            <a:tailEnd/>
+          </a:ln>
+          <a:effectLst/>
+        </p:spPr>
+        <p:txBody>
+          <a:bodyPr wrap="none" tIns="0" bIns="0"/>
+          <a:lstStyle/>
+          <a:p>
+            <a:pPr eaLnBrk="0" fontAlgn="auto" latinLnBrk="0" hangingPunct="0">
+              <a:spcBef>
+                <a:spcPts val="0"/>
+              </a:spcBef>
+              <a:spcAft>
+                <a:spcPts val="0"/>
+              </a:spcAft>
+              <a:defRPr/>
+            </a:pPr>
+            <a:endParaRPr kumimoji="0" lang="ko-KR" altLang="en-US" kern="0" dirty="0">
+              <a:latin typeface="HY견고딕" pitchFamily="18" charset="-127"/>
+              <a:ea typeface="HY견고딕" pitchFamily="18" charset="-127"/>
+            </a:endParaRPr>
+          </a:p>
+        </p:txBody>
+      </p:sp>
+      <p:sp>
+        <p:nvSpPr>
+          <p:cNvPr id="4" name="TextBox 3">
+            <a:extLst>
+              <a:ext uri="{FF2B5EF4-FFF2-40B4-BE49-F238E27FC236}">
+                <a16:creationId xmlns:a16="http://schemas.microsoft.com/office/drawing/2014/main" id="{714E2549-5FDA-5AEE-43D1-2072905FDCCB}"/>
+              </a:ext>
+            </a:extLst>
+          </p:cNvPr>
+          <p:cNvSpPr txBox="1"/>
+          <p:nvPr/>
+        </p:nvSpPr>
+        <p:spPr>
+          <a:xfrm>
+            <a:off x="139699" y="1114697"/>
+            <a:ext cx="11767672" cy="3231654"/>
+          </a:xfrm>
+          <a:prstGeom prst="rect">
+            <a:avLst/>
+          </a:prstGeom>
+          <a:noFill/>
+        </p:spPr>
+        <p:txBody>
+          <a:bodyPr wrap="square" rtlCol="0">
+            <a:spAutoFit/>
+          </a:bodyPr>
+          <a:lstStyle/>
+          <a:p>
+            <a:r>
+              <a:rPr lang="en-US" altLang="ko-KR" sz="1200" dirty="0"/>
+              <a:t>JIRA </a:t>
+            </a:r>
+            <a:r>
+              <a:rPr lang="ko-KR" altLang="en-US" sz="1200" dirty="0"/>
+              <a:t>사용자</a:t>
+            </a:r>
+            <a:endParaRPr lang="en-US" altLang="ko-KR" sz="1200" dirty="0"/>
+          </a:p>
+          <a:p>
+            <a:pPr marL="171450" indent="-171450">
+              <a:buFont typeface="Wingdings" panose="05000000000000000000" pitchFamily="2" charset="2"/>
+              <a:buChar char="§"/>
+            </a:pPr>
+            <a:r>
+              <a:rPr lang="ko-KR" altLang="en-US" sz="1200" dirty="0"/>
+              <a:t>소프트웨어 개발 팀</a:t>
+            </a:r>
+            <a:endParaRPr lang="en-US" altLang="ko-KR" sz="1200" dirty="0"/>
+          </a:p>
+          <a:p>
+            <a:pPr marL="171450" indent="-171450">
+              <a:buFont typeface="Wingdings" panose="05000000000000000000" pitchFamily="2" charset="2"/>
+              <a:buChar char="§"/>
+            </a:pPr>
+            <a:r>
+              <a:rPr lang="ko-KR" altLang="en-US" sz="1200" dirty="0"/>
+              <a:t>애자일 팀</a:t>
+            </a:r>
+            <a:endParaRPr lang="en-US" altLang="ko-KR" sz="1200" dirty="0"/>
+          </a:p>
+          <a:p>
+            <a:pPr marL="171450" indent="-171450">
+              <a:buFont typeface="Wingdings" panose="05000000000000000000" pitchFamily="2" charset="2"/>
+              <a:buChar char="§"/>
+            </a:pPr>
+            <a:r>
+              <a:rPr lang="ko-KR" altLang="en-US" sz="1200" dirty="0"/>
+              <a:t>제품 관리 팀</a:t>
+            </a:r>
+            <a:endParaRPr lang="en-US" altLang="ko-KR" sz="1200" dirty="0"/>
+          </a:p>
+          <a:p>
+            <a:pPr marL="171450" indent="-171450">
+              <a:buFont typeface="Wingdings" panose="05000000000000000000" pitchFamily="2" charset="2"/>
+              <a:buChar char="§"/>
+            </a:pPr>
+            <a:r>
+              <a:rPr lang="ko-KR" altLang="en-US" sz="1200" dirty="0"/>
+              <a:t>버그 추적 팀</a:t>
+            </a:r>
+            <a:endParaRPr lang="en-US" altLang="ko-KR" sz="1200" dirty="0"/>
+          </a:p>
+          <a:p>
+            <a:pPr marL="171450" indent="-171450">
+              <a:buFont typeface="Wingdings" panose="05000000000000000000" pitchFamily="2" charset="2"/>
+              <a:buChar char="§"/>
+            </a:pPr>
+            <a:r>
+              <a:rPr lang="ko-KR" altLang="en-US" sz="1200" dirty="0"/>
+              <a:t>프로젝트 관리 팀</a:t>
+            </a:r>
+            <a:endParaRPr lang="en-US" altLang="ko-KR" sz="1200" dirty="0"/>
+          </a:p>
+          <a:p>
+            <a:pPr marL="171450" indent="-171450">
+              <a:buFont typeface="Wingdings" panose="05000000000000000000" pitchFamily="2" charset="2"/>
+              <a:buChar char="§"/>
+            </a:pPr>
+            <a:r>
+              <a:rPr lang="en-US" altLang="ko-KR" sz="1200" dirty="0"/>
+              <a:t>DevOps </a:t>
+            </a:r>
+            <a:r>
+              <a:rPr lang="ko-KR" altLang="en-US" sz="1200" dirty="0"/>
+              <a:t>팀</a:t>
+            </a:r>
+            <a:endParaRPr lang="en-US" altLang="ko-KR" sz="1200" dirty="0"/>
+          </a:p>
+          <a:p>
+            <a:pPr marL="171450" indent="-171450">
+              <a:buFont typeface="Wingdings" panose="05000000000000000000" pitchFamily="2" charset="2"/>
+              <a:buChar char="§"/>
+            </a:pPr>
+            <a:r>
+              <a:rPr lang="ko-KR" altLang="en-US" sz="1200" dirty="0"/>
+              <a:t>다양한 조직과 부서 </a:t>
+            </a:r>
+            <a:r>
+              <a:rPr lang="en-US" altLang="ko-KR" sz="1200" dirty="0"/>
+              <a:t>– IT </a:t>
+            </a:r>
+            <a:r>
+              <a:rPr lang="ko-KR" altLang="en-US" sz="1200" dirty="0"/>
+              <a:t>운영팀</a:t>
+            </a:r>
+            <a:r>
+              <a:rPr lang="en-US" altLang="ko-KR" sz="1200" dirty="0"/>
+              <a:t>, </a:t>
+            </a:r>
+            <a:r>
+              <a:rPr lang="ko-KR" altLang="en-US" sz="1200" dirty="0"/>
+              <a:t>마케팅</a:t>
+            </a:r>
+            <a:r>
+              <a:rPr lang="en-US" altLang="ko-KR" sz="1200" dirty="0"/>
+              <a:t>, HR </a:t>
+            </a:r>
+            <a:r>
+              <a:rPr lang="ko-KR" altLang="en-US" sz="1200" dirty="0"/>
+              <a:t>등</a:t>
+            </a:r>
+            <a:endParaRPr lang="en-US" altLang="ko-KR" sz="1200" dirty="0"/>
+          </a:p>
+          <a:p>
+            <a:pPr marL="171450" indent="-171450">
+              <a:buFont typeface="Wingdings" panose="05000000000000000000" pitchFamily="2" charset="2"/>
+              <a:buChar char="§"/>
+            </a:pPr>
+            <a:endParaRPr lang="en-US" altLang="ko-KR" sz="1200" dirty="0"/>
+          </a:p>
+          <a:p>
+            <a:r>
+              <a:rPr lang="ko-KR" altLang="en-US" sz="1200" dirty="0"/>
+              <a:t>사용 범위</a:t>
+            </a:r>
+            <a:endParaRPr lang="en-US" altLang="ko-KR" sz="1200" dirty="0"/>
+          </a:p>
+          <a:p>
+            <a:pPr marL="171450" indent="-171450">
+              <a:buFont typeface="Wingdings" panose="05000000000000000000" pitchFamily="2" charset="2"/>
+              <a:buChar char="§"/>
+            </a:pPr>
+            <a:r>
+              <a:rPr lang="ko-KR" altLang="en-US" sz="1200" b="0" i="0" dirty="0">
+                <a:solidFill>
+                  <a:srgbClr val="091E42"/>
+                </a:solidFill>
+                <a:effectLst/>
+                <a:latin typeface="Charlie Text"/>
+              </a:rPr>
+              <a:t>애자일 개발</a:t>
+            </a:r>
+            <a:r>
+              <a:rPr lang="en-US" altLang="ko-KR" sz="1200" b="0" i="0" dirty="0">
+                <a:solidFill>
+                  <a:srgbClr val="091E42"/>
+                </a:solidFill>
+                <a:effectLst/>
+                <a:latin typeface="Charlie Text"/>
+              </a:rPr>
+              <a:t>: </a:t>
+            </a:r>
+            <a:r>
+              <a:rPr lang="ko-KR" altLang="en-US" sz="1200" b="0" i="0" dirty="0">
+                <a:solidFill>
+                  <a:srgbClr val="091E42"/>
+                </a:solidFill>
+                <a:effectLst/>
+                <a:latin typeface="Charlie Text"/>
+              </a:rPr>
+              <a:t>스프린트 관리</a:t>
+            </a:r>
+            <a:r>
+              <a:rPr lang="en-US" altLang="ko-KR" sz="1200" b="0" i="0" dirty="0">
+                <a:solidFill>
+                  <a:srgbClr val="091E42"/>
+                </a:solidFill>
+                <a:effectLst/>
+                <a:latin typeface="Charlie Text"/>
+              </a:rPr>
+              <a:t>, </a:t>
+            </a:r>
+            <a:r>
+              <a:rPr lang="ko-KR" altLang="en-US" sz="1200" b="0" i="0" dirty="0" err="1">
+                <a:solidFill>
+                  <a:srgbClr val="091E42"/>
+                </a:solidFill>
+                <a:effectLst/>
+                <a:latin typeface="Charlie Text"/>
+              </a:rPr>
+              <a:t>백로그</a:t>
+            </a:r>
+            <a:r>
+              <a:rPr lang="ko-KR" altLang="en-US" sz="1200" b="0" i="0" dirty="0">
+                <a:solidFill>
+                  <a:srgbClr val="091E42"/>
+                </a:solidFill>
+                <a:effectLst/>
+                <a:latin typeface="Charlie Text"/>
+              </a:rPr>
+              <a:t> 정리</a:t>
+            </a:r>
+            <a:endParaRPr lang="en-US" altLang="ko-KR" sz="1200" b="0" i="0" dirty="0">
+              <a:solidFill>
+                <a:srgbClr val="091E42"/>
+              </a:solidFill>
+              <a:effectLst/>
+              <a:latin typeface="Charlie Text"/>
+            </a:endParaRPr>
+          </a:p>
+          <a:p>
+            <a:pPr marL="171450" indent="-171450">
+              <a:buFont typeface="Wingdings" panose="05000000000000000000" pitchFamily="2" charset="2"/>
+              <a:buChar char="§"/>
+            </a:pPr>
+            <a:r>
+              <a:rPr lang="ko-KR" altLang="en-US" sz="1200" dirty="0">
+                <a:solidFill>
+                  <a:srgbClr val="091E42"/>
+                </a:solidFill>
+                <a:latin typeface="Charlie Text"/>
+              </a:rPr>
+              <a:t>버그 추적 및 해결</a:t>
+            </a:r>
+            <a:endParaRPr lang="en-US" altLang="ko-KR" sz="1200" dirty="0">
+              <a:solidFill>
+                <a:srgbClr val="091E42"/>
+              </a:solidFill>
+              <a:latin typeface="Charlie Text"/>
+            </a:endParaRPr>
+          </a:p>
+          <a:p>
+            <a:pPr marL="171450" indent="-171450">
+              <a:buFont typeface="Wingdings" panose="05000000000000000000" pitchFamily="2" charset="2"/>
+              <a:buChar char="§"/>
+            </a:pPr>
+            <a:r>
+              <a:rPr lang="ko-KR" altLang="en-US" sz="1200" b="0" i="0" dirty="0" err="1">
+                <a:solidFill>
+                  <a:srgbClr val="091E42"/>
+                </a:solidFill>
+                <a:effectLst/>
+                <a:latin typeface="Charlie Text"/>
+              </a:rPr>
+              <a:t>비개발</a:t>
+            </a:r>
+            <a:r>
+              <a:rPr lang="ko-KR" altLang="en-US" sz="1200" b="0" i="0" dirty="0">
+                <a:solidFill>
+                  <a:srgbClr val="091E42"/>
+                </a:solidFill>
+                <a:effectLst/>
+                <a:latin typeface="Charlie Text"/>
+              </a:rPr>
+              <a:t> 프로젝트의 워크플로우 관리</a:t>
+            </a:r>
+            <a:endParaRPr lang="en-US" altLang="ko-KR" sz="1200" b="0" i="0" dirty="0">
+              <a:solidFill>
+                <a:srgbClr val="091E42"/>
+              </a:solidFill>
+              <a:effectLst/>
+              <a:latin typeface="Charlie Text"/>
+            </a:endParaRPr>
+          </a:p>
+          <a:p>
+            <a:endParaRPr lang="en-US" altLang="ko-KR" sz="1200" b="0" i="0" dirty="0">
+              <a:solidFill>
+                <a:srgbClr val="091E42"/>
+              </a:solidFill>
+              <a:effectLst/>
+              <a:latin typeface="Charlie Text"/>
+            </a:endParaRPr>
+          </a:p>
+          <a:p>
+            <a:r>
+              <a:rPr lang="ko-KR" altLang="en-US" sz="1200" dirty="0">
+                <a:solidFill>
+                  <a:srgbClr val="091E42"/>
+                </a:solidFill>
+                <a:latin typeface="Charlie Text"/>
+              </a:rPr>
+              <a:t>사용 현황</a:t>
+            </a:r>
+            <a:endParaRPr lang="en-US" altLang="ko-KR" sz="1200" dirty="0">
+              <a:solidFill>
+                <a:srgbClr val="091E42"/>
+              </a:solidFill>
+              <a:latin typeface="Charlie Text"/>
+            </a:endParaRPr>
+          </a:p>
+          <a:p>
+            <a:pPr marL="171450" indent="-171450">
+              <a:buFont typeface="Wingdings" panose="05000000000000000000" pitchFamily="2" charset="2"/>
+              <a:buChar char="§"/>
+            </a:pPr>
+            <a:r>
+              <a:rPr lang="en-US" altLang="ko-KR" sz="1200" dirty="0">
+                <a:solidFill>
+                  <a:srgbClr val="091E42"/>
+                </a:solidFill>
+                <a:latin typeface="Charlie Text"/>
+              </a:rPr>
+              <a:t>190</a:t>
+            </a:r>
+            <a:r>
+              <a:rPr lang="ko-KR" altLang="en-US" sz="1200" dirty="0">
+                <a:solidFill>
+                  <a:srgbClr val="091E42"/>
+                </a:solidFill>
+                <a:latin typeface="Charlie Text"/>
+              </a:rPr>
+              <a:t>개 이상의 국가에서 수백만 명의 사용자가 활용</a:t>
+            </a:r>
+            <a:endParaRPr lang="en-US" altLang="ko-KR" sz="1200" dirty="0">
+              <a:solidFill>
+                <a:srgbClr val="091E42"/>
+              </a:solidFill>
+              <a:latin typeface="Charlie Text"/>
+            </a:endParaRPr>
+          </a:p>
+          <a:p>
+            <a:pPr marL="171450" indent="-171450">
+              <a:buFont typeface="Wingdings" panose="05000000000000000000" pitchFamily="2" charset="2"/>
+              <a:buChar char="§"/>
+            </a:pPr>
+            <a:r>
+              <a:rPr lang="en-US" altLang="ko-KR" sz="1200" dirty="0">
+                <a:solidFill>
+                  <a:srgbClr val="091E42"/>
+                </a:solidFill>
+                <a:latin typeface="Charlie Text"/>
+              </a:rPr>
+              <a:t>100,000</a:t>
+            </a:r>
+            <a:r>
+              <a:rPr lang="ko-KR" altLang="en-US" sz="1200" dirty="0">
+                <a:solidFill>
+                  <a:srgbClr val="091E42"/>
+                </a:solidFill>
+                <a:latin typeface="Charlie Text"/>
+              </a:rPr>
+              <a:t>개 이상의 조직이 </a:t>
+            </a:r>
+            <a:r>
+              <a:rPr lang="en-US" altLang="ko-KR" sz="1200" dirty="0">
+                <a:solidFill>
+                  <a:srgbClr val="091E42"/>
+                </a:solidFill>
+                <a:latin typeface="Charlie Text"/>
+              </a:rPr>
+              <a:t>JIRA</a:t>
+            </a:r>
+            <a:r>
+              <a:rPr lang="ko-KR" altLang="en-US" sz="1200" dirty="0">
+                <a:solidFill>
+                  <a:srgbClr val="091E42"/>
+                </a:solidFill>
+                <a:latin typeface="Charlie Text"/>
+              </a:rPr>
+              <a:t> 도입</a:t>
+            </a:r>
+            <a:endParaRPr lang="en-US" altLang="ko-KR" sz="1200" dirty="0">
+              <a:solidFill>
+                <a:srgbClr val="091E42"/>
+              </a:solidFill>
+              <a:latin typeface="Charlie Text"/>
+            </a:endParaRPr>
+          </a:p>
+        </p:txBody>
+      </p:sp>
+      <p:pic>
+        <p:nvPicPr>
+          <p:cNvPr id="18" name="그림 17">
+            <a:extLst>
+              <a:ext uri="{FF2B5EF4-FFF2-40B4-BE49-F238E27FC236}">
+                <a16:creationId xmlns:a16="http://schemas.microsoft.com/office/drawing/2014/main" id="{040EED96-8A60-8E6C-EF02-7C396EA75A6B}"/>
+              </a:ext>
+            </a:extLst>
+          </p:cNvPr>
+          <p:cNvPicPr>
+            <a:picLocks noChangeAspect="1"/>
+          </p:cNvPicPr>
+          <p:nvPr/>
+        </p:nvPicPr>
+        <p:blipFill>
+          <a:blip r:embed="rId2"/>
+          <a:stretch>
+            <a:fillRect/>
+          </a:stretch>
+        </p:blipFill>
+        <p:spPr>
+          <a:xfrm>
+            <a:off x="6531427" y="1014462"/>
+            <a:ext cx="4443243" cy="2579490"/>
+          </a:xfrm>
+          <a:prstGeom prst="rect">
+            <a:avLst/>
+          </a:prstGeom>
+        </p:spPr>
+      </p:pic>
+      <p:pic>
+        <p:nvPicPr>
+          <p:cNvPr id="19" name="그림 18">
+            <a:extLst>
+              <a:ext uri="{FF2B5EF4-FFF2-40B4-BE49-F238E27FC236}">
+                <a16:creationId xmlns:a16="http://schemas.microsoft.com/office/drawing/2014/main" id="{78609844-1231-9FB3-300C-C0E7A8AC10BA}"/>
+              </a:ext>
+            </a:extLst>
+          </p:cNvPr>
+          <p:cNvPicPr>
+            <a:picLocks noChangeAspect="1"/>
+          </p:cNvPicPr>
+          <p:nvPr/>
+        </p:nvPicPr>
+        <p:blipFill>
+          <a:blip r:embed="rId3"/>
+          <a:stretch>
+            <a:fillRect/>
+          </a:stretch>
+        </p:blipFill>
+        <p:spPr>
+          <a:xfrm>
+            <a:off x="3475553" y="1201783"/>
+            <a:ext cx="3097817" cy="2597113"/>
+          </a:xfrm>
+          <a:prstGeom prst="rect">
+            <a:avLst/>
+          </a:prstGeom>
+        </p:spPr>
+      </p:pic>
+      <p:pic>
+        <p:nvPicPr>
+          <p:cNvPr id="23" name="그림 22" descr="텍스트, 스크린샷, 폰트, 번호이(가) 표시된 사진&#10;&#10;자동 생성된 설명">
+            <a:extLst>
+              <a:ext uri="{FF2B5EF4-FFF2-40B4-BE49-F238E27FC236}">
+                <a16:creationId xmlns:a16="http://schemas.microsoft.com/office/drawing/2014/main" id="{3AC5657E-46BA-8D52-75D6-BEF3E63CDF81}"/>
+              </a:ext>
+            </a:extLst>
+          </p:cNvPr>
+          <p:cNvPicPr>
+            <a:picLocks noChangeAspect="1"/>
+          </p:cNvPicPr>
+          <p:nvPr/>
+        </p:nvPicPr>
+        <p:blipFill>
+          <a:blip r:embed="rId4" cstate="print">
+            <a:extLst>
+              <a:ext uri="{28A0092B-C50C-407E-A947-70E740481C1C}">
+                <a14:useLocalDpi xmlns:a14="http://schemas.microsoft.com/office/drawing/2010/main" val="0"/>
+              </a:ext>
+            </a:extLst>
+          </a:blip>
+          <a:stretch>
+            <a:fillRect/>
+          </a:stretch>
+        </p:blipFill>
+        <p:spPr>
+          <a:xfrm>
+            <a:off x="6531427" y="3637049"/>
+            <a:ext cx="4145282" cy="2756613"/>
+          </a:xfrm>
+          <a:prstGeom prst="rect">
+            <a:avLst/>
+          </a:prstGeom>
+        </p:spPr>
+      </p:pic>
+      <p:sp>
+        <p:nvSpPr>
+          <p:cNvPr id="24" name="TextBox 23">
+            <a:extLst>
+              <a:ext uri="{FF2B5EF4-FFF2-40B4-BE49-F238E27FC236}">
+                <a16:creationId xmlns:a16="http://schemas.microsoft.com/office/drawing/2014/main" id="{CC61A5C3-D741-45EB-8CE4-9AACA10D5BFB}"/>
+              </a:ext>
+            </a:extLst>
+          </p:cNvPr>
+          <p:cNvSpPr txBox="1"/>
+          <p:nvPr/>
+        </p:nvSpPr>
+        <p:spPr>
+          <a:xfrm>
+            <a:off x="6897188" y="6205927"/>
+            <a:ext cx="3413760" cy="230832"/>
+          </a:xfrm>
+          <a:prstGeom prst="rect">
+            <a:avLst/>
+          </a:prstGeom>
+          <a:noFill/>
+        </p:spPr>
+        <p:txBody>
+          <a:bodyPr wrap="square" rtlCol="0">
+            <a:spAutoFit/>
+          </a:bodyPr>
+          <a:lstStyle/>
+          <a:p>
+            <a:pPr algn="ctr"/>
+            <a:r>
+              <a:rPr lang="en-US" altLang="ko-KR" sz="900" dirty="0"/>
+              <a:t>2024</a:t>
+            </a:r>
+            <a:r>
+              <a:rPr lang="ko-KR" altLang="en-US" sz="900" dirty="0"/>
+              <a:t>년 기준 애자일 프로젝트 도구 점유율</a:t>
+            </a:r>
+          </a:p>
+        </p:txBody>
+      </p:sp>
     </p:spTree>
     <p:extLst>
       <p:ext uri="{BB962C8B-B14F-4D97-AF65-F5344CB8AC3E}">
-        <p14:creationId xmlns:p14="http://schemas.microsoft.com/office/powerpoint/2010/main" val="54099967"/>
+        <p14:creationId xmlns:p14="http://schemas.microsoft.com/office/powerpoint/2010/main" val="3315131345"/>
       </p:ext>
     </p:extLst>
   </p:cSld>
@@ -13249,7 +12811,507 @@
 </p:sld>
 </file>
 
-<file path=ppt/slides/slide4.xml><?xml version="1.0" encoding="utf-8"?>
+<file path=ppt/slides/slide5.xml><?xml version="1.0" encoding="utf-8"?>
+<p:sld xmlns:a="http://schemas.openxmlformats.org/drawingml/2006/main" xmlns:r="http://schemas.openxmlformats.org/officeDocument/2006/relationships" xmlns:p="http://schemas.openxmlformats.org/presentationml/2006/main">
+  <p:cSld>
+    <p:spTree>
+      <p:nvGrpSpPr>
+        <p:cNvPr id="1" name="">
+          <a:extLst>
+            <a:ext uri="{FF2B5EF4-FFF2-40B4-BE49-F238E27FC236}">
+              <a16:creationId xmlns:a16="http://schemas.microsoft.com/office/drawing/2014/main" id="{62A3C442-78CB-CA3E-A489-09C89EA69C6F}"/>
+            </a:ext>
+          </a:extLst>
+        </p:cNvPr>
+        <p:cNvGrpSpPr/>
+        <p:nvPr/>
+      </p:nvGrpSpPr>
+      <p:grpSpPr>
+        <a:xfrm>
+          <a:off x="0" y="0"/>
+          <a:ext cx="0" cy="0"/>
+          <a:chOff x="0" y="0"/>
+          <a:chExt cx="0" cy="0"/>
+        </a:xfrm>
+      </p:grpSpPr>
+      <p:sp>
+        <p:nvSpPr>
+          <p:cNvPr id="2" name="제목 1">
+            <a:extLst>
+              <a:ext uri="{FF2B5EF4-FFF2-40B4-BE49-F238E27FC236}">
+                <a16:creationId xmlns:a16="http://schemas.microsoft.com/office/drawing/2014/main" id="{28CF9D09-EC5B-D3FB-A9AE-D981FD34B1E5}"/>
+              </a:ext>
+            </a:extLst>
+          </p:cNvPr>
+          <p:cNvSpPr>
+            <a:spLocks noGrp="1"/>
+          </p:cNvSpPr>
+          <p:nvPr>
+            <p:ph type="title"/>
+          </p:nvPr>
+        </p:nvSpPr>
+        <p:spPr/>
+        <p:txBody>
+          <a:bodyPr/>
+          <a:lstStyle/>
+          <a:p>
+            <a:r>
+              <a:rPr lang="en-US" altLang="ko-KR" dirty="0"/>
+              <a:t>1. JIRA</a:t>
+            </a:r>
+            <a:r>
+              <a:rPr lang="ko-KR" altLang="en-US" dirty="0"/>
+              <a:t>란 무엇인가</a:t>
+            </a:r>
+            <a:r>
+              <a:rPr lang="en-US" altLang="ko-KR" dirty="0"/>
+              <a:t>?</a:t>
+            </a:r>
+            <a:endParaRPr lang="ko-KR" altLang="en-US" dirty="0"/>
+          </a:p>
+        </p:txBody>
+      </p:sp>
+      <p:sp>
+        <p:nvSpPr>
+          <p:cNvPr id="3" name="AutoShape 7">
+            <a:extLst>
+              <a:ext uri="{FF2B5EF4-FFF2-40B4-BE49-F238E27FC236}">
+                <a16:creationId xmlns:a16="http://schemas.microsoft.com/office/drawing/2014/main" id="{B2944F7B-7AA1-0100-7D57-558E502F338C}"/>
+              </a:ext>
+            </a:extLst>
+          </p:cNvPr>
+          <p:cNvSpPr>
+            <a:spLocks noChangeArrowheads="1"/>
+          </p:cNvSpPr>
+          <p:nvPr/>
+        </p:nvSpPr>
+        <p:spPr bwMode="auto">
+          <a:xfrm>
+            <a:off x="139699" y="971365"/>
+            <a:ext cx="11767672" cy="5481971"/>
+          </a:xfrm>
+          <a:prstGeom prst="roundRect">
+            <a:avLst>
+              <a:gd name="adj" fmla="val 1278"/>
+            </a:avLst>
+          </a:prstGeom>
+          <a:noFill/>
+          <a:ln w="12700" cap="flat" cmpd="sng" algn="ctr">
+            <a:solidFill>
+              <a:srgbClr val="A0A0A0"/>
+            </a:solidFill>
+            <a:prstDash val="solid"/>
+            <a:headEnd/>
+            <a:tailEnd/>
+          </a:ln>
+          <a:effectLst/>
+        </p:spPr>
+        <p:txBody>
+          <a:bodyPr wrap="none" tIns="0" bIns="0"/>
+          <a:lstStyle/>
+          <a:p>
+            <a:pPr eaLnBrk="0" fontAlgn="auto" latinLnBrk="0" hangingPunct="0">
+              <a:spcBef>
+                <a:spcPts val="0"/>
+              </a:spcBef>
+              <a:spcAft>
+                <a:spcPts val="0"/>
+              </a:spcAft>
+              <a:defRPr/>
+            </a:pPr>
+            <a:endParaRPr kumimoji="0" lang="ko-KR" altLang="en-US" kern="0" dirty="0">
+              <a:latin typeface="HY견고딕" pitchFamily="18" charset="-127"/>
+              <a:ea typeface="HY견고딕" pitchFamily="18" charset="-127"/>
+            </a:endParaRPr>
+          </a:p>
+        </p:txBody>
+      </p:sp>
+      <p:sp>
+        <p:nvSpPr>
+          <p:cNvPr id="4" name="TextBox 3">
+            <a:extLst>
+              <a:ext uri="{FF2B5EF4-FFF2-40B4-BE49-F238E27FC236}">
+                <a16:creationId xmlns:a16="http://schemas.microsoft.com/office/drawing/2014/main" id="{46F07E80-0544-4BCD-4DD9-7F256E5BEE2C}"/>
+              </a:ext>
+            </a:extLst>
+          </p:cNvPr>
+          <p:cNvSpPr txBox="1"/>
+          <p:nvPr/>
+        </p:nvSpPr>
+        <p:spPr>
+          <a:xfrm>
+            <a:off x="139699" y="1114697"/>
+            <a:ext cx="11767672" cy="3416320"/>
+          </a:xfrm>
+          <a:prstGeom prst="rect">
+            <a:avLst/>
+          </a:prstGeom>
+          <a:noFill/>
+        </p:spPr>
+        <p:txBody>
+          <a:bodyPr wrap="square" rtlCol="0">
+            <a:spAutoFit/>
+          </a:bodyPr>
+          <a:lstStyle/>
+          <a:p>
+            <a:r>
+              <a:rPr lang="ko-KR" altLang="en-US" sz="1200" dirty="0"/>
+              <a:t>장점</a:t>
+            </a:r>
+            <a:endParaRPr lang="en-US" altLang="ko-KR" sz="1200" dirty="0"/>
+          </a:p>
+          <a:p>
+            <a:pPr marL="171450" indent="-171450">
+              <a:buFont typeface="Wingdings" panose="05000000000000000000" pitchFamily="2" charset="2"/>
+              <a:buChar char="§"/>
+            </a:pPr>
+            <a:r>
+              <a:rPr lang="ko-KR" altLang="en-US" sz="1200" dirty="0"/>
+              <a:t>다양한 </a:t>
+            </a:r>
+            <a:r>
+              <a:rPr lang="ko-KR" altLang="en-US" sz="1200" dirty="0" err="1"/>
+              <a:t>프로그인과</a:t>
+            </a:r>
+            <a:r>
+              <a:rPr lang="ko-KR" altLang="en-US" sz="1200" dirty="0"/>
+              <a:t> 확장성</a:t>
+            </a:r>
+            <a:r>
+              <a:rPr lang="en-US" altLang="ko-KR" sz="1200" dirty="0"/>
+              <a:t>: Confluence, Bitbucket, bamboo </a:t>
+            </a:r>
+            <a:r>
+              <a:rPr lang="ko-KR" altLang="en-US" sz="1200" dirty="0"/>
+              <a:t>등</a:t>
+            </a:r>
+            <a:endParaRPr lang="en-US" altLang="ko-KR" sz="1200" dirty="0"/>
+          </a:p>
+          <a:p>
+            <a:pPr marL="171450" indent="-171450">
+              <a:buFont typeface="Wingdings" panose="05000000000000000000" pitchFamily="2" charset="2"/>
+              <a:buChar char="§"/>
+            </a:pPr>
+            <a:r>
+              <a:rPr lang="ko-KR" altLang="en-US" sz="1200" dirty="0"/>
+              <a:t>유연한 워크플로우 설계</a:t>
+            </a:r>
+            <a:r>
+              <a:rPr lang="en-US" altLang="ko-KR" sz="1200" dirty="0"/>
+              <a:t>: </a:t>
+            </a:r>
+            <a:r>
+              <a:rPr lang="ko-KR" altLang="en-US" sz="1200" dirty="0"/>
+              <a:t>팀에 맞춘 커스터마이징 가능</a:t>
+            </a:r>
+            <a:r>
+              <a:rPr lang="en-US" altLang="ko-KR" sz="1200" dirty="0"/>
+              <a:t>.</a:t>
+            </a:r>
+          </a:p>
+          <a:p>
+            <a:pPr marL="171450" indent="-171450">
+              <a:buFont typeface="Wingdings" panose="05000000000000000000" pitchFamily="2" charset="2"/>
+              <a:buChar char="§"/>
+            </a:pPr>
+            <a:r>
+              <a:rPr lang="ko-KR" altLang="en-US" sz="1200" dirty="0"/>
+              <a:t>강력한 리포팅 기능</a:t>
+            </a:r>
+            <a:r>
+              <a:rPr lang="en-US" altLang="ko-KR" sz="1200" dirty="0"/>
+              <a:t>: </a:t>
+            </a:r>
+            <a:r>
+              <a:rPr lang="ko-KR" altLang="en-US" sz="1200" dirty="0"/>
+              <a:t>작업 추적 및 성과 분석 지원</a:t>
+            </a:r>
+            <a:endParaRPr lang="en-US" altLang="ko-KR" sz="1200" dirty="0"/>
+          </a:p>
+          <a:p>
+            <a:pPr marL="171450" indent="-171450">
+              <a:buFont typeface="Wingdings" panose="05000000000000000000" pitchFamily="2" charset="2"/>
+              <a:buChar char="§"/>
+            </a:pPr>
+            <a:r>
+              <a:rPr lang="ko-KR" altLang="en-US" sz="1200" dirty="0"/>
+              <a:t>클라우드 및 </a:t>
+            </a:r>
+            <a:r>
+              <a:rPr lang="ko-KR" altLang="en-US" sz="1200" dirty="0" err="1"/>
+              <a:t>온프레미스</a:t>
+            </a:r>
+            <a:r>
+              <a:rPr lang="ko-KR" altLang="en-US" sz="1200" dirty="0"/>
+              <a:t> 옵션 제공</a:t>
+            </a:r>
+            <a:endParaRPr lang="en-US" altLang="ko-KR" sz="1200" dirty="0"/>
+          </a:p>
+          <a:p>
+            <a:pPr marL="171450" indent="-171450">
+              <a:buFont typeface="Wingdings" panose="05000000000000000000" pitchFamily="2" charset="2"/>
+              <a:buChar char="§"/>
+            </a:pPr>
+            <a:r>
+              <a:rPr lang="ko-KR" altLang="en-US" sz="1200" dirty="0"/>
+              <a:t>통합 관리</a:t>
+            </a:r>
+            <a:r>
+              <a:rPr lang="en-US" altLang="ko-KR" sz="1200" dirty="0"/>
+              <a:t>: GitHub, GitLab, Bitbucket </a:t>
+            </a:r>
+            <a:r>
+              <a:rPr lang="ko-KR" altLang="en-US" sz="1200" dirty="0"/>
+              <a:t>등 버전 관리 시스템과 연결</a:t>
+            </a:r>
+            <a:r>
+              <a:rPr lang="en-US" altLang="ko-KR" sz="1200" dirty="0"/>
+              <a:t>. Slack, Microsoft Teams</a:t>
+            </a:r>
+            <a:r>
+              <a:rPr lang="ko-KR" altLang="en-US" sz="1200" dirty="0"/>
+              <a:t>와의 알림 통합</a:t>
+            </a:r>
+            <a:r>
+              <a:rPr lang="en-US" altLang="ko-KR" sz="1200" dirty="0"/>
+              <a:t>.</a:t>
+            </a:r>
+          </a:p>
+          <a:p>
+            <a:endParaRPr lang="en-US" altLang="ko-KR" sz="1200" dirty="0">
+              <a:solidFill>
+                <a:srgbClr val="091E42"/>
+              </a:solidFill>
+              <a:latin typeface="Charlie Text"/>
+            </a:endParaRPr>
+          </a:p>
+          <a:p>
+            <a:r>
+              <a:rPr lang="ko-KR" altLang="en-US" sz="1200" dirty="0">
+                <a:solidFill>
+                  <a:srgbClr val="091E42"/>
+                </a:solidFill>
+                <a:latin typeface="Charlie Text"/>
+              </a:rPr>
+              <a:t>단점</a:t>
+            </a:r>
+            <a:endParaRPr lang="en-US" altLang="ko-KR" sz="1200" dirty="0">
+              <a:solidFill>
+                <a:srgbClr val="091E42"/>
+              </a:solidFill>
+              <a:latin typeface="Charlie Text"/>
+            </a:endParaRPr>
+          </a:p>
+          <a:p>
+            <a:pPr marL="171450" indent="-171450">
+              <a:buFont typeface="Wingdings" panose="05000000000000000000" pitchFamily="2" charset="2"/>
+              <a:buChar char="§"/>
+            </a:pPr>
+            <a:r>
+              <a:rPr lang="ko-KR" altLang="en-US" sz="1200" dirty="0">
+                <a:solidFill>
+                  <a:srgbClr val="091E42"/>
+                </a:solidFill>
+                <a:latin typeface="Charlie Text"/>
+              </a:rPr>
+              <a:t>초기 설정 복잡성</a:t>
+            </a:r>
+            <a:r>
+              <a:rPr lang="en-US" altLang="ko-KR" sz="1200" dirty="0">
+                <a:solidFill>
+                  <a:srgbClr val="091E42"/>
+                </a:solidFill>
+                <a:latin typeface="Charlie Text"/>
+              </a:rPr>
+              <a:t>: </a:t>
+            </a:r>
+            <a:r>
+              <a:rPr lang="ko-KR" altLang="en-US" sz="1200" dirty="0">
+                <a:solidFill>
+                  <a:srgbClr val="091E42"/>
+                </a:solidFill>
+                <a:latin typeface="Charlie Text"/>
+              </a:rPr>
+              <a:t>학습 곡선이 높음</a:t>
+            </a:r>
+            <a:endParaRPr lang="en-US" altLang="ko-KR" sz="1200" dirty="0">
+              <a:solidFill>
+                <a:srgbClr val="091E42"/>
+              </a:solidFill>
+              <a:latin typeface="Charlie Text"/>
+            </a:endParaRPr>
+          </a:p>
+          <a:p>
+            <a:pPr marL="171450" indent="-171450">
+              <a:buFont typeface="Wingdings" panose="05000000000000000000" pitchFamily="2" charset="2"/>
+              <a:buChar char="§"/>
+            </a:pPr>
+            <a:r>
+              <a:rPr lang="ko-KR" altLang="en-US" sz="1200" dirty="0">
+                <a:solidFill>
+                  <a:srgbClr val="091E42"/>
+                </a:solidFill>
+                <a:latin typeface="Charlie Text"/>
+              </a:rPr>
+              <a:t>비용</a:t>
+            </a:r>
+            <a:endParaRPr lang="en-US" altLang="ko-KR" sz="1200" dirty="0">
+              <a:solidFill>
+                <a:srgbClr val="091E42"/>
+              </a:solidFill>
+              <a:latin typeface="Charlie Text"/>
+            </a:endParaRPr>
+          </a:p>
+          <a:p>
+            <a:pPr marL="171450" indent="-171450">
+              <a:buFont typeface="Wingdings" panose="05000000000000000000" pitchFamily="2" charset="2"/>
+              <a:buChar char="§"/>
+            </a:pPr>
+            <a:r>
+              <a:rPr lang="ko-KR" altLang="en-US" sz="1200" dirty="0">
+                <a:solidFill>
+                  <a:srgbClr val="091E42"/>
+                </a:solidFill>
+                <a:latin typeface="Charlie Text"/>
+              </a:rPr>
+              <a:t>사용 도구 간 중복 가능성</a:t>
+            </a:r>
+            <a:endParaRPr lang="en-US" altLang="ko-KR" sz="1200" dirty="0">
+              <a:solidFill>
+                <a:srgbClr val="091E42"/>
+              </a:solidFill>
+              <a:latin typeface="Charlie Text"/>
+            </a:endParaRPr>
+          </a:p>
+          <a:p>
+            <a:pPr marL="171450" indent="-171450">
+              <a:buFont typeface="Wingdings" panose="05000000000000000000" pitchFamily="2" charset="2"/>
+              <a:buChar char="§"/>
+            </a:pPr>
+            <a:endParaRPr lang="en-US" altLang="ko-KR" sz="1200" dirty="0">
+              <a:solidFill>
+                <a:srgbClr val="091E42"/>
+              </a:solidFill>
+              <a:latin typeface="Charlie Text"/>
+            </a:endParaRPr>
+          </a:p>
+          <a:p>
+            <a:r>
+              <a:rPr lang="ko-KR" altLang="en-US" sz="1200" dirty="0">
+                <a:solidFill>
+                  <a:srgbClr val="091E42"/>
+                </a:solidFill>
+                <a:latin typeface="Charlie Text"/>
+              </a:rPr>
+              <a:t>유사한 </a:t>
+            </a:r>
+            <a:r>
+              <a:rPr lang="en-US" altLang="ko-KR" sz="1200" dirty="0">
+                <a:solidFill>
+                  <a:srgbClr val="091E42"/>
+                </a:solidFill>
+                <a:latin typeface="Charlie Text"/>
+              </a:rPr>
+              <a:t>tool</a:t>
+            </a:r>
+          </a:p>
+          <a:p>
+            <a:pPr marL="171450" indent="-171450">
+              <a:buFont typeface="Wingdings" panose="05000000000000000000" pitchFamily="2" charset="2"/>
+              <a:buChar char="§"/>
+            </a:pPr>
+            <a:r>
+              <a:rPr lang="en-US" altLang="ko-KR" sz="1200" dirty="0"/>
+              <a:t>Asana</a:t>
+            </a:r>
+          </a:p>
+          <a:p>
+            <a:pPr marL="171450" indent="-171450">
+              <a:buFont typeface="Wingdings" panose="05000000000000000000" pitchFamily="2" charset="2"/>
+              <a:buChar char="§"/>
+            </a:pPr>
+            <a:r>
+              <a:rPr lang="en-US" altLang="ko-KR" sz="1200" dirty="0"/>
+              <a:t>Trello</a:t>
+            </a:r>
+          </a:p>
+          <a:p>
+            <a:pPr marL="171450" indent="-171450">
+              <a:buFont typeface="Wingdings" panose="05000000000000000000" pitchFamily="2" charset="2"/>
+              <a:buChar char="§"/>
+            </a:pPr>
+            <a:r>
+              <a:rPr lang="en-US" altLang="ko-KR" sz="1200" dirty="0"/>
+              <a:t>Azure DevOps</a:t>
+            </a:r>
+          </a:p>
+          <a:p>
+            <a:pPr marL="171450" indent="-171450">
+              <a:buFont typeface="Wingdings" panose="05000000000000000000" pitchFamily="2" charset="2"/>
+              <a:buChar char="§"/>
+            </a:pPr>
+            <a:r>
+              <a:rPr lang="en-US" altLang="ko-KR" sz="1200" dirty="0"/>
+              <a:t>Monday.com</a:t>
+            </a:r>
+          </a:p>
+          <a:p>
+            <a:pPr marL="171450" indent="-171450">
+              <a:buFont typeface="Wingdings" panose="05000000000000000000" pitchFamily="2" charset="2"/>
+              <a:buChar char="§"/>
+            </a:pPr>
+            <a:r>
+              <a:rPr lang="en-US" altLang="ko-KR" sz="1200" dirty="0" err="1"/>
+              <a:t>ClickUp</a:t>
+            </a:r>
+            <a:endParaRPr lang="ko-KR" altLang="en-US" sz="1200" dirty="0"/>
+          </a:p>
+        </p:txBody>
+      </p:sp>
+      <p:pic>
+        <p:nvPicPr>
+          <p:cNvPr id="6" name="그림 5">
+            <a:extLst>
+              <a:ext uri="{FF2B5EF4-FFF2-40B4-BE49-F238E27FC236}">
+                <a16:creationId xmlns:a16="http://schemas.microsoft.com/office/drawing/2014/main" id="{DE94CAB0-7650-DED7-A58E-C761E30BB93E}"/>
+              </a:ext>
+            </a:extLst>
+          </p:cNvPr>
+          <p:cNvPicPr>
+            <a:picLocks noChangeAspect="1"/>
+          </p:cNvPicPr>
+          <p:nvPr/>
+        </p:nvPicPr>
+        <p:blipFill>
+          <a:blip r:embed="rId2"/>
+          <a:stretch>
+            <a:fillRect/>
+          </a:stretch>
+        </p:blipFill>
+        <p:spPr>
+          <a:xfrm>
+            <a:off x="4041028" y="2824947"/>
+            <a:ext cx="6972299" cy="3416319"/>
+          </a:xfrm>
+          <a:prstGeom prst="rect">
+            <a:avLst/>
+          </a:prstGeom>
+        </p:spPr>
+      </p:pic>
+    </p:spTree>
+    <p:extLst>
+      <p:ext uri="{BB962C8B-B14F-4D97-AF65-F5344CB8AC3E}">
+        <p14:creationId xmlns:p14="http://schemas.microsoft.com/office/powerpoint/2010/main" val="3083674737"/>
+      </p:ext>
+    </p:extLst>
+  </p:cSld>
+  <p:clrMapOvr>
+    <a:masterClrMapping/>
+  </p:clrMapOvr>
+</p:sld>
+</file>
+
+<file path=ppt/slides/slide6.xml><?xml version="1.0" encoding="utf-8"?>
 <p:sld xmlns:a="http://schemas.openxmlformats.org/drawingml/2006/main" xmlns:r="http://schemas.openxmlformats.org/officeDocument/2006/relationships" xmlns:p="http://schemas.openxmlformats.org/presentationml/2006/main">
   <p:cSld>
     <p:spTree>
@@ -13295,7 +13357,7 @@
           <a:p>
             <a:r>
               <a:rPr lang="en-US" altLang="ko-KR" dirty="0"/>
-              <a:t>1. JIRA </a:t>
+              <a:t>2. JIRA </a:t>
             </a:r>
             <a:r>
               <a:rPr lang="ko-KR" altLang="en-US" dirty="0"/>
@@ -14694,7 +14756,7 @@
 </p:sld>
 </file>
 
-<file path=ppt/slides/slide5.xml><?xml version="1.0" encoding="utf-8"?>
+<file path=ppt/slides/slide7.xml><?xml version="1.0" encoding="utf-8"?>
 <p:sld xmlns:a="http://schemas.openxmlformats.org/drawingml/2006/main" xmlns:r="http://schemas.openxmlformats.org/officeDocument/2006/relationships" xmlns:p="http://schemas.openxmlformats.org/presentationml/2006/main">
   <p:cSld>
     <p:spTree>
@@ -14728,7 +14790,7 @@
           <a:p>
             <a:r>
               <a:rPr lang="en-US" altLang="ko-KR" dirty="0"/>
-              <a:t>2. </a:t>
+              <a:t>3. </a:t>
             </a:r>
             <a:r>
               <a:rPr lang="ko-KR" altLang="en-US" dirty="0"/>
@@ -16210,7 +16272,7 @@
 </p:sld>
 </file>
 
-<file path=ppt/slides/slide6.xml><?xml version="1.0" encoding="utf-8"?>
+<file path=ppt/slides/slide8.xml><?xml version="1.0" encoding="utf-8"?>
 <p:sld xmlns:a="http://schemas.openxmlformats.org/drawingml/2006/main" xmlns:r="http://schemas.openxmlformats.org/officeDocument/2006/relationships" xmlns:p="http://schemas.openxmlformats.org/presentationml/2006/main">
   <p:cSld>
     <p:spTree>
@@ -16244,7 +16306,7 @@
           <a:p>
             <a:r>
               <a:rPr lang="en-US" altLang="ko-KR" dirty="0"/>
-              <a:t>3. JIRA</a:t>
+              <a:t>4. JIRA</a:t>
             </a:r>
             <a:r>
               <a:rPr lang="ko-KR" altLang="en-US" dirty="0"/>
@@ -16331,7 +16393,7 @@
         <p:spPr>
           <a:xfrm>
             <a:off x="139699" y="1114697"/>
-            <a:ext cx="11767672" cy="4678204"/>
+            <a:ext cx="11767672" cy="5016758"/>
           </a:xfrm>
           <a:prstGeom prst="rect">
             <a:avLst/>
@@ -17048,6 +17110,31 @@
               </a:rPr>
               <a:t>업무 진행</a:t>
             </a:r>
+          </a:p>
+          <a:p>
+            <a:pPr algn="l" fontAlgn="base">
+              <a:spcAft>
+                <a:spcPts val="1200"/>
+              </a:spcAft>
+            </a:pPr>
+            <a:r>
+              <a:rPr lang="en-US" altLang="ko-KR" sz="1200" b="0" i="0" dirty="0">
+                <a:solidFill>
+                  <a:srgbClr val="253858"/>
+                </a:solidFill>
+                <a:effectLst/>
+                <a:latin typeface="Charlie Display"/>
+                <a:hlinkClick r:id="rId3"/>
+              </a:rPr>
+              <a:t>https://kangsanggu74-1728864701657.atlassian.net/jira/your-work</a:t>
+            </a:r>
+            <a:endParaRPr lang="en-US" altLang="ko-KR" sz="1200" b="0" i="0" dirty="0">
+              <a:solidFill>
+                <a:srgbClr val="253858"/>
+              </a:solidFill>
+              <a:effectLst/>
+              <a:latin typeface="Charlie Display"/>
+            </a:endParaRPr>
           </a:p>
           <a:p>
             <a:pPr algn="l" fontAlgn="base">
@@ -17078,7 +17165,7 @@
 </p:sld>
 </file>
 
-<file path=ppt/slides/slide7.xml><?xml version="1.0" encoding="utf-8"?>
+<file path=ppt/slides/slide9.xml><?xml version="1.0" encoding="utf-8"?>
 <p:sld xmlns:a="http://schemas.openxmlformats.org/drawingml/2006/main" xmlns:r="http://schemas.openxmlformats.org/officeDocument/2006/relationships" xmlns:p="http://schemas.openxmlformats.org/presentationml/2006/main">
   <p:cSld>
     <p:spTree>
@@ -17112,7 +17199,7 @@
           <a:p>
             <a:r>
               <a:rPr lang="en-US" altLang="ko-KR" dirty="0"/>
-              <a:t>4. JIRA </a:t>
+              <a:t>5. JIRA </a:t>
             </a:r>
             <a:r>
               <a:rPr lang="ko-KR" altLang="en-US" dirty="0"/>
@@ -18291,988 +18378,6 @@
     <p:extLst>
       <p:ext uri="{BB962C8B-B14F-4D97-AF65-F5344CB8AC3E}">
         <p14:creationId xmlns:p14="http://schemas.microsoft.com/office/powerpoint/2010/main" val="519027918"/>
-      </p:ext>
-    </p:extLst>
-  </p:cSld>
-  <p:clrMapOvr>
-    <a:masterClrMapping/>
-  </p:clrMapOvr>
-</p:sld>
-</file>
-
-<file path=ppt/slides/slide8.xml><?xml version="1.0" encoding="utf-8"?>
-<p:sld xmlns:a="http://schemas.openxmlformats.org/drawingml/2006/main" xmlns:r="http://schemas.openxmlformats.org/officeDocument/2006/relationships" xmlns:p="http://schemas.openxmlformats.org/presentationml/2006/main">
-  <p:cSld>
-    <p:spTree>
-      <p:nvGrpSpPr>
-        <p:cNvPr id="1" name=""/>
-        <p:cNvGrpSpPr/>
-        <p:nvPr/>
-      </p:nvGrpSpPr>
-      <p:grpSpPr>
-        <a:xfrm>
-          <a:off x="0" y="0"/>
-          <a:ext cx="0" cy="0"/>
-          <a:chOff x="0" y="0"/>
-          <a:chExt cx="0" cy="0"/>
-        </a:xfrm>
-      </p:grpSpPr>
-      <p:sp>
-        <p:nvSpPr>
-          <p:cNvPr id="30" name="제목 1">
-            <a:extLst>
-              <a:ext uri="{FF2B5EF4-FFF2-40B4-BE49-F238E27FC236}">
-                <a16:creationId xmlns:a16="http://schemas.microsoft.com/office/drawing/2014/main" id="{E07677D8-5FB3-3385-9BD9-C02A67E5B6DD}"/>
-              </a:ext>
-            </a:extLst>
-          </p:cNvPr>
-          <p:cNvSpPr>
-            <a:spLocks noGrp="1"/>
-          </p:cNvSpPr>
-          <p:nvPr>
-            <p:ph type="title"/>
-          </p:nvPr>
-        </p:nvSpPr>
-        <p:spPr>
-          <a:xfrm>
-            <a:off x="550526" y="215756"/>
-            <a:ext cx="11088845" cy="523982"/>
-          </a:xfrm>
-        </p:spPr>
-        <p:txBody>
-          <a:bodyPr/>
-          <a:lstStyle/>
-          <a:p>
-            <a:r>
-              <a:rPr lang="en-US" altLang="ko-KR" dirty="0"/>
-              <a:t>5. JIRA</a:t>
-            </a:r>
-            <a:r>
-              <a:rPr lang="ko-KR" altLang="en-US" dirty="0"/>
-              <a:t> 보드</a:t>
-            </a:r>
-          </a:p>
-        </p:txBody>
-      </p:sp>
-      <p:sp>
-        <p:nvSpPr>
-          <p:cNvPr id="8" name="AutoShape 7">
-            <a:extLst>
-              <a:ext uri="{FF2B5EF4-FFF2-40B4-BE49-F238E27FC236}">
-                <a16:creationId xmlns:a16="http://schemas.microsoft.com/office/drawing/2014/main" id="{170E9D07-8CC3-83F6-3C2A-0701DCEB6076}"/>
-              </a:ext>
-            </a:extLst>
-          </p:cNvPr>
-          <p:cNvSpPr>
-            <a:spLocks noChangeArrowheads="1"/>
-          </p:cNvSpPr>
-          <p:nvPr/>
-        </p:nvSpPr>
-        <p:spPr bwMode="auto">
-          <a:xfrm>
-            <a:off x="139699" y="971365"/>
-            <a:ext cx="11767672" cy="5481971"/>
-          </a:xfrm>
-          <a:prstGeom prst="roundRect">
-            <a:avLst>
-              <a:gd name="adj" fmla="val 1278"/>
-            </a:avLst>
-          </a:prstGeom>
-          <a:noFill/>
-          <a:ln w="12700" cap="flat" cmpd="sng" algn="ctr">
-            <a:solidFill>
-              <a:srgbClr val="A0A0A0"/>
-            </a:solidFill>
-            <a:prstDash val="solid"/>
-            <a:headEnd/>
-            <a:tailEnd/>
-          </a:ln>
-          <a:effectLst/>
-        </p:spPr>
-        <p:txBody>
-          <a:bodyPr wrap="none" tIns="0" bIns="0"/>
-          <a:lstStyle/>
-          <a:p>
-            <a:pPr eaLnBrk="0" fontAlgn="auto" latinLnBrk="0" hangingPunct="0">
-              <a:spcBef>
-                <a:spcPts val="0"/>
-              </a:spcBef>
-              <a:spcAft>
-                <a:spcPts val="0"/>
-              </a:spcAft>
-              <a:defRPr/>
-            </a:pPr>
-            <a:endParaRPr kumimoji="0" lang="ko-KR" altLang="en-US" kern="0" dirty="0">
-              <a:latin typeface="HY견고딕" pitchFamily="18" charset="-127"/>
-              <a:ea typeface="HY견고딕" pitchFamily="18" charset="-127"/>
-            </a:endParaRPr>
-          </a:p>
-        </p:txBody>
-      </p:sp>
-      <p:sp>
-        <p:nvSpPr>
-          <p:cNvPr id="2" name="TextBox 1">
-            <a:extLst>
-              <a:ext uri="{FF2B5EF4-FFF2-40B4-BE49-F238E27FC236}">
-                <a16:creationId xmlns:a16="http://schemas.microsoft.com/office/drawing/2014/main" id="{1CD3E74A-84DE-AD84-1FE1-3BA628398F61}"/>
-              </a:ext>
-            </a:extLst>
-          </p:cNvPr>
-          <p:cNvSpPr txBox="1"/>
-          <p:nvPr/>
-        </p:nvSpPr>
-        <p:spPr>
-          <a:xfrm>
-            <a:off x="139699" y="1114697"/>
-            <a:ext cx="11767672" cy="3323987"/>
-          </a:xfrm>
-          <a:prstGeom prst="rect">
-            <a:avLst/>
-          </a:prstGeom>
-          <a:noFill/>
-        </p:spPr>
-        <p:txBody>
-          <a:bodyPr wrap="square" rtlCol="0">
-            <a:spAutoFit/>
-          </a:bodyPr>
-          <a:lstStyle/>
-          <a:p>
-            <a:pPr marL="171450" indent="-171450" algn="l" fontAlgn="base">
-              <a:spcAft>
-                <a:spcPts val="1200"/>
-              </a:spcAft>
-              <a:buFont typeface="Wingdings" panose="05000000000000000000" pitchFamily="2" charset="2"/>
-              <a:buChar char="l"/>
-            </a:pPr>
-            <a:r>
-              <a:rPr lang="en-US" altLang="ko-KR" sz="1200" b="0" i="0" dirty="0">
-                <a:solidFill>
-                  <a:srgbClr val="253858"/>
-                </a:solidFill>
-                <a:effectLst/>
-                <a:latin typeface="Charlie Display"/>
-              </a:rPr>
-              <a:t>JIRA </a:t>
-            </a:r>
-            <a:r>
-              <a:rPr lang="ko-KR" altLang="en-US" sz="1200" b="0" i="0" dirty="0">
-                <a:solidFill>
-                  <a:srgbClr val="253858"/>
-                </a:solidFill>
-                <a:effectLst/>
-                <a:latin typeface="Charlie Display"/>
-              </a:rPr>
-              <a:t>보드란</a:t>
-            </a:r>
-            <a:r>
-              <a:rPr lang="en-US" altLang="ko-KR" sz="1200" b="0" i="0" dirty="0">
-                <a:solidFill>
-                  <a:srgbClr val="253858"/>
-                </a:solidFill>
-                <a:effectLst/>
-                <a:latin typeface="Charlie Display"/>
-              </a:rPr>
-              <a:t>?</a:t>
-            </a:r>
-          </a:p>
-          <a:p>
-            <a:pPr algn="l" fontAlgn="base">
-              <a:spcAft>
-                <a:spcPts val="1200"/>
-              </a:spcAft>
-            </a:pPr>
-            <a:r>
-              <a:rPr lang="ko-KR" altLang="en-US" sz="1200" b="0" i="0" dirty="0">
-                <a:solidFill>
-                  <a:srgbClr val="091E42"/>
-                </a:solidFill>
-                <a:effectLst/>
-                <a:latin typeface="Charlie Text"/>
-              </a:rPr>
-              <a:t>애자일 보드는 팀이 작업을 계획하고 시각화하고 관리하는 데 도움이 되는 도구</a:t>
-            </a:r>
-            <a:endParaRPr lang="en-US" altLang="ko-KR" sz="1200" b="0" i="0" dirty="0">
-              <a:solidFill>
-                <a:srgbClr val="091E42"/>
-              </a:solidFill>
-              <a:effectLst/>
-              <a:latin typeface="Charlie Text"/>
-            </a:endParaRPr>
-          </a:p>
-          <a:p>
-            <a:pPr algn="l" fontAlgn="base">
-              <a:spcAft>
-                <a:spcPts val="1200"/>
-              </a:spcAft>
-            </a:pPr>
-            <a:r>
-              <a:rPr lang="ko-KR" altLang="en-US" sz="1200" b="0" i="0" dirty="0">
-                <a:solidFill>
-                  <a:srgbClr val="091E42"/>
-                </a:solidFill>
-                <a:effectLst/>
-                <a:latin typeface="Charlie Text"/>
-              </a:rPr>
-              <a:t>각 </a:t>
-            </a:r>
-            <a:r>
-              <a:rPr lang="en-US" altLang="ko-KR" sz="1200" b="0" i="0" dirty="0">
-                <a:solidFill>
-                  <a:srgbClr val="091E42"/>
-                </a:solidFill>
-                <a:effectLst/>
-                <a:latin typeface="Charlie Text"/>
-              </a:rPr>
-              <a:t>Jira </a:t>
-            </a:r>
-            <a:r>
-              <a:rPr lang="ko-KR" altLang="en-US" sz="1200" b="0" i="0" dirty="0">
-                <a:solidFill>
-                  <a:srgbClr val="091E42"/>
-                </a:solidFill>
-                <a:effectLst/>
-                <a:latin typeface="Charlie Text"/>
-              </a:rPr>
-              <a:t>프로젝트에는 기본적으로 보드가 있으며 시작하지 않은 모든 작업</a:t>
-            </a:r>
-            <a:r>
-              <a:rPr lang="en-US" altLang="ko-KR" sz="1200" b="0" i="0" dirty="0">
-                <a:solidFill>
-                  <a:srgbClr val="091E42"/>
-                </a:solidFill>
-                <a:effectLst/>
-                <a:latin typeface="Charlie Text"/>
-              </a:rPr>
-              <a:t>, </a:t>
-            </a:r>
-            <a:r>
-              <a:rPr lang="ko-KR" altLang="en-US" sz="1200" b="0" i="0" dirty="0">
-                <a:solidFill>
-                  <a:srgbClr val="091E42"/>
-                </a:solidFill>
-                <a:effectLst/>
-                <a:latin typeface="Charlie Text"/>
-              </a:rPr>
-              <a:t>진행 중인 작업 및 완료한 작업에 대한 공유 보기를 팀에 제공</a:t>
-            </a:r>
-            <a:endParaRPr lang="en-US" altLang="ko-KR" sz="1200" b="0" i="0" dirty="0">
-              <a:solidFill>
-                <a:srgbClr val="091E42"/>
-              </a:solidFill>
-              <a:effectLst/>
-              <a:latin typeface="Charlie Text"/>
-            </a:endParaRPr>
-          </a:p>
-          <a:p>
-            <a:pPr algn="l" fontAlgn="base">
-              <a:spcAft>
-                <a:spcPts val="1200"/>
-              </a:spcAft>
-            </a:pPr>
-            <a:r>
-              <a:rPr lang="en-US" altLang="ko-KR" sz="1200" b="0" i="0" dirty="0">
-                <a:solidFill>
-                  <a:srgbClr val="091E42"/>
-                </a:solidFill>
-                <a:effectLst/>
-                <a:latin typeface="Charlie Text"/>
-                <a:hlinkClick r:id="rId2"/>
-              </a:rPr>
-              <a:t>https://kangsanggu74-1728864701657.atlassian.net/jira/software/projects/UDN/boards/2</a:t>
-            </a:r>
-            <a:endParaRPr lang="en-US" altLang="ko-KR" sz="1200" dirty="0">
-              <a:solidFill>
-                <a:srgbClr val="091E42"/>
-              </a:solidFill>
-              <a:latin typeface="Charlie Text"/>
-            </a:endParaRPr>
-          </a:p>
-          <a:p>
-            <a:pPr algn="l" fontAlgn="base">
-              <a:spcAft>
-                <a:spcPts val="1200"/>
-              </a:spcAft>
-            </a:pPr>
-            <a:endParaRPr lang="en-US" altLang="ko-KR" sz="1200" b="0" i="0" dirty="0">
-              <a:solidFill>
-                <a:srgbClr val="091E42"/>
-              </a:solidFill>
-              <a:effectLst/>
-              <a:latin typeface="Charlie Text"/>
-            </a:endParaRPr>
-          </a:p>
-          <a:p>
-            <a:pPr algn="l" fontAlgn="base">
-              <a:spcAft>
-                <a:spcPts val="1200"/>
-              </a:spcAft>
-            </a:pPr>
-            <a:endParaRPr lang="en-US" altLang="ko-KR" sz="1200" b="0" i="0" dirty="0">
-              <a:solidFill>
-                <a:srgbClr val="253858"/>
-              </a:solidFill>
-              <a:effectLst/>
-              <a:latin typeface="Charlie Display"/>
-            </a:endParaRPr>
-          </a:p>
-          <a:p>
-            <a:pPr algn="l" fontAlgn="base">
-              <a:spcAft>
-                <a:spcPts val="1200"/>
-              </a:spcAft>
-            </a:pPr>
-            <a:endParaRPr lang="en-US" altLang="ko-KR" sz="1200" dirty="0">
-              <a:solidFill>
-                <a:srgbClr val="253858"/>
-              </a:solidFill>
-              <a:latin typeface="Charlie Display"/>
-            </a:endParaRPr>
-          </a:p>
-          <a:p>
-            <a:pPr algn="l" fontAlgn="base">
-              <a:spcAft>
-                <a:spcPts val="1200"/>
-              </a:spcAft>
-            </a:pPr>
-            <a:endParaRPr lang="en-US" altLang="ko-KR" sz="1200" b="0" i="0" dirty="0">
-              <a:solidFill>
-                <a:srgbClr val="253858"/>
-              </a:solidFill>
-              <a:effectLst/>
-              <a:latin typeface="Charlie Display"/>
-            </a:endParaRPr>
-          </a:p>
-          <a:p>
-            <a:pPr algn="l" fontAlgn="base">
-              <a:spcAft>
-                <a:spcPts val="1200"/>
-              </a:spcAft>
-            </a:pPr>
-            <a:endParaRPr lang="en-US" altLang="ko-KR" sz="1200" b="0" i="0" dirty="0">
-              <a:solidFill>
-                <a:srgbClr val="253858"/>
-              </a:solidFill>
-              <a:effectLst/>
-              <a:latin typeface="Charlie Display"/>
-            </a:endParaRPr>
-          </a:p>
-          <a:p>
-            <a:pPr algn="l" fontAlgn="base">
-              <a:spcAft>
-                <a:spcPts val="1200"/>
-              </a:spcAft>
-            </a:pPr>
-            <a:endParaRPr lang="ko-KR" altLang="en-US" sz="1200" b="0" i="0" dirty="0">
-              <a:solidFill>
-                <a:srgbClr val="253858"/>
-              </a:solidFill>
-              <a:effectLst/>
-              <a:latin typeface="Charlie Display"/>
-            </a:endParaRPr>
-          </a:p>
-        </p:txBody>
-      </p:sp>
-      <p:pic>
-        <p:nvPicPr>
-          <p:cNvPr id="4" name="그림 3">
-            <a:extLst>
-              <a:ext uri="{FF2B5EF4-FFF2-40B4-BE49-F238E27FC236}">
-                <a16:creationId xmlns:a16="http://schemas.microsoft.com/office/drawing/2014/main" id="{5CD28B26-018C-177E-FE2B-4A8407C05918}"/>
-              </a:ext>
-            </a:extLst>
-          </p:cNvPr>
-          <p:cNvPicPr>
-            <a:picLocks noChangeAspect="1"/>
-          </p:cNvPicPr>
-          <p:nvPr/>
-        </p:nvPicPr>
-        <p:blipFill>
-          <a:blip r:embed="rId3"/>
-          <a:stretch>
-            <a:fillRect/>
-          </a:stretch>
-        </p:blipFill>
-        <p:spPr>
-          <a:xfrm>
-            <a:off x="550525" y="2477736"/>
-            <a:ext cx="7649327" cy="3844687"/>
-          </a:xfrm>
-          <a:prstGeom prst="rect">
-            <a:avLst/>
-          </a:prstGeom>
-        </p:spPr>
-      </p:pic>
-    </p:spTree>
-    <p:extLst>
-      <p:ext uri="{BB962C8B-B14F-4D97-AF65-F5344CB8AC3E}">
-        <p14:creationId xmlns:p14="http://schemas.microsoft.com/office/powerpoint/2010/main" val="405335530"/>
-      </p:ext>
-    </p:extLst>
-  </p:cSld>
-  <p:clrMapOvr>
-    <a:masterClrMapping/>
-  </p:clrMapOvr>
-</p:sld>
-</file>
-
-<file path=ppt/slides/slide9.xml><?xml version="1.0" encoding="utf-8"?>
-<p:sld xmlns:a="http://schemas.openxmlformats.org/drawingml/2006/main" xmlns:r="http://schemas.openxmlformats.org/officeDocument/2006/relationships" xmlns:p="http://schemas.openxmlformats.org/presentationml/2006/main">
-  <p:cSld>
-    <p:spTree>
-      <p:nvGrpSpPr>
-        <p:cNvPr id="1" name=""/>
-        <p:cNvGrpSpPr/>
-        <p:nvPr/>
-      </p:nvGrpSpPr>
-      <p:grpSpPr>
-        <a:xfrm>
-          <a:off x="0" y="0"/>
-          <a:ext cx="0" cy="0"/>
-          <a:chOff x="0" y="0"/>
-          <a:chExt cx="0" cy="0"/>
-        </a:xfrm>
-      </p:grpSpPr>
-      <p:sp>
-        <p:nvSpPr>
-          <p:cNvPr id="30" name="제목 1">
-            <a:extLst>
-              <a:ext uri="{FF2B5EF4-FFF2-40B4-BE49-F238E27FC236}">
-                <a16:creationId xmlns:a16="http://schemas.microsoft.com/office/drawing/2014/main" id="{E07677D8-5FB3-3385-9BD9-C02A67E5B6DD}"/>
-              </a:ext>
-            </a:extLst>
-          </p:cNvPr>
-          <p:cNvSpPr>
-            <a:spLocks noGrp="1"/>
-          </p:cNvSpPr>
-          <p:nvPr>
-            <p:ph type="title"/>
-          </p:nvPr>
-        </p:nvSpPr>
-        <p:spPr>
-          <a:xfrm>
-            <a:off x="550526" y="215756"/>
-            <a:ext cx="11088845" cy="523982"/>
-          </a:xfrm>
-        </p:spPr>
-        <p:txBody>
-          <a:bodyPr/>
-          <a:lstStyle/>
-          <a:p>
-            <a:r>
-              <a:rPr lang="en-US" altLang="ko-KR" dirty="0"/>
-              <a:t>5. JIRA</a:t>
-            </a:r>
-            <a:r>
-              <a:rPr lang="ko-KR" altLang="en-US" dirty="0"/>
-              <a:t> 보드</a:t>
-            </a:r>
-          </a:p>
-        </p:txBody>
-      </p:sp>
-      <p:sp>
-        <p:nvSpPr>
-          <p:cNvPr id="32" name="AutoShape 7">
-            <a:extLst>
-              <a:ext uri="{FF2B5EF4-FFF2-40B4-BE49-F238E27FC236}">
-                <a16:creationId xmlns:a16="http://schemas.microsoft.com/office/drawing/2014/main" id="{170E9D07-8CC3-83F6-3C2A-0701DCEB6076}"/>
-              </a:ext>
-            </a:extLst>
-          </p:cNvPr>
-          <p:cNvSpPr>
-            <a:spLocks noChangeArrowheads="1"/>
-          </p:cNvSpPr>
-          <p:nvPr/>
-        </p:nvSpPr>
-        <p:spPr bwMode="auto">
-          <a:xfrm>
-            <a:off x="139699" y="971365"/>
-            <a:ext cx="11767672" cy="5481971"/>
-          </a:xfrm>
-          <a:prstGeom prst="roundRect">
-            <a:avLst>
-              <a:gd name="adj" fmla="val 1278"/>
-            </a:avLst>
-          </a:prstGeom>
-          <a:noFill/>
-          <a:ln w="12700" cap="flat" cmpd="sng" algn="ctr">
-            <a:solidFill>
-              <a:srgbClr val="A0A0A0"/>
-            </a:solidFill>
-            <a:prstDash val="solid"/>
-            <a:headEnd/>
-            <a:tailEnd/>
-          </a:ln>
-          <a:effectLst/>
-        </p:spPr>
-        <p:txBody>
-          <a:bodyPr wrap="none" tIns="0" bIns="0"/>
-          <a:lstStyle/>
-          <a:p>
-            <a:pPr eaLnBrk="0" fontAlgn="auto" latinLnBrk="0" hangingPunct="0">
-              <a:spcBef>
-                <a:spcPts val="0"/>
-              </a:spcBef>
-              <a:spcAft>
-                <a:spcPts val="0"/>
-              </a:spcAft>
-              <a:defRPr/>
-            </a:pPr>
-            <a:endParaRPr kumimoji="0" lang="ko-KR" altLang="en-US" kern="0" dirty="0">
-              <a:latin typeface="HY견고딕" pitchFamily="18" charset="-127"/>
-              <a:ea typeface="HY견고딕" pitchFamily="18" charset="-127"/>
-            </a:endParaRPr>
-          </a:p>
-        </p:txBody>
-      </p:sp>
-      <p:sp>
-        <p:nvSpPr>
-          <p:cNvPr id="2" name="TextBox 1">
-            <a:extLst>
-              <a:ext uri="{FF2B5EF4-FFF2-40B4-BE49-F238E27FC236}">
-                <a16:creationId xmlns:a16="http://schemas.microsoft.com/office/drawing/2014/main" id="{9B473E62-C6C3-1207-38B2-C1D3466A2CE2}"/>
-              </a:ext>
-            </a:extLst>
-          </p:cNvPr>
-          <p:cNvSpPr txBox="1"/>
-          <p:nvPr/>
-        </p:nvSpPr>
-        <p:spPr>
-          <a:xfrm>
-            <a:off x="139699" y="1114697"/>
-            <a:ext cx="11767672" cy="3847207"/>
-          </a:xfrm>
-          <a:prstGeom prst="rect">
-            <a:avLst/>
-          </a:prstGeom>
-          <a:noFill/>
-        </p:spPr>
-        <p:txBody>
-          <a:bodyPr wrap="square" rtlCol="0">
-            <a:spAutoFit/>
-          </a:bodyPr>
-          <a:lstStyle/>
-          <a:p>
-            <a:pPr marL="171450" indent="-171450" algn="l" fontAlgn="base">
-              <a:spcAft>
-                <a:spcPts val="1200"/>
-              </a:spcAft>
-              <a:buFont typeface="Wingdings" panose="05000000000000000000" pitchFamily="2" charset="2"/>
-              <a:buChar char="l"/>
-            </a:pPr>
-            <a:r>
-              <a:rPr lang="en-US" altLang="ko-KR" sz="1200" b="0" i="0" dirty="0">
-                <a:solidFill>
-                  <a:srgbClr val="253858"/>
-                </a:solidFill>
-                <a:effectLst/>
-                <a:latin typeface="Charlie Display"/>
-              </a:rPr>
-              <a:t>JIRA </a:t>
-            </a:r>
-            <a:r>
-              <a:rPr lang="ko-KR" altLang="en-US" sz="1200" b="0" i="0" dirty="0">
-                <a:solidFill>
-                  <a:srgbClr val="253858"/>
-                </a:solidFill>
-                <a:effectLst/>
-                <a:latin typeface="Charlie Display"/>
-              </a:rPr>
-              <a:t>보드와 프로젝트는 어떻게 다릅니까</a:t>
-            </a:r>
-            <a:r>
-              <a:rPr lang="en-US" altLang="ko-KR" sz="1200" b="0" i="0" dirty="0">
-                <a:solidFill>
-                  <a:srgbClr val="253858"/>
-                </a:solidFill>
-                <a:effectLst/>
-                <a:latin typeface="Charlie Display"/>
-              </a:rPr>
-              <a:t>?</a:t>
-            </a:r>
-          </a:p>
-          <a:p>
-            <a:pPr algn="l" fontAlgn="base">
-              <a:spcAft>
-                <a:spcPts val="1200"/>
-              </a:spcAft>
-            </a:pPr>
-            <a:r>
-              <a:rPr lang="en-US" altLang="ko-KR" sz="1200" b="0" i="0" dirty="0">
-                <a:solidFill>
-                  <a:srgbClr val="091E42"/>
-                </a:solidFill>
-                <a:effectLst/>
-                <a:latin typeface="Charlie Text"/>
-              </a:rPr>
-              <a:t>Jira </a:t>
-            </a:r>
-            <a:r>
-              <a:rPr lang="ko-KR" altLang="en-US" sz="1200" b="0" i="0" dirty="0">
-                <a:solidFill>
-                  <a:srgbClr val="091E42"/>
-                </a:solidFill>
-                <a:effectLst/>
-                <a:latin typeface="Charlie Text"/>
-              </a:rPr>
-              <a:t>프로젝트에는 특정 목표를 달성하기 위해 완료해야 하는 모든 이슈의 모음</a:t>
-            </a:r>
-            <a:r>
-              <a:rPr lang="en-US" altLang="ko-KR" sz="1200" b="0" i="0" dirty="0">
-                <a:solidFill>
-                  <a:srgbClr val="091E42"/>
-                </a:solidFill>
-                <a:effectLst/>
-                <a:latin typeface="Charlie Text"/>
-              </a:rPr>
-              <a:t>. </a:t>
-            </a:r>
-            <a:r>
-              <a:rPr lang="ko-KR" altLang="en-US" sz="1200" b="0" i="0" dirty="0">
-                <a:solidFill>
-                  <a:srgbClr val="091E42"/>
-                </a:solidFill>
-                <a:effectLst/>
-                <a:latin typeface="Charlie Text"/>
-              </a:rPr>
-              <a:t>반면 </a:t>
-            </a:r>
-            <a:r>
-              <a:rPr lang="en-US" altLang="ko-KR" sz="1200" b="0" i="0" dirty="0">
-                <a:solidFill>
-                  <a:srgbClr val="091E42"/>
-                </a:solidFill>
-                <a:effectLst/>
-                <a:latin typeface="Charlie Text"/>
-              </a:rPr>
-              <a:t>Jira </a:t>
-            </a:r>
-            <a:r>
-              <a:rPr lang="ko-KR" altLang="en-US" sz="1200" b="0" i="0" dirty="0">
-                <a:solidFill>
-                  <a:srgbClr val="091E42"/>
-                </a:solidFill>
-                <a:effectLst/>
-                <a:latin typeface="Charlie Text"/>
-              </a:rPr>
-              <a:t>보드는 이슈가 만들어지고 완료될 때까지 이슈를 관리하는 데 사용되는 도구이다</a:t>
-            </a:r>
-            <a:r>
-              <a:rPr lang="en-US" altLang="ko-KR" sz="1200" b="0" i="0" dirty="0">
-                <a:solidFill>
-                  <a:srgbClr val="091E42"/>
-                </a:solidFill>
-                <a:effectLst/>
-                <a:latin typeface="Charlie Text"/>
-              </a:rPr>
-              <a:t>.</a:t>
-            </a:r>
-          </a:p>
-          <a:p>
-            <a:pPr marL="171450" indent="-171450" algn="l" fontAlgn="base">
-              <a:spcAft>
-                <a:spcPts val="1200"/>
-              </a:spcAft>
-              <a:buFont typeface="Wingdings" panose="05000000000000000000" pitchFamily="2" charset="2"/>
-              <a:buChar char="l"/>
-            </a:pPr>
-            <a:r>
-              <a:rPr lang="ko-KR" altLang="en-US" sz="1200" b="0" i="0" dirty="0">
-                <a:solidFill>
-                  <a:srgbClr val="091E42"/>
-                </a:solidFill>
-                <a:effectLst/>
-                <a:latin typeface="Charlie Text"/>
-              </a:rPr>
-              <a:t>보드는 팀의 고유한 작업 방식에 따라 다양하게 사용할 수 있는 유연한 도구</a:t>
-            </a:r>
-            <a:endParaRPr lang="en-US" altLang="ko-KR" sz="1200" b="0" i="0" dirty="0">
-              <a:solidFill>
-                <a:srgbClr val="253858"/>
-              </a:solidFill>
-              <a:effectLst/>
-              <a:latin typeface="Charlie Display"/>
-            </a:endParaRPr>
-          </a:p>
-          <a:p>
-            <a:pPr marL="171450" indent="-171450" algn="l" fontAlgn="base">
-              <a:spcAft>
-                <a:spcPts val="1200"/>
-              </a:spcAft>
-              <a:buFont typeface="Wingdings" panose="05000000000000000000" pitchFamily="2" charset="2"/>
-              <a:buChar char="§"/>
-            </a:pPr>
-            <a:r>
-              <a:rPr lang="ko-KR" altLang="en-US" sz="1200" b="1" i="0" dirty="0">
-                <a:solidFill>
-                  <a:srgbClr val="091E42"/>
-                </a:solidFill>
-                <a:effectLst/>
-                <a:latin typeface="Charlie Text"/>
-              </a:rPr>
-              <a:t>스크럼을 적용하는 팀</a:t>
-            </a:r>
-            <a:r>
-              <a:rPr lang="en-US" altLang="ko-KR" sz="1200" b="0" i="0" dirty="0">
-                <a:solidFill>
-                  <a:srgbClr val="091E42"/>
-                </a:solidFill>
-                <a:effectLst/>
-                <a:latin typeface="Charlie Text"/>
-              </a:rPr>
-              <a:t>:</a:t>
-            </a:r>
-            <a:r>
-              <a:rPr lang="ko-KR" altLang="en-US" sz="1200" b="0" i="0" dirty="0">
-                <a:solidFill>
-                  <a:srgbClr val="091E42"/>
-                </a:solidFill>
-                <a:effectLst/>
-                <a:latin typeface="Charlie Text"/>
-              </a:rPr>
-              <a:t> 스프린트 또는 시간이 정해진 기간 내에 이행하기로 약속한 우선 순위가 지정된 이슈 선택 항목을 표시하기 위해 보드를 사용</a:t>
-            </a:r>
-            <a:r>
-              <a:rPr lang="en-US" altLang="ko-KR" sz="1200" b="0" i="0" dirty="0">
-                <a:solidFill>
-                  <a:srgbClr val="091E42"/>
-                </a:solidFill>
-                <a:effectLst/>
-                <a:latin typeface="Charlie Text"/>
-              </a:rPr>
-              <a:t>. </a:t>
-            </a:r>
-            <a:r>
-              <a:rPr lang="ko-KR" altLang="en-US" sz="1200" b="0" i="0" dirty="0">
-                <a:solidFill>
-                  <a:srgbClr val="091E42"/>
-                </a:solidFill>
-                <a:effectLst/>
-                <a:latin typeface="Charlie Text"/>
-              </a:rPr>
-              <a:t>선택 항목 외의 이슈는 백로그에서 찾을 수 있다</a:t>
-            </a:r>
-            <a:r>
-              <a:rPr lang="en-US" altLang="ko-KR" sz="1200" b="0" i="0" dirty="0">
-                <a:solidFill>
-                  <a:srgbClr val="091E42"/>
-                </a:solidFill>
-                <a:effectLst/>
-                <a:latin typeface="Charlie Text"/>
-              </a:rPr>
-              <a:t>.</a:t>
-            </a:r>
-          </a:p>
-          <a:p>
-            <a:pPr marL="171450" indent="-171450" algn="l" fontAlgn="base">
-              <a:spcAft>
-                <a:spcPts val="1200"/>
-              </a:spcAft>
-              <a:buFont typeface="Wingdings" panose="05000000000000000000" pitchFamily="2" charset="2"/>
-              <a:buChar char="§"/>
-            </a:pPr>
-            <a:r>
-              <a:rPr lang="ko-KR" altLang="en-US" sz="1200" b="1" i="0" dirty="0" err="1">
-                <a:solidFill>
-                  <a:srgbClr val="091E42"/>
-                </a:solidFill>
-                <a:effectLst/>
-                <a:latin typeface="Charlie Text"/>
-              </a:rPr>
-              <a:t>칸반을</a:t>
-            </a:r>
-            <a:r>
-              <a:rPr lang="ko-KR" altLang="en-US" sz="1200" b="1" i="0" dirty="0">
-                <a:solidFill>
-                  <a:srgbClr val="091E42"/>
-                </a:solidFill>
-                <a:effectLst/>
-                <a:latin typeface="Charlie Text"/>
-              </a:rPr>
-              <a:t> 적용하는 팀</a:t>
-            </a:r>
-            <a:r>
-              <a:rPr lang="en-US" altLang="ko-KR" sz="1200" b="0" i="0" dirty="0">
-                <a:solidFill>
-                  <a:srgbClr val="091E42"/>
-                </a:solidFill>
-                <a:effectLst/>
-                <a:latin typeface="Charlie Text"/>
-              </a:rPr>
-              <a:t>:</a:t>
-            </a:r>
-            <a:r>
-              <a:rPr lang="ko-KR" altLang="en-US" sz="1200" b="0" i="0" dirty="0">
-                <a:solidFill>
-                  <a:srgbClr val="091E42"/>
-                </a:solidFill>
-                <a:effectLst/>
-                <a:latin typeface="Charlie Text"/>
-              </a:rPr>
-              <a:t> 보드를 모든 이슈의 작업 관리 도구로 사용하고 이슈가 만들어지고 완료될 때까지 각 이슈가 해당 열을 거치도록 합니다</a:t>
-            </a:r>
-            <a:r>
-              <a:rPr lang="en-US" altLang="ko-KR" sz="1200" b="0" i="0" dirty="0">
-                <a:solidFill>
-                  <a:srgbClr val="091E42"/>
-                </a:solidFill>
-                <a:effectLst/>
-                <a:latin typeface="Charlie Text"/>
-              </a:rPr>
-              <a:t>.</a:t>
-            </a:r>
-          </a:p>
-          <a:p>
-            <a:pPr marL="171450" indent="-171450" algn="l" fontAlgn="base">
-              <a:spcAft>
-                <a:spcPts val="1200"/>
-              </a:spcAft>
-              <a:buFont typeface="Wingdings" panose="05000000000000000000" pitchFamily="2" charset="2"/>
-              <a:buChar char="§"/>
-            </a:pPr>
-            <a:r>
-              <a:rPr lang="ko-KR" altLang="en-US" sz="1200" b="1" i="0" dirty="0">
-                <a:solidFill>
-                  <a:srgbClr val="091E42"/>
-                </a:solidFill>
-                <a:effectLst/>
-                <a:latin typeface="Charlie Text"/>
-              </a:rPr>
-              <a:t>대규모 프로젝트나 여러 작업 스트림이 있는 팀</a:t>
-            </a:r>
-            <a:r>
-              <a:rPr lang="en-US" altLang="ko-KR" sz="1200" b="0" i="0" dirty="0">
-                <a:solidFill>
-                  <a:srgbClr val="091E42"/>
-                </a:solidFill>
-                <a:effectLst/>
-                <a:latin typeface="Charlie Text"/>
-              </a:rPr>
-              <a:t>:</a:t>
-            </a:r>
-            <a:r>
-              <a:rPr lang="ko-KR" altLang="en-US" sz="1200" b="0" i="0" dirty="0">
-                <a:solidFill>
-                  <a:srgbClr val="091E42"/>
-                </a:solidFill>
-                <a:effectLst/>
-                <a:latin typeface="Charlie Text"/>
-              </a:rPr>
-              <a:t> 여러 보드 또는 교차 프로젝트 보드를 사용하여 다양한 유형의 작업을 더 쉽게 추적하고 관리할 수 있습니다</a:t>
-            </a:r>
-            <a:r>
-              <a:rPr lang="en-US" altLang="ko-KR" sz="1200" b="0" i="0" dirty="0">
-                <a:solidFill>
-                  <a:srgbClr val="091E42"/>
-                </a:solidFill>
-                <a:effectLst/>
-                <a:latin typeface="Charlie Text"/>
-              </a:rPr>
-              <a:t>.</a:t>
-            </a:r>
-            <a:endParaRPr lang="en-US" altLang="ko-KR" sz="1200" dirty="0">
-              <a:solidFill>
-                <a:srgbClr val="253858"/>
-              </a:solidFill>
-              <a:latin typeface="Charlie Display"/>
-            </a:endParaRPr>
-          </a:p>
-          <a:p>
-            <a:pPr marL="171450" indent="-171450" algn="l" fontAlgn="base">
-              <a:spcAft>
-                <a:spcPts val="1200"/>
-              </a:spcAft>
-              <a:buFont typeface="Wingdings" panose="05000000000000000000" pitchFamily="2" charset="2"/>
-              <a:buChar char="l"/>
-            </a:pPr>
-            <a:r>
-              <a:rPr lang="en-US" altLang="ko-KR" sz="1200" b="0" i="0" dirty="0">
-                <a:solidFill>
-                  <a:srgbClr val="253858"/>
-                </a:solidFill>
-                <a:effectLst/>
-                <a:latin typeface="Charlie Display"/>
-              </a:rPr>
-              <a:t>JIRA</a:t>
-            </a:r>
-            <a:r>
-              <a:rPr lang="ko-KR" altLang="en-US" sz="1200" b="0" i="0" dirty="0">
-                <a:solidFill>
-                  <a:srgbClr val="253858"/>
-                </a:solidFill>
-                <a:effectLst/>
-                <a:latin typeface="Charlie Display"/>
-              </a:rPr>
-              <a:t>에서 사용할 수 있는 보드의 유형</a:t>
-            </a:r>
-            <a:endParaRPr lang="en-US" altLang="ko-KR" sz="1200" b="0" i="0" dirty="0">
-              <a:solidFill>
-                <a:srgbClr val="253858"/>
-              </a:solidFill>
-              <a:effectLst/>
-              <a:latin typeface="Charlie Display"/>
-            </a:endParaRPr>
-          </a:p>
-          <a:p>
-            <a:pPr algn="l" fontAlgn="base">
-              <a:spcAft>
-                <a:spcPts val="1200"/>
-              </a:spcAft>
-            </a:pPr>
-            <a:endParaRPr lang="en-US" altLang="ko-KR" sz="1200" dirty="0">
-              <a:solidFill>
-                <a:srgbClr val="253858"/>
-              </a:solidFill>
-              <a:latin typeface="Charlie Display"/>
-            </a:endParaRPr>
-          </a:p>
-          <a:p>
-            <a:pPr algn="l" fontAlgn="base">
-              <a:spcAft>
-                <a:spcPts val="1200"/>
-              </a:spcAft>
-            </a:pPr>
-            <a:endParaRPr lang="en-US" altLang="ko-KR" sz="1200" b="0" i="0" dirty="0">
-              <a:solidFill>
-                <a:srgbClr val="253858"/>
-              </a:solidFill>
-              <a:effectLst/>
-              <a:latin typeface="Charlie Display"/>
-            </a:endParaRPr>
-          </a:p>
-          <a:p>
-            <a:pPr algn="l" fontAlgn="base">
-              <a:spcAft>
-                <a:spcPts val="1200"/>
-              </a:spcAft>
-            </a:pPr>
-            <a:endParaRPr lang="en-US" altLang="ko-KR" sz="1200" b="0" i="0" dirty="0">
-              <a:solidFill>
-                <a:srgbClr val="253858"/>
-              </a:solidFill>
-              <a:effectLst/>
-              <a:latin typeface="Charlie Display"/>
-            </a:endParaRPr>
-          </a:p>
-          <a:p>
-            <a:pPr algn="l" fontAlgn="base">
-              <a:spcAft>
-                <a:spcPts val="1200"/>
-              </a:spcAft>
-            </a:pPr>
-            <a:endParaRPr lang="ko-KR" altLang="en-US" sz="1200" b="0" i="0" dirty="0">
-              <a:solidFill>
-                <a:srgbClr val="253858"/>
-              </a:solidFill>
-              <a:effectLst/>
-              <a:latin typeface="Charlie Display"/>
-            </a:endParaRPr>
-          </a:p>
-        </p:txBody>
-      </p:sp>
-    </p:spTree>
-    <p:extLst>
-      <p:ext uri="{BB962C8B-B14F-4D97-AF65-F5344CB8AC3E}">
-        <p14:creationId xmlns:p14="http://schemas.microsoft.com/office/powerpoint/2010/main" val="2903534060"/>
       </p:ext>
     </p:extLst>
   </p:cSld>
@@ -20204,15 +19309,6 @@
 </file>
 
 <file path=customXml/item1.xml><?xml version="1.0" encoding="utf-8"?>
-<?mso-contentType ?>
-<FormTemplates xmlns="http://schemas.microsoft.com/sharepoint/v3/contenttype/forms">
-  <Display>DocumentLibraryForm</Display>
-  <Edit>DocumentLibraryForm</Edit>
-  <New>DocumentLibraryForm</New>
-</FormTemplates>
-</file>
-
-<file path=customXml/item2.xml><?xml version="1.0" encoding="utf-8"?>
 <ct:contentTypeSchema xmlns:ct="http://schemas.microsoft.com/office/2006/metadata/contentType" xmlns:ma="http://schemas.microsoft.com/office/2006/metadata/properties/metaAttributes" ct:_="" ma:_="" ma:contentTypeName="문서" ma:contentTypeID="0x0101000DC68666E97AFF4BBAD7A5FE64735B7A" ma:contentTypeVersion="4" ma:contentTypeDescription="새 문서를 만듭니다." ma:contentTypeScope="" ma:versionID="0b00407589b835ee755b9e23f25e5fe3">
   <xsd:schema xmlns:xsd="http://www.w3.org/2001/XMLSchema" xmlns:xs="http://www.w3.org/2001/XMLSchema" xmlns:p="http://schemas.microsoft.com/office/2006/metadata/properties" xmlns:ns2="a7808110-8328-42fc-b4bb-a41d2afd8544" xmlns:ns3="90b0d3db-da4e-4480-a7d2-0c179ad16e16" targetNamespace="http://schemas.microsoft.com/office/2006/metadata/properties" ma:root="true" ma:fieldsID="fb3734044a15ad06594235ed8616f05a" ns2:_="" ns3:_="">
     <xsd:import namespace="a7808110-8328-42fc-b4bb-a41d2afd8544"/>
@@ -20377,6 +19473,15 @@
 </ct:contentTypeSchema>
 </file>
 
+<file path=customXml/item2.xml><?xml version="1.0" encoding="utf-8"?>
+<?mso-contentType ?>
+<FormTemplates xmlns="http://schemas.microsoft.com/sharepoint/v3/contenttype/forms">
+  <Display>DocumentLibraryForm</Display>
+  <Edit>DocumentLibraryForm</Edit>
+  <New>DocumentLibraryForm</New>
+</FormTemplates>
+</file>
+
 <file path=customXml/item3.xml><?xml version="1.0" encoding="utf-8"?>
 <p:properties xmlns:p="http://schemas.microsoft.com/office/2006/metadata/properties" xmlns:xsi="http://www.w3.org/2001/XMLSchema-instance" xmlns:pc="http://schemas.microsoft.com/office/infopath/2007/PartnerControls">
   <documentManagement/>
@@ -20384,14 +19489,6 @@
 </file>
 
 <file path=customXml/itemProps1.xml><?xml version="1.0" encoding="utf-8"?>
-<ds:datastoreItem xmlns:ds="http://schemas.openxmlformats.org/officeDocument/2006/customXml" ds:itemID="{F34E3531-3C7B-4F91-8F05-D253CEC9450F}">
-  <ds:schemaRefs>
-    <ds:schemaRef ds:uri="http://schemas.microsoft.com/sharepoint/v3/contenttype/forms"/>
-  </ds:schemaRefs>
-</ds:datastoreItem>
-</file>
-
-<file path=customXml/itemProps2.xml><?xml version="1.0" encoding="utf-8"?>
 <ds:datastoreItem xmlns:ds="http://schemas.openxmlformats.org/officeDocument/2006/customXml" ds:itemID="{96426C5A-A190-4C7D-A859-77AA9214B293}">
   <ds:schemaRefs>
     <ds:schemaRef ds:uri="http://schemas.microsoft.com/office/2006/metadata/contentType"/>
@@ -20406,6 +19503,14 @@
     <ds:schemaRef ds:uri="http://purl.org/dc/elements/1.1/"/>
     <ds:schemaRef ds:uri="http://purl.org/dc/terms/"/>
     <ds:schemaRef ds:uri="http://schemas.microsoft.com/internal/obd"/>
+  </ds:schemaRefs>
+</ds:datastoreItem>
+</file>
+
+<file path=customXml/itemProps2.xml><?xml version="1.0" encoding="utf-8"?>
+<ds:datastoreItem xmlns:ds="http://schemas.openxmlformats.org/officeDocument/2006/customXml" ds:itemID="{F34E3531-3C7B-4F91-8F05-D253CEC9450F}">
+  <ds:schemaRefs>
+    <ds:schemaRef ds:uri="http://schemas.microsoft.com/sharepoint/v3/contenttype/forms"/>
   </ds:schemaRefs>
 </ds:datastoreItem>
 </file>
